--- a/Documentation/Images/gopigo_figures.pptx
+++ b/Documentation/Images/gopigo_figures.pptx
@@ -10,6 +10,7 @@
     <p:sldId id="264" r:id="rId4"/>
     <p:sldId id="263" r:id="rId5"/>
     <p:sldId id="537" r:id="rId6"/>
+    <p:sldId id="486" r:id="rId7"/>
   </p:sldIdLst>
   <p:sldSz cx="12192000" cy="6858000"/>
   <p:notesSz cx="6858000" cy="9144000"/>
@@ -358,7 +359,7 @@
           <a:p>
             <a:fld id="{D9ACC804-BFB3-4281-BFB4-31464421CE9A}" type="datetimeFigureOut">
               <a:rPr lang="ca-ES" smtClean="0"/>
-              <a:t>2/12/2023</a:t>
+              <a:t>4/12/2023</a:t>
             </a:fld>
             <a:endParaRPr lang="ca-ES"/>
           </a:p>
@@ -558,7 +559,7 @@
           <a:p>
             <a:fld id="{D9ACC804-BFB3-4281-BFB4-31464421CE9A}" type="datetimeFigureOut">
               <a:rPr lang="ca-ES" smtClean="0"/>
-              <a:t>2/12/2023</a:t>
+              <a:t>4/12/2023</a:t>
             </a:fld>
             <a:endParaRPr lang="ca-ES"/>
           </a:p>
@@ -768,7 +769,7 @@
           <a:p>
             <a:fld id="{D9ACC804-BFB3-4281-BFB4-31464421CE9A}" type="datetimeFigureOut">
               <a:rPr lang="ca-ES" smtClean="0"/>
-              <a:t>2/12/2023</a:t>
+              <a:t>4/12/2023</a:t>
             </a:fld>
             <a:endParaRPr lang="ca-ES"/>
           </a:p>
@@ -1023,7 +1024,7 @@
           <a:p>
             <a:fld id="{C39F40FD-C94F-48B6-91D8-1CCD37C3B654}" type="datetime1">
               <a:rPr lang="ca-ES" smtClean="0"/>
-              <a:t>2/12/2023</a:t>
+              <a:t>4/12/2023</a:t>
             </a:fld>
             <a:endParaRPr lang="ca-ES" dirty="0"/>
           </a:p>
@@ -1264,7 +1265,7 @@
           <a:p>
             <a:fld id="{D9ACC804-BFB3-4281-BFB4-31464421CE9A}" type="datetimeFigureOut">
               <a:rPr lang="ca-ES" smtClean="0"/>
-              <a:t>2/12/2023</a:t>
+              <a:t>4/12/2023</a:t>
             </a:fld>
             <a:endParaRPr lang="ca-ES"/>
           </a:p>
@@ -1540,7 +1541,7 @@
           <a:p>
             <a:fld id="{D9ACC804-BFB3-4281-BFB4-31464421CE9A}" type="datetimeFigureOut">
               <a:rPr lang="ca-ES" smtClean="0"/>
-              <a:t>2/12/2023</a:t>
+              <a:t>4/12/2023</a:t>
             </a:fld>
             <a:endParaRPr lang="ca-ES"/>
           </a:p>
@@ -1808,7 +1809,7 @@
           <a:p>
             <a:fld id="{D9ACC804-BFB3-4281-BFB4-31464421CE9A}" type="datetimeFigureOut">
               <a:rPr lang="ca-ES" smtClean="0"/>
-              <a:t>2/12/2023</a:t>
+              <a:t>4/12/2023</a:t>
             </a:fld>
             <a:endParaRPr lang="ca-ES"/>
           </a:p>
@@ -2223,7 +2224,7 @@
           <a:p>
             <a:fld id="{D9ACC804-BFB3-4281-BFB4-31464421CE9A}" type="datetimeFigureOut">
               <a:rPr lang="ca-ES" smtClean="0"/>
-              <a:t>2/12/2023</a:t>
+              <a:t>4/12/2023</a:t>
             </a:fld>
             <a:endParaRPr lang="ca-ES"/>
           </a:p>
@@ -2365,7 +2366,7 @@
           <a:p>
             <a:fld id="{D9ACC804-BFB3-4281-BFB4-31464421CE9A}" type="datetimeFigureOut">
               <a:rPr lang="ca-ES" smtClean="0"/>
-              <a:t>2/12/2023</a:t>
+              <a:t>4/12/2023</a:t>
             </a:fld>
             <a:endParaRPr lang="ca-ES"/>
           </a:p>
@@ -2478,7 +2479,7 @@
           <a:p>
             <a:fld id="{D9ACC804-BFB3-4281-BFB4-31464421CE9A}" type="datetimeFigureOut">
               <a:rPr lang="ca-ES" smtClean="0"/>
-              <a:t>2/12/2023</a:t>
+              <a:t>4/12/2023</a:t>
             </a:fld>
             <a:endParaRPr lang="ca-ES"/>
           </a:p>
@@ -2791,7 +2792,7 @@
           <a:p>
             <a:fld id="{D9ACC804-BFB3-4281-BFB4-31464421CE9A}" type="datetimeFigureOut">
               <a:rPr lang="ca-ES" smtClean="0"/>
-              <a:t>2/12/2023</a:t>
+              <a:t>4/12/2023</a:t>
             </a:fld>
             <a:endParaRPr lang="ca-ES"/>
           </a:p>
@@ -3080,7 +3081,7 @@
           <a:p>
             <a:fld id="{D9ACC804-BFB3-4281-BFB4-31464421CE9A}" type="datetimeFigureOut">
               <a:rPr lang="ca-ES" smtClean="0"/>
-              <a:t>2/12/2023</a:t>
+              <a:t>4/12/2023</a:t>
             </a:fld>
             <a:endParaRPr lang="ca-ES"/>
           </a:p>
@@ -3323,7 +3324,7 @@
           <a:p>
             <a:fld id="{D9ACC804-BFB3-4281-BFB4-31464421CE9A}" type="datetimeFigureOut">
               <a:rPr lang="ca-ES" smtClean="0"/>
-              <a:t>2/12/2023</a:t>
+              <a:t>4/12/2023</a:t>
             </a:fld>
             <a:endParaRPr lang="ca-ES"/>
           </a:p>
@@ -3927,10 +3928,9 @@
           </a:p>
           <a:p>
             <a:r>
-              <a:rPr lang="ca-ES" dirty="0" err="1"/>
+              <a:rPr lang="ca-ES" dirty="0"/>
               <a:t>raspicam</a:t>
             </a:r>
-            <a:endParaRPr lang="ca-ES" dirty="0"/>
           </a:p>
         </p:txBody>
       </p:sp>
@@ -4022,35 +4022,6 @@
           <a:chExt cx="0" cy="0"/>
         </a:xfrm>
       </p:grpSpPr>
-      <p:pic>
-        <p:nvPicPr>
-          <p:cNvPr id="3" name="Picture 2">
-            <a:extLst>
-              <a:ext uri="{FF2B5EF4-FFF2-40B4-BE49-F238E27FC236}">
-                <a16:creationId xmlns:a16="http://schemas.microsoft.com/office/drawing/2014/main" id="{0578D19B-E215-BAE6-5AB5-A674798648E2}"/>
-              </a:ext>
-            </a:extLst>
-          </p:cNvPr>
-          <p:cNvPicPr>
-            <a:picLocks noChangeAspect="1"/>
-          </p:cNvPicPr>
-          <p:nvPr/>
-        </p:nvPicPr>
-        <p:blipFill rotWithShape="1">
-          <a:blip r:embed="rId2"/>
-          <a:srcRect l="11637" t="54557" r="7573" b="2977"/>
-          <a:stretch/>
-        </p:blipFill>
-        <p:spPr>
-          <a:xfrm>
-            <a:off x="1414653" y="5259866"/>
-            <a:ext cx="2023652" cy="1063705"/>
-          </a:xfrm>
-          <a:prstGeom prst="rect">
-            <a:avLst/>
-          </a:prstGeom>
-        </p:spPr>
-      </p:pic>
       <p:cxnSp>
         <p:nvCxnSpPr>
           <p:cNvPr id="7" name="Conector recto de flecha 6">
@@ -4157,7 +4128,7 @@
         </p:nvSpPr>
         <p:spPr>
           <a:xfrm>
-            <a:off x="4987170" y="5529765"/>
+            <a:off x="5314949" y="5646192"/>
             <a:ext cx="1056379" cy="461665"/>
           </a:xfrm>
           <a:prstGeom prst="rect">
@@ -4201,7 +4172,7 @@
         </p:nvSpPr>
         <p:spPr>
           <a:xfrm>
-            <a:off x="4734846" y="6472207"/>
+            <a:off x="4793839" y="6364917"/>
             <a:ext cx="2373278" cy="400110"/>
           </a:xfrm>
           <a:prstGeom prst="rect">
@@ -4505,7 +4476,7 @@
         <p:spPr>
           <a:xfrm>
             <a:off x="7678822" y="3987114"/>
-            <a:ext cx="2073003" cy="523220"/>
+            <a:ext cx="1511439" cy="523220"/>
           </a:xfrm>
           <a:prstGeom prst="rect">
             <a:avLst/>
@@ -4526,7 +4497,7 @@
                   </a:schemeClr>
                 </a:solidFill>
               </a:rPr>
-              <a:t>/serial_node</a:t>
+              <a:t>/gopigo3</a:t>
             </a:r>
             <a:endParaRPr lang="es-ES" sz="2800" b="1" dirty="0">
               <a:solidFill>
@@ -4759,42 +4730,6 @@
       </p:sp>
       <p:sp>
         <p:nvSpPr>
-          <p:cNvPr id="21" name="CuadroTexto 20">
-            <a:extLst>
-              <a:ext uri="{FF2B5EF4-FFF2-40B4-BE49-F238E27FC236}">
-                <a16:creationId xmlns:a16="http://schemas.microsoft.com/office/drawing/2014/main" id="{C5051B2E-AB43-47B5-A1F6-3DA219C8F200}"/>
-              </a:ext>
-            </a:extLst>
-          </p:cNvPr>
-          <p:cNvSpPr txBox="1"/>
-          <p:nvPr/>
-        </p:nvSpPr>
-        <p:spPr>
-          <a:xfrm>
-            <a:off x="9121130" y="2203696"/>
-            <a:ext cx="987771" cy="523220"/>
-          </a:xfrm>
-          <a:prstGeom prst="rect">
-            <a:avLst/>
-          </a:prstGeom>
-          <a:noFill/>
-        </p:spPr>
-        <p:txBody>
-          <a:bodyPr wrap="none" rtlCol="0">
-            <a:spAutoFit/>
-          </a:bodyPr>
-          <a:lstStyle/>
-          <a:p>
-            <a:r>
-              <a:rPr lang="ca-ES" sz="2800" b="1" dirty="0"/>
-              <a:t>Node</a:t>
-            </a:r>
-            <a:endParaRPr lang="es-ES" sz="2800" b="1" dirty="0"/>
-          </a:p>
-        </p:txBody>
-      </p:sp>
-      <p:sp>
-        <p:nvSpPr>
           <p:cNvPr id="22" name="Elipse 21">
             <a:extLst>
               <a:ext uri="{FF2B5EF4-FFF2-40B4-BE49-F238E27FC236}">
@@ -4855,8 +4790,8 @@
         </p:nvSpPr>
         <p:spPr>
           <a:xfrm>
-            <a:off x="7131662" y="494379"/>
-            <a:ext cx="1454052" cy="461665"/>
+            <a:off x="6736870" y="493320"/>
+            <a:ext cx="2269660" cy="461665"/>
           </a:xfrm>
           <a:prstGeom prst="rect">
             <a:avLst/>
@@ -4871,7 +4806,7 @@
           <a:p>
             <a:r>
               <a:rPr lang="ca-ES" sz="2400" b="1" dirty="0"/>
-              <a:t>/usb_cam</a:t>
+              <a:t>/raspicam_node</a:t>
             </a:r>
             <a:endParaRPr lang="es-ES" sz="2400" b="1" dirty="0"/>
           </a:p>
@@ -4879,10 +4814,10 @@
       </p:sp>
       <p:sp>
         <p:nvSpPr>
-          <p:cNvPr id="29" name="CuadroTexto 28">
-            <a:extLst>
-              <a:ext uri="{FF2B5EF4-FFF2-40B4-BE49-F238E27FC236}">
-                <a16:creationId xmlns:a16="http://schemas.microsoft.com/office/drawing/2014/main" id="{446F2EA0-6672-48AA-AB7C-46254754C3AC}"/>
+          <p:cNvPr id="30" name="CuadroTexto 29">
+            <a:extLst>
+              <a:ext uri="{FF2B5EF4-FFF2-40B4-BE49-F238E27FC236}">
+                <a16:creationId xmlns:a16="http://schemas.microsoft.com/office/drawing/2014/main" id="{E0806900-E02C-4F19-9DF4-14F27003E0A9}"/>
               </a:ext>
             </a:extLst>
           </p:cNvPr>
@@ -4891,8 +4826,8 @@
         </p:nvSpPr>
         <p:spPr>
           <a:xfrm>
-            <a:off x="9172961" y="578776"/>
-            <a:ext cx="987771" cy="523220"/>
+            <a:off x="3612426" y="186848"/>
+            <a:ext cx="3008965" cy="461665"/>
           </a:xfrm>
           <a:prstGeom prst="rect">
             <a:avLst/>
@@ -4906,48 +4841,12 @@
           <a:lstStyle/>
           <a:p>
             <a:r>
-              <a:rPr lang="ca-ES" sz="2800" b="1" dirty="0"/>
-              <a:t>Node</a:t>
-            </a:r>
-            <a:endParaRPr lang="es-ES" sz="2800" b="1" dirty="0"/>
-          </a:p>
-        </p:txBody>
-      </p:sp>
-      <p:sp>
-        <p:nvSpPr>
-          <p:cNvPr id="30" name="CuadroTexto 29">
-            <a:extLst>
-              <a:ext uri="{FF2B5EF4-FFF2-40B4-BE49-F238E27FC236}">
-                <a16:creationId xmlns:a16="http://schemas.microsoft.com/office/drawing/2014/main" id="{E0806900-E02C-4F19-9DF4-14F27003E0A9}"/>
-              </a:ext>
-            </a:extLst>
-          </p:cNvPr>
-          <p:cNvSpPr txBox="1"/>
-          <p:nvPr/>
-        </p:nvSpPr>
-        <p:spPr>
-          <a:xfrm>
-            <a:off x="3612426" y="186848"/>
-            <a:ext cx="2998065" cy="461665"/>
-          </a:xfrm>
-          <a:prstGeom prst="rect">
-            <a:avLst/>
-          </a:prstGeom>
-          <a:noFill/>
-        </p:spPr>
-        <p:txBody>
-          <a:bodyPr wrap="none" rtlCol="0">
-            <a:spAutoFit/>
-          </a:bodyPr>
-          <a:lstStyle/>
-          <a:p>
-            <a:r>
               <a:rPr lang="ca-ES" sz="2400" b="1" dirty="0">
                 <a:solidFill>
                   <a:srgbClr val="FF0000"/>
                 </a:solidFill>
               </a:rPr>
-              <a:t>/usb_cam/image_raw</a:t>
+              <a:t>/raspicam/image_raw</a:t>
             </a:r>
             <a:endParaRPr lang="es-ES" sz="2400" b="1" dirty="0">
               <a:solidFill>
@@ -5048,36 +4947,6 @@
           </a:p>
         </p:txBody>
       </p:sp>
-      <p:pic>
-        <p:nvPicPr>
-          <p:cNvPr id="44" name="Imagen 43">
-            <a:extLst>
-              <a:ext uri="{FF2B5EF4-FFF2-40B4-BE49-F238E27FC236}">
-                <a16:creationId xmlns:a16="http://schemas.microsoft.com/office/drawing/2014/main" id="{1BED6E31-E310-4A27-AC61-4A92A894767E}"/>
-              </a:ext>
-            </a:extLst>
-          </p:cNvPr>
-          <p:cNvPicPr>
-            <a:picLocks noChangeAspect="1"/>
-          </p:cNvPicPr>
-          <p:nvPr/>
-        </p:nvPicPr>
-        <p:blipFill>
-          <a:blip r:embed="rId3"/>
-          <a:stretch>
-            <a:fillRect/>
-          </a:stretch>
-        </p:blipFill>
-        <p:spPr>
-          <a:xfrm>
-            <a:off x="8496043" y="5433071"/>
-            <a:ext cx="1739040" cy="949516"/>
-          </a:xfrm>
-          <a:prstGeom prst="rect">
-            <a:avLst/>
-          </a:prstGeom>
-        </p:spPr>
-      </p:pic>
     </p:spTree>
     <p:extLst>
       <p:ext uri="{BB962C8B-B14F-4D97-AF65-F5344CB8AC3E}">
@@ -6163,7 +6032,7 @@
           <a:p>
             <a:fld id="{7D4AA593-4EBD-4855-93E3-BA1D1D4B3211}" type="datetime1">
               <a:rPr lang="ca-ES" smtClean="0"/>
-              <a:t>2/12/2023</a:t>
+              <a:t>4/12/2023</a:t>
             </a:fld>
             <a:endParaRPr lang="ca-ES" dirty="0"/>
           </a:p>
@@ -6513,8 +6382,8 @@
           </a:p>
         </p:txBody>
       </p:sp>
-      <mc:AlternateContent xmlns:mc="http://schemas.openxmlformats.org/markup-compatibility/2006">
-        <mc:Choice xmlns:a14="http://schemas.microsoft.com/office/drawing/2010/main" Requires="a14">
+      <mc:AlternateContent xmlns:mc="http://schemas.openxmlformats.org/markup-compatibility/2006" xmlns:a14="http://schemas.microsoft.com/office/drawing/2010/main">
+        <mc:Choice Requires="a14">
           <p:sp>
             <p:nvSpPr>
               <p:cNvPr id="9" name="Object 26">
@@ -6781,7 +6650,7 @@
             </p:txBody>
           </p:sp>
         </mc:Choice>
-        <mc:Fallback>
+        <mc:Fallback xmlns="">
           <p:sp>
             <p:nvSpPr>
               <p:cNvPr id="9" name="Object 26">
@@ -6830,8 +6699,8 @@
           </p:sp>
         </mc:Fallback>
       </mc:AlternateContent>
-      <mc:AlternateContent xmlns:mc="http://schemas.openxmlformats.org/markup-compatibility/2006">
-        <mc:Choice xmlns:a14="http://schemas.microsoft.com/office/drawing/2010/main" Requires="a14">
+      <mc:AlternateContent xmlns:mc="http://schemas.openxmlformats.org/markup-compatibility/2006" xmlns:a14="http://schemas.microsoft.com/office/drawing/2010/main">
+        <mc:Choice Requires="a14">
           <p:sp>
             <p:nvSpPr>
               <p:cNvPr id="12" name="Object 89">
@@ -7194,7 +7063,7 @@
             </p:txBody>
           </p:sp>
         </mc:Choice>
-        <mc:Fallback>
+        <mc:Fallback xmlns="">
           <p:sp>
             <p:nvSpPr>
               <p:cNvPr id="12" name="Object 89">
@@ -7289,8 +7158,8 @@
           </a:p>
         </p:txBody>
       </p:sp>
-      <mc:AlternateContent xmlns:mc="http://schemas.openxmlformats.org/markup-compatibility/2006">
-        <mc:Choice xmlns:a14="http://schemas.microsoft.com/office/drawing/2010/main" Requires="a14">
+      <mc:AlternateContent xmlns:mc="http://schemas.openxmlformats.org/markup-compatibility/2006" xmlns:a14="http://schemas.microsoft.com/office/drawing/2010/main">
+        <mc:Choice Requires="a14">
           <p:sp>
             <p:nvSpPr>
               <p:cNvPr id="17" name="TextBox 16">
@@ -7880,7 +7749,7 @@
             </p:txBody>
           </p:sp>
         </mc:Choice>
-        <mc:Fallback>
+        <mc:Fallback xmlns="">
           <p:sp>
             <p:nvSpPr>
               <p:cNvPr id="17" name="TextBox 16">
@@ -7929,6 +7798,3178 @@
     <p:extLst>
       <p:ext uri="{BB962C8B-B14F-4D97-AF65-F5344CB8AC3E}">
         <p14:creationId xmlns:p14="http://schemas.microsoft.com/office/powerpoint/2010/main" val="1403045156"/>
+      </p:ext>
+    </p:extLst>
+  </p:cSld>
+  <p:clrMapOvr>
+    <a:masterClrMapping/>
+  </p:clrMapOvr>
+</p:sld>
+</file>
+
+<file path=ppt/slides/slide6.xml><?xml version="1.0" encoding="utf-8"?>
+<p:sld xmlns:a="http://schemas.openxmlformats.org/drawingml/2006/main" xmlns:r="http://schemas.openxmlformats.org/officeDocument/2006/relationships" xmlns:p="http://schemas.openxmlformats.org/presentationml/2006/main">
+  <p:cSld>
+    <p:spTree>
+      <p:nvGrpSpPr>
+        <p:cNvPr id="1" name=""/>
+        <p:cNvGrpSpPr/>
+        <p:nvPr/>
+      </p:nvGrpSpPr>
+      <p:grpSpPr>
+        <a:xfrm>
+          <a:off x="0" y="0"/>
+          <a:ext cx="0" cy="0"/>
+          <a:chOff x="0" y="0"/>
+          <a:chExt cx="0" cy="0"/>
+        </a:xfrm>
+      </p:grpSpPr>
+      <p:sp>
+        <p:nvSpPr>
+          <p:cNvPr id="5" name="Slide Number Placeholder 4"/>
+          <p:cNvSpPr>
+            <a:spLocks noGrp="1"/>
+          </p:cNvSpPr>
+          <p:nvPr>
+            <p:ph type="sldNum" sz="quarter" idx="10"/>
+          </p:nvPr>
+        </p:nvSpPr>
+        <p:spPr/>
+        <p:txBody>
+          <a:bodyPr/>
+          <a:lstStyle/>
+          <a:p>
+            <a:fld id="{63D04CBA-99C4-458E-A6F4-0D2A2BCE6390}" type="slidenum">
+              <a:rPr lang="es-CL" altLang="es-ES" smtClean="0"/>
+              <a:pPr/>
+              <a:t>6</a:t>
+            </a:fld>
+            <a:endParaRPr lang="es-CL" altLang="es-ES"/>
+          </a:p>
+        </p:txBody>
+      </p:sp>
+      <p:sp>
+        <p:nvSpPr>
+          <p:cNvPr id="6" name="Rectangle 5"/>
+          <p:cNvSpPr/>
+          <p:nvPr/>
+        </p:nvSpPr>
+        <p:spPr>
+          <a:xfrm>
+            <a:off x="2063553" y="188640"/>
+            <a:ext cx="4616777" cy="369332"/>
+          </a:xfrm>
+          <a:prstGeom prst="rect">
+            <a:avLst/>
+          </a:prstGeom>
+        </p:spPr>
+        <p:txBody>
+          <a:bodyPr wrap="none">
+            <a:spAutoFit/>
+          </a:bodyPr>
+          <a:lstStyle/>
+          <a:p>
+            <a:r>
+              <a:rPr lang="es-CL" altLang="es-ES" b="1" dirty="0"/>
+              <a:t>Forward </a:t>
+            </a:r>
+            <a:r>
+              <a:rPr lang="es-CL" altLang="es-ES" b="1" dirty="0" err="1"/>
+              <a:t>Kinematics</a:t>
+            </a:r>
+            <a:r>
+              <a:rPr lang="es-CL" altLang="es-ES" b="1" dirty="0"/>
+              <a:t>: </a:t>
+            </a:r>
+            <a:r>
+              <a:rPr lang="es-CL" altLang="es-ES" b="1" dirty="0" err="1"/>
+              <a:t>Trajectory</a:t>
+            </a:r>
+            <a:r>
+              <a:rPr lang="es-CL" altLang="es-ES" b="1" dirty="0"/>
+              <a:t> </a:t>
+            </a:r>
+            <a:r>
+              <a:rPr lang="es-CL" altLang="es-ES" b="1" dirty="0" err="1"/>
+              <a:t>representation</a:t>
+            </a:r>
+            <a:endParaRPr lang="es-ES" dirty="0"/>
+          </a:p>
+        </p:txBody>
+      </p:sp>
+      <mc:AlternateContent xmlns:mc="http://schemas.openxmlformats.org/markup-compatibility/2006">
+        <mc:Choice xmlns:a14="http://schemas.microsoft.com/office/drawing/2010/main" Requires="a14">
+          <p:sp>
+            <p:nvSpPr>
+              <p:cNvPr id="7" name="Object 8"/>
+              <p:cNvSpPr txBox="1"/>
+              <p:nvPr/>
+            </p:nvSpPr>
+            <p:spPr bwMode="auto">
+              <a:xfrm>
+                <a:off x="1826404" y="4118703"/>
+                <a:ext cx="3583016" cy="1576510"/>
+              </a:xfrm>
+              <a:prstGeom prst="rect">
+                <a:avLst/>
+              </a:prstGeom>
+              <a:noFill/>
+              <a:ln>
+                <a:noFill/>
+              </a:ln>
+              <a:effectLst/>
+            </p:spPr>
+            <p:txBody>
+              <a:bodyPr>
+                <a:noAutofit/>
+              </a:bodyPr>
+              <a:lstStyle/>
+              <a:p>
+                <a:pPr/>
+                <a14:m>
+                  <m:oMathPara xmlns:m="http://schemas.openxmlformats.org/officeDocument/2006/math">
+                    <m:oMathParaPr>
+                      <m:jc m:val="left"/>
+                    </m:oMathParaPr>
+                    <m:oMath xmlns:m="http://schemas.openxmlformats.org/officeDocument/2006/math">
+                      <m:r>
+                        <a:rPr lang="en-GB" sz="2000" i="1" smtClean="0">
+                          <a:solidFill>
+                            <a:srgbClr val="000000"/>
+                          </a:solidFill>
+                          <a:latin typeface="Cambria Math" panose="02040503050406030204" pitchFamily="18" charset="0"/>
+                        </a:rPr>
+                        <m:t>𝜑</m:t>
+                      </m:r>
+                      <m:r>
+                        <a:rPr lang="en-GB" sz="2000" i="1" smtClean="0">
+                          <a:solidFill>
+                            <a:srgbClr val="000000"/>
+                          </a:solidFill>
+                          <a:latin typeface="Cambria Math" panose="02040503050406030204" pitchFamily="18" charset="0"/>
+                        </a:rPr>
+                        <m:t>′=</m:t>
+                      </m:r>
+                      <m:f>
+                        <m:fPr>
+                          <m:ctrlPr>
+                            <a:rPr lang="en-GB" sz="2000" i="1">
+                              <a:solidFill>
+                                <a:srgbClr val="000000"/>
+                              </a:solidFill>
+                              <a:latin typeface="Cambria Math" panose="02040503050406030204" pitchFamily="18" charset="0"/>
+                            </a:rPr>
+                          </m:ctrlPr>
+                        </m:fPr>
+                        <m:num>
+                          <m:d>
+                            <m:dPr>
+                              <m:ctrlPr>
+                                <a:rPr lang="en-GB" sz="2000" i="1">
+                                  <a:solidFill>
+                                    <a:srgbClr val="000000"/>
+                                  </a:solidFill>
+                                  <a:latin typeface="Cambria Math" panose="02040503050406030204" pitchFamily="18" charset="0"/>
+                                </a:rPr>
+                              </m:ctrlPr>
+                            </m:dPr>
+                            <m:e>
+                              <m:sSub>
+                                <m:sSubPr>
+                                  <m:ctrlPr>
+                                    <a:rPr lang="en-GB" sz="2000" i="1">
+                                      <a:solidFill>
+                                        <a:srgbClr val="000000"/>
+                                      </a:solidFill>
+                                      <a:latin typeface="Cambria Math" panose="02040503050406030204" pitchFamily="18" charset="0"/>
+                                    </a:rPr>
+                                  </m:ctrlPr>
+                                </m:sSubPr>
+                                <m:e>
+                                  <m:r>
+                                    <a:rPr lang="en-GB" sz="2000" i="1">
+                                      <a:solidFill>
+                                        <a:srgbClr val="000000"/>
+                                      </a:solidFill>
+                                      <a:latin typeface="Cambria Math" panose="02040503050406030204" pitchFamily="18" charset="0"/>
+                                    </a:rPr>
+                                    <m:t>𝜔</m:t>
+                                  </m:r>
+                                </m:e>
+                                <m:sub>
+                                  <m:r>
+                                    <a:rPr lang="en-GB" sz="2000" i="1">
+                                      <a:solidFill>
+                                        <a:srgbClr val="000000"/>
+                                      </a:solidFill>
+                                      <a:latin typeface="Cambria Math" panose="02040503050406030204" pitchFamily="18" charset="0"/>
+                                    </a:rPr>
+                                    <m:t>𝑟</m:t>
+                                  </m:r>
+                                </m:sub>
+                              </m:sSub>
+                              <m:r>
+                                <a:rPr lang="en-GB" sz="2000" i="1">
+                                  <a:solidFill>
+                                    <a:srgbClr val="000000"/>
+                                  </a:solidFill>
+                                  <a:latin typeface="Cambria Math" panose="02040503050406030204" pitchFamily="18" charset="0"/>
+                                </a:rPr>
+                                <m:t>−</m:t>
+                              </m:r>
+                              <m:sSub>
+                                <m:sSubPr>
+                                  <m:ctrlPr>
+                                    <a:rPr lang="en-GB" sz="2000" i="1">
+                                      <a:solidFill>
+                                        <a:srgbClr val="000000"/>
+                                      </a:solidFill>
+                                      <a:latin typeface="Cambria Math" panose="02040503050406030204" pitchFamily="18" charset="0"/>
+                                    </a:rPr>
+                                  </m:ctrlPr>
+                                </m:sSubPr>
+                                <m:e>
+                                  <m:r>
+                                    <a:rPr lang="en-GB" sz="2000" i="1">
+                                      <a:solidFill>
+                                        <a:srgbClr val="000000"/>
+                                      </a:solidFill>
+                                      <a:latin typeface="Cambria Math" panose="02040503050406030204" pitchFamily="18" charset="0"/>
+                                    </a:rPr>
+                                    <m:t>𝜔</m:t>
+                                  </m:r>
+                                </m:e>
+                                <m:sub>
+                                  <m:r>
+                                    <a:rPr lang="en-GB" sz="2000" i="1">
+                                      <a:solidFill>
+                                        <a:srgbClr val="000000"/>
+                                      </a:solidFill>
+                                      <a:latin typeface="Cambria Math" panose="02040503050406030204" pitchFamily="18" charset="0"/>
+                                    </a:rPr>
+                                    <m:t>𝑙</m:t>
+                                  </m:r>
+                                </m:sub>
+                              </m:sSub>
+                            </m:e>
+                          </m:d>
+                          <m:r>
+                            <a:rPr lang="en-GB" sz="2000" i="1">
+                              <a:solidFill>
+                                <a:srgbClr val="000000"/>
+                              </a:solidFill>
+                              <a:latin typeface="Cambria Math" panose="02040503050406030204" pitchFamily="18" charset="0"/>
+                            </a:rPr>
+                            <m:t> </m:t>
+                          </m:r>
+                          <m:r>
+                            <a:rPr lang="en-GB" sz="2000" i="1">
+                              <a:solidFill>
+                                <a:srgbClr val="000000"/>
+                              </a:solidFill>
+                              <a:latin typeface="Cambria Math" panose="02040503050406030204" pitchFamily="18" charset="0"/>
+                            </a:rPr>
+                            <m:t>𝑟</m:t>
+                          </m:r>
+                        </m:num>
+                        <m:den>
+                          <m:r>
+                            <a:rPr lang="en-GB" sz="2000" i="1">
+                              <a:solidFill>
+                                <a:srgbClr val="000000"/>
+                              </a:solidFill>
+                              <a:latin typeface="Cambria Math" panose="02040503050406030204" pitchFamily="18" charset="0"/>
+                            </a:rPr>
+                            <m:t>𝑏</m:t>
+                          </m:r>
+                        </m:den>
+                      </m:f>
+                    </m:oMath>
+                    <m:oMath xmlns:m="http://schemas.openxmlformats.org/officeDocument/2006/math">
+                      <m:r>
+                        <a:rPr lang="en-GB" sz="2000" i="1">
+                          <a:solidFill>
+                            <a:srgbClr val="000000"/>
+                          </a:solidFill>
+                          <a:latin typeface="Cambria Math" panose="02040503050406030204" pitchFamily="18" charset="0"/>
+                        </a:rPr>
+                        <m:t>𝑥</m:t>
+                      </m:r>
+                      <m:r>
+                        <a:rPr lang="en-GB" sz="2000" i="1">
+                          <a:solidFill>
+                            <a:srgbClr val="000000"/>
+                          </a:solidFill>
+                          <a:latin typeface="Cambria Math" panose="02040503050406030204" pitchFamily="18" charset="0"/>
+                        </a:rPr>
+                        <m:t>′=</m:t>
+                      </m:r>
+                      <m:sSub>
+                        <m:sSubPr>
+                          <m:ctrlPr>
+                            <a:rPr lang="en-GB" sz="2000" i="1">
+                              <a:solidFill>
+                                <a:srgbClr val="000000"/>
+                              </a:solidFill>
+                              <a:latin typeface="Cambria Math" panose="02040503050406030204" pitchFamily="18" charset="0"/>
+                            </a:rPr>
+                          </m:ctrlPr>
+                        </m:sSubPr>
+                        <m:e>
+                          <m:r>
+                            <a:rPr lang="en-GB" sz="2000" i="1">
+                              <a:solidFill>
+                                <a:srgbClr val="000000"/>
+                              </a:solidFill>
+                              <a:latin typeface="Cambria Math" panose="02040503050406030204" pitchFamily="18" charset="0"/>
+                            </a:rPr>
+                            <m:t>𝑣</m:t>
+                          </m:r>
+                        </m:e>
+                        <m:sub>
+                          <m:r>
+                            <a:rPr lang="en-GB" sz="2000" i="1">
+                              <a:solidFill>
+                                <a:srgbClr val="000000"/>
+                              </a:solidFill>
+                              <a:latin typeface="Cambria Math" panose="02040503050406030204" pitchFamily="18" charset="0"/>
+                            </a:rPr>
+                            <m:t>𝑥</m:t>
+                          </m:r>
+                        </m:sub>
+                      </m:sSub>
+                      <m:r>
+                        <a:rPr lang="en-GB" sz="2000" i="1">
+                          <a:solidFill>
+                            <a:srgbClr val="000000"/>
+                          </a:solidFill>
+                          <a:latin typeface="Cambria Math" panose="02040503050406030204" pitchFamily="18" charset="0"/>
+                        </a:rPr>
+                        <m:t>=</m:t>
+                      </m:r>
+                      <m:f>
+                        <m:fPr>
+                          <m:ctrlPr>
+                            <a:rPr lang="en-GB" sz="2000" i="1">
+                              <a:solidFill>
+                                <a:srgbClr val="000000"/>
+                              </a:solidFill>
+                              <a:latin typeface="Cambria Math" panose="02040503050406030204" pitchFamily="18" charset="0"/>
+                            </a:rPr>
+                          </m:ctrlPr>
+                        </m:fPr>
+                        <m:num>
+                          <m:d>
+                            <m:dPr>
+                              <m:ctrlPr>
+                                <a:rPr lang="en-GB" sz="2000" i="1">
+                                  <a:solidFill>
+                                    <a:srgbClr val="000000"/>
+                                  </a:solidFill>
+                                  <a:latin typeface="Cambria Math" panose="02040503050406030204" pitchFamily="18" charset="0"/>
+                                </a:rPr>
+                              </m:ctrlPr>
+                            </m:dPr>
+                            <m:e>
+                              <m:sSub>
+                                <m:sSubPr>
+                                  <m:ctrlPr>
+                                    <a:rPr lang="en-GB" sz="2000" i="1">
+                                      <a:solidFill>
+                                        <a:srgbClr val="000000"/>
+                                      </a:solidFill>
+                                      <a:latin typeface="Cambria Math" panose="02040503050406030204" pitchFamily="18" charset="0"/>
+                                    </a:rPr>
+                                  </m:ctrlPr>
+                                </m:sSubPr>
+                                <m:e>
+                                  <m:r>
+                                    <a:rPr lang="en-GB" sz="2000" i="1">
+                                      <a:solidFill>
+                                        <a:srgbClr val="000000"/>
+                                      </a:solidFill>
+                                      <a:latin typeface="Cambria Math" panose="02040503050406030204" pitchFamily="18" charset="0"/>
+                                    </a:rPr>
+                                    <m:t>𝜔</m:t>
+                                  </m:r>
+                                </m:e>
+                                <m:sub>
+                                  <m:r>
+                                    <a:rPr lang="en-GB" sz="2000" i="1">
+                                      <a:solidFill>
+                                        <a:srgbClr val="000000"/>
+                                      </a:solidFill>
+                                      <a:latin typeface="Cambria Math" panose="02040503050406030204" pitchFamily="18" charset="0"/>
+                                    </a:rPr>
+                                    <m:t>𝑟</m:t>
+                                  </m:r>
+                                </m:sub>
+                              </m:sSub>
+                              <m:r>
+                                <a:rPr lang="en-GB" sz="2000" i="1">
+                                  <a:solidFill>
+                                    <a:srgbClr val="000000"/>
+                                  </a:solidFill>
+                                  <a:latin typeface="Cambria Math" panose="02040503050406030204" pitchFamily="18" charset="0"/>
+                                </a:rPr>
+                                <m:t>+</m:t>
+                              </m:r>
+                              <m:sSub>
+                                <m:sSubPr>
+                                  <m:ctrlPr>
+                                    <a:rPr lang="en-GB" sz="2000" i="1">
+                                      <a:solidFill>
+                                        <a:srgbClr val="000000"/>
+                                      </a:solidFill>
+                                      <a:latin typeface="Cambria Math" panose="02040503050406030204" pitchFamily="18" charset="0"/>
+                                    </a:rPr>
+                                  </m:ctrlPr>
+                                </m:sSubPr>
+                                <m:e>
+                                  <m:r>
+                                    <a:rPr lang="en-GB" sz="2000" i="1">
+                                      <a:solidFill>
+                                        <a:srgbClr val="000000"/>
+                                      </a:solidFill>
+                                      <a:latin typeface="Cambria Math" panose="02040503050406030204" pitchFamily="18" charset="0"/>
+                                    </a:rPr>
+                                    <m:t>𝜔</m:t>
+                                  </m:r>
+                                </m:e>
+                                <m:sub>
+                                  <m:r>
+                                    <a:rPr lang="en-GB" sz="2000" i="1">
+                                      <a:solidFill>
+                                        <a:srgbClr val="000000"/>
+                                      </a:solidFill>
+                                      <a:latin typeface="Cambria Math" panose="02040503050406030204" pitchFamily="18" charset="0"/>
+                                    </a:rPr>
+                                    <m:t>𝑙</m:t>
+                                  </m:r>
+                                </m:sub>
+                              </m:sSub>
+                            </m:e>
+                          </m:d>
+                          <m:r>
+                            <a:rPr lang="en-GB" sz="2000" i="1">
+                              <a:solidFill>
+                                <a:srgbClr val="000000"/>
+                              </a:solidFill>
+                              <a:latin typeface="Cambria Math" panose="02040503050406030204" pitchFamily="18" charset="0"/>
+                            </a:rPr>
+                            <m:t> </m:t>
+                          </m:r>
+                          <m:r>
+                            <a:rPr lang="en-GB" sz="2000" i="1">
+                              <a:solidFill>
+                                <a:srgbClr val="000000"/>
+                              </a:solidFill>
+                              <a:latin typeface="Cambria Math" panose="02040503050406030204" pitchFamily="18" charset="0"/>
+                            </a:rPr>
+                            <m:t>𝑟</m:t>
+                          </m:r>
+                        </m:num>
+                        <m:den>
+                          <m:r>
+                            <a:rPr lang="en-GB" sz="2000" i="1">
+                              <a:solidFill>
+                                <a:srgbClr val="000000"/>
+                              </a:solidFill>
+                              <a:latin typeface="Cambria Math" panose="02040503050406030204" pitchFamily="18" charset="0"/>
+                            </a:rPr>
+                            <m:t>2</m:t>
+                          </m:r>
+                        </m:den>
+                      </m:f>
+                      <m:r>
+                        <a:rPr lang="en-GB" sz="2000" i="1">
+                          <a:solidFill>
+                            <a:srgbClr val="000000"/>
+                          </a:solidFill>
+                          <a:latin typeface="Cambria Math" panose="02040503050406030204" pitchFamily="18" charset="0"/>
+                        </a:rPr>
+                        <m:t> </m:t>
+                      </m:r>
+                      <m:func>
+                        <m:funcPr>
+                          <m:ctrlPr>
+                            <a:rPr lang="en-GB" sz="2000" i="1">
+                              <a:solidFill>
+                                <a:srgbClr val="000000"/>
+                              </a:solidFill>
+                              <a:latin typeface="Cambria Math" panose="02040503050406030204" pitchFamily="18" charset="0"/>
+                            </a:rPr>
+                          </m:ctrlPr>
+                        </m:funcPr>
+                        <m:fName>
+                          <m:r>
+                            <m:rPr>
+                              <m:sty m:val="p"/>
+                            </m:rPr>
+                            <a:rPr lang="es-ES" sz="2000" b="0" i="0" smtClean="0">
+                              <a:solidFill>
+                                <a:srgbClr val="000000"/>
+                              </a:solidFill>
+                              <a:latin typeface="Cambria Math" panose="02040503050406030204" pitchFamily="18" charset="0"/>
+                            </a:rPr>
+                            <m:t>cos</m:t>
+                          </m:r>
+                        </m:fName>
+                        <m:e>
+                          <m:r>
+                            <a:rPr lang="en-GB" sz="2000" i="1">
+                              <a:solidFill>
+                                <a:srgbClr val="000000"/>
+                              </a:solidFill>
+                              <a:latin typeface="Cambria Math" panose="02040503050406030204" pitchFamily="18" charset="0"/>
+                            </a:rPr>
+                            <m:t>𝜑</m:t>
+                          </m:r>
+                        </m:e>
+                      </m:func>
+                    </m:oMath>
+                    <m:oMath xmlns:m="http://schemas.openxmlformats.org/officeDocument/2006/math">
+                      <m:r>
+                        <a:rPr lang="en-GB" sz="2000" i="1">
+                          <a:solidFill>
+                            <a:srgbClr val="000000"/>
+                          </a:solidFill>
+                          <a:latin typeface="Cambria Math" panose="02040503050406030204" pitchFamily="18" charset="0"/>
+                        </a:rPr>
+                        <m:t>𝑦</m:t>
+                      </m:r>
+                      <m:r>
+                        <a:rPr lang="en-GB" sz="2000" i="1">
+                          <a:solidFill>
+                            <a:srgbClr val="000000"/>
+                          </a:solidFill>
+                          <a:latin typeface="Cambria Math" panose="02040503050406030204" pitchFamily="18" charset="0"/>
+                        </a:rPr>
+                        <m:t>′=</m:t>
+                      </m:r>
+                      <m:sSub>
+                        <m:sSubPr>
+                          <m:ctrlPr>
+                            <a:rPr lang="en-GB" sz="2000" i="1">
+                              <a:solidFill>
+                                <a:srgbClr val="000000"/>
+                              </a:solidFill>
+                              <a:latin typeface="Cambria Math" panose="02040503050406030204" pitchFamily="18" charset="0"/>
+                            </a:rPr>
+                          </m:ctrlPr>
+                        </m:sSubPr>
+                        <m:e>
+                          <m:r>
+                            <a:rPr lang="en-GB" sz="2000" i="1">
+                              <a:solidFill>
+                                <a:srgbClr val="000000"/>
+                              </a:solidFill>
+                              <a:latin typeface="Cambria Math" panose="02040503050406030204" pitchFamily="18" charset="0"/>
+                            </a:rPr>
+                            <m:t>𝑣</m:t>
+                          </m:r>
+                        </m:e>
+                        <m:sub>
+                          <m:r>
+                            <a:rPr lang="en-GB" sz="2000" i="1">
+                              <a:solidFill>
+                                <a:srgbClr val="000000"/>
+                              </a:solidFill>
+                              <a:latin typeface="Cambria Math" panose="02040503050406030204" pitchFamily="18" charset="0"/>
+                            </a:rPr>
+                            <m:t>𝑦</m:t>
+                          </m:r>
+                        </m:sub>
+                      </m:sSub>
+                      <m:r>
+                        <a:rPr lang="en-GB" sz="2000" i="1">
+                          <a:solidFill>
+                            <a:srgbClr val="000000"/>
+                          </a:solidFill>
+                          <a:latin typeface="Cambria Math" panose="02040503050406030204" pitchFamily="18" charset="0"/>
+                        </a:rPr>
+                        <m:t>=</m:t>
+                      </m:r>
+                      <m:f>
+                        <m:fPr>
+                          <m:ctrlPr>
+                            <a:rPr lang="en-GB" sz="2000" i="1">
+                              <a:solidFill>
+                                <a:srgbClr val="000000"/>
+                              </a:solidFill>
+                              <a:latin typeface="Cambria Math" panose="02040503050406030204" pitchFamily="18" charset="0"/>
+                            </a:rPr>
+                          </m:ctrlPr>
+                        </m:fPr>
+                        <m:num>
+                          <m:d>
+                            <m:dPr>
+                              <m:ctrlPr>
+                                <a:rPr lang="en-GB" sz="2000" i="1">
+                                  <a:solidFill>
+                                    <a:srgbClr val="000000"/>
+                                  </a:solidFill>
+                                  <a:latin typeface="Cambria Math" panose="02040503050406030204" pitchFamily="18" charset="0"/>
+                                </a:rPr>
+                              </m:ctrlPr>
+                            </m:dPr>
+                            <m:e>
+                              <m:sSub>
+                                <m:sSubPr>
+                                  <m:ctrlPr>
+                                    <a:rPr lang="en-GB" sz="2000" i="1">
+                                      <a:solidFill>
+                                        <a:srgbClr val="000000"/>
+                                      </a:solidFill>
+                                      <a:latin typeface="Cambria Math" panose="02040503050406030204" pitchFamily="18" charset="0"/>
+                                    </a:rPr>
+                                  </m:ctrlPr>
+                                </m:sSubPr>
+                                <m:e>
+                                  <m:r>
+                                    <a:rPr lang="en-GB" sz="2000" i="1">
+                                      <a:solidFill>
+                                        <a:srgbClr val="000000"/>
+                                      </a:solidFill>
+                                      <a:latin typeface="Cambria Math" panose="02040503050406030204" pitchFamily="18" charset="0"/>
+                                    </a:rPr>
+                                    <m:t>𝜔</m:t>
+                                  </m:r>
+                                </m:e>
+                                <m:sub>
+                                  <m:r>
+                                    <a:rPr lang="en-GB" sz="2000" i="1">
+                                      <a:solidFill>
+                                        <a:srgbClr val="000000"/>
+                                      </a:solidFill>
+                                      <a:latin typeface="Cambria Math" panose="02040503050406030204" pitchFamily="18" charset="0"/>
+                                    </a:rPr>
+                                    <m:t>𝑟</m:t>
+                                  </m:r>
+                                </m:sub>
+                              </m:sSub>
+                              <m:r>
+                                <a:rPr lang="en-GB" sz="2000" i="1">
+                                  <a:solidFill>
+                                    <a:srgbClr val="000000"/>
+                                  </a:solidFill>
+                                  <a:latin typeface="Cambria Math" panose="02040503050406030204" pitchFamily="18" charset="0"/>
+                                </a:rPr>
+                                <m:t>+</m:t>
+                              </m:r>
+                              <m:sSub>
+                                <m:sSubPr>
+                                  <m:ctrlPr>
+                                    <a:rPr lang="en-GB" sz="2000" i="1">
+                                      <a:solidFill>
+                                        <a:srgbClr val="000000"/>
+                                      </a:solidFill>
+                                      <a:latin typeface="Cambria Math" panose="02040503050406030204" pitchFamily="18" charset="0"/>
+                                    </a:rPr>
+                                  </m:ctrlPr>
+                                </m:sSubPr>
+                                <m:e>
+                                  <m:r>
+                                    <a:rPr lang="en-GB" sz="2000" i="1">
+                                      <a:solidFill>
+                                        <a:srgbClr val="000000"/>
+                                      </a:solidFill>
+                                      <a:latin typeface="Cambria Math" panose="02040503050406030204" pitchFamily="18" charset="0"/>
+                                    </a:rPr>
+                                    <m:t>𝜔</m:t>
+                                  </m:r>
+                                </m:e>
+                                <m:sub>
+                                  <m:r>
+                                    <a:rPr lang="en-GB" sz="2000" i="1">
+                                      <a:solidFill>
+                                        <a:srgbClr val="000000"/>
+                                      </a:solidFill>
+                                      <a:latin typeface="Cambria Math" panose="02040503050406030204" pitchFamily="18" charset="0"/>
+                                    </a:rPr>
+                                    <m:t>𝑙</m:t>
+                                  </m:r>
+                                </m:sub>
+                              </m:sSub>
+                            </m:e>
+                          </m:d>
+                          <m:r>
+                            <a:rPr lang="en-GB" sz="2000" i="1">
+                              <a:solidFill>
+                                <a:srgbClr val="000000"/>
+                              </a:solidFill>
+                              <a:latin typeface="Cambria Math" panose="02040503050406030204" pitchFamily="18" charset="0"/>
+                            </a:rPr>
+                            <m:t> </m:t>
+                          </m:r>
+                          <m:r>
+                            <a:rPr lang="en-GB" sz="2000" i="1">
+                              <a:solidFill>
+                                <a:srgbClr val="000000"/>
+                              </a:solidFill>
+                              <a:latin typeface="Cambria Math" panose="02040503050406030204" pitchFamily="18" charset="0"/>
+                            </a:rPr>
+                            <m:t>𝑟</m:t>
+                          </m:r>
+                        </m:num>
+                        <m:den>
+                          <m:r>
+                            <a:rPr lang="en-GB" sz="2000" i="1">
+                              <a:solidFill>
+                                <a:srgbClr val="000000"/>
+                              </a:solidFill>
+                              <a:latin typeface="Cambria Math" panose="02040503050406030204" pitchFamily="18" charset="0"/>
+                            </a:rPr>
+                            <m:t>2</m:t>
+                          </m:r>
+                        </m:den>
+                      </m:f>
+                      <m:r>
+                        <a:rPr lang="en-GB" sz="2000" i="1">
+                          <a:solidFill>
+                            <a:srgbClr val="000000"/>
+                          </a:solidFill>
+                          <a:latin typeface="Cambria Math" panose="02040503050406030204" pitchFamily="18" charset="0"/>
+                        </a:rPr>
+                        <m:t> </m:t>
+                      </m:r>
+                      <m:func>
+                        <m:funcPr>
+                          <m:ctrlPr>
+                            <a:rPr lang="en-GB" sz="2000" i="1">
+                              <a:solidFill>
+                                <a:srgbClr val="000000"/>
+                              </a:solidFill>
+                              <a:latin typeface="Cambria Math" panose="02040503050406030204" pitchFamily="18" charset="0"/>
+                            </a:rPr>
+                          </m:ctrlPr>
+                        </m:funcPr>
+                        <m:fName>
+                          <m:r>
+                            <m:rPr>
+                              <m:sty m:val="p"/>
+                            </m:rPr>
+                            <a:rPr lang="en-GB" sz="2000">
+                              <a:solidFill>
+                                <a:srgbClr val="000000"/>
+                              </a:solidFill>
+                              <a:latin typeface="Cambria Math" panose="02040503050406030204" pitchFamily="18" charset="0"/>
+                            </a:rPr>
+                            <m:t>s</m:t>
+                          </m:r>
+                          <m:r>
+                            <m:rPr>
+                              <m:sty m:val="p"/>
+                            </m:rPr>
+                            <a:rPr lang="es-ES" sz="2000" b="0" i="0" smtClean="0">
+                              <a:solidFill>
+                                <a:srgbClr val="000000"/>
+                              </a:solidFill>
+                              <a:latin typeface="Cambria Math" panose="02040503050406030204" pitchFamily="18" charset="0"/>
+                            </a:rPr>
+                            <m:t>in</m:t>
+                          </m:r>
+                        </m:fName>
+                        <m:e>
+                          <m:r>
+                            <a:rPr lang="en-GB" sz="2000" i="1">
+                              <a:solidFill>
+                                <a:srgbClr val="000000"/>
+                              </a:solidFill>
+                              <a:latin typeface="Cambria Math" panose="02040503050406030204" pitchFamily="18" charset="0"/>
+                            </a:rPr>
+                            <m:t>𝜑</m:t>
+                          </m:r>
+                        </m:e>
+                      </m:func>
+                    </m:oMath>
+                  </m:oMathPara>
+                </a14:m>
+                <a:endParaRPr lang="en-GB" sz="2000" dirty="0"/>
+              </a:p>
+            </p:txBody>
+          </p:sp>
+        </mc:Choice>
+        <mc:Fallback>
+          <p:sp>
+            <p:nvSpPr>
+              <p:cNvPr id="7" name="Object 8"/>
+              <p:cNvSpPr txBox="1">
+                <a:spLocks noRot="1" noChangeAspect="1" noMove="1" noResize="1" noEditPoints="1" noAdjustHandles="1" noChangeArrowheads="1" noChangeShapeType="1" noTextEdit="1"/>
+              </p:cNvSpPr>
+              <p:nvPr/>
+            </p:nvSpPr>
+            <p:spPr bwMode="auto">
+              <a:xfrm>
+                <a:off x="1826404" y="4118703"/>
+                <a:ext cx="3583016" cy="1576510"/>
+              </a:xfrm>
+              <a:prstGeom prst="rect">
+                <a:avLst/>
+              </a:prstGeom>
+              <a:blipFill>
+                <a:blip r:embed="rId2"/>
+                <a:stretch>
+                  <a:fillRect b="-15891"/>
+                </a:stretch>
+              </a:blipFill>
+              <a:ln>
+                <a:noFill/>
+              </a:ln>
+              <a:effectLst/>
+            </p:spPr>
+            <p:txBody>
+              <a:bodyPr/>
+              <a:lstStyle/>
+              <a:p>
+                <a:r>
+                  <a:rPr lang="en-GB">
+                    <a:noFill/>
+                  </a:rPr>
+                  <a:t> </a:t>
+                </a:r>
+              </a:p>
+            </p:txBody>
+          </p:sp>
+        </mc:Fallback>
+      </mc:AlternateContent>
+      <mc:AlternateContent xmlns:mc="http://schemas.openxmlformats.org/markup-compatibility/2006">
+        <mc:Choice xmlns:a14="http://schemas.microsoft.com/office/drawing/2010/main" Requires="a14">
+          <p:sp>
+            <p:nvSpPr>
+              <p:cNvPr id="8" name="Object 29"/>
+              <p:cNvSpPr txBox="1"/>
+              <p:nvPr/>
+            </p:nvSpPr>
+            <p:spPr bwMode="auto">
+              <a:xfrm>
+                <a:off x="6219825" y="3762376"/>
+                <a:ext cx="4340671" cy="2524125"/>
+              </a:xfrm>
+              <a:prstGeom prst="rect">
+                <a:avLst/>
+              </a:prstGeom>
+              <a:noFill/>
+              <a:ln>
+                <a:noFill/>
+              </a:ln>
+              <a:effectLst/>
+            </p:spPr>
+            <p:txBody>
+              <a:bodyPr>
+                <a:noAutofit/>
+              </a:bodyPr>
+              <a:lstStyle/>
+              <a:p>
+                <a:pPr/>
+                <a14:m>
+                  <m:oMathPara xmlns:m="http://schemas.openxmlformats.org/officeDocument/2006/math">
+                    <m:oMathParaPr>
+                      <m:jc m:val="left"/>
+                    </m:oMathParaPr>
+                    <m:oMath xmlns:m="http://schemas.openxmlformats.org/officeDocument/2006/math">
+                      <m:r>
+                        <a:rPr lang="en-GB" i="1" smtClean="0">
+                          <a:solidFill>
+                            <a:srgbClr val="000000"/>
+                          </a:solidFill>
+                          <a:latin typeface="Cambria Math" panose="02040503050406030204" pitchFamily="18" charset="0"/>
+                        </a:rPr>
+                        <m:t>𝜑</m:t>
+                      </m:r>
+                      <m:r>
+                        <a:rPr lang="en-GB" i="1" smtClean="0">
+                          <a:solidFill>
+                            <a:srgbClr val="000000"/>
+                          </a:solidFill>
+                          <a:latin typeface="Cambria Math" panose="02040503050406030204" pitchFamily="18" charset="0"/>
+                        </a:rPr>
+                        <m:t>=</m:t>
+                      </m:r>
+                      <m:nary>
+                        <m:naryPr>
+                          <m:limLoc m:val="undOvr"/>
+                          <m:ctrlPr>
+                            <a:rPr lang="en-GB" i="1">
+                              <a:solidFill>
+                                <a:srgbClr val="000000"/>
+                              </a:solidFill>
+                              <a:latin typeface="Cambria Math" panose="02040503050406030204" pitchFamily="18" charset="0"/>
+                            </a:rPr>
+                          </m:ctrlPr>
+                        </m:naryPr>
+                        <m:sub>
+                          <m:r>
+                            <a:rPr lang="en-GB" i="1">
+                              <a:solidFill>
+                                <a:srgbClr val="000000"/>
+                              </a:solidFill>
+                              <a:latin typeface="Cambria Math" panose="02040503050406030204" pitchFamily="18" charset="0"/>
+                            </a:rPr>
+                            <m:t>0</m:t>
+                          </m:r>
+                        </m:sub>
+                        <m:sup>
+                          <m:r>
+                            <a:rPr lang="en-GB" i="1">
+                              <a:solidFill>
+                                <a:srgbClr val="000000"/>
+                              </a:solidFill>
+                              <a:latin typeface="Cambria Math" panose="02040503050406030204" pitchFamily="18" charset="0"/>
+                            </a:rPr>
+                            <m:t>𝑡</m:t>
+                          </m:r>
+                        </m:sup>
+                        <m:e>
+                          <m:r>
+                            <a:rPr lang="en-GB" i="1">
+                              <a:solidFill>
+                                <a:srgbClr val="000000"/>
+                              </a:solidFill>
+                              <a:latin typeface="Cambria Math" panose="02040503050406030204" pitchFamily="18" charset="0"/>
+                            </a:rPr>
+                            <m:t>𝜔</m:t>
+                          </m:r>
+                          <m:r>
+                            <a:rPr lang="en-GB" i="1">
+                              <a:solidFill>
+                                <a:srgbClr val="000000"/>
+                              </a:solidFill>
+                              <a:latin typeface="Cambria Math" panose="02040503050406030204" pitchFamily="18" charset="0"/>
+                            </a:rPr>
+                            <m:t> </m:t>
+                          </m:r>
+                          <m:r>
+                            <a:rPr lang="en-GB" i="1">
+                              <a:solidFill>
+                                <a:srgbClr val="000000"/>
+                              </a:solidFill>
+                              <a:latin typeface="Cambria Math" panose="02040503050406030204" pitchFamily="18" charset="0"/>
+                            </a:rPr>
+                            <m:t>𝑑𝑡</m:t>
+                          </m:r>
+                          <m:r>
+                            <a:rPr lang="en-GB" i="1">
+                              <a:solidFill>
+                                <a:srgbClr val="000000"/>
+                              </a:solidFill>
+                              <a:latin typeface="Cambria Math" panose="02040503050406030204" pitchFamily="18" charset="0"/>
+                            </a:rPr>
+                            <m:t>=</m:t>
+                          </m:r>
+                        </m:e>
+                      </m:nary>
+                      <m:nary>
+                        <m:naryPr>
+                          <m:limLoc m:val="undOvr"/>
+                          <m:ctrlPr>
+                            <a:rPr lang="en-GB" i="1">
+                              <a:solidFill>
+                                <a:srgbClr val="000000"/>
+                              </a:solidFill>
+                              <a:latin typeface="Cambria Math" panose="02040503050406030204" pitchFamily="18" charset="0"/>
+                            </a:rPr>
+                          </m:ctrlPr>
+                        </m:naryPr>
+                        <m:sub>
+                          <m:r>
+                            <a:rPr lang="en-GB" i="1">
+                              <a:solidFill>
+                                <a:srgbClr val="000000"/>
+                              </a:solidFill>
+                              <a:latin typeface="Cambria Math" panose="02040503050406030204" pitchFamily="18" charset="0"/>
+                            </a:rPr>
+                            <m:t>0</m:t>
+                          </m:r>
+                        </m:sub>
+                        <m:sup>
+                          <m:r>
+                            <a:rPr lang="en-GB" i="1">
+                              <a:solidFill>
+                                <a:srgbClr val="000000"/>
+                              </a:solidFill>
+                              <a:latin typeface="Cambria Math" panose="02040503050406030204" pitchFamily="18" charset="0"/>
+                            </a:rPr>
+                            <m:t>𝑡</m:t>
+                          </m:r>
+                        </m:sup>
+                        <m:e>
+                          <m:f>
+                            <m:fPr>
+                              <m:ctrlPr>
+                                <a:rPr lang="en-GB" i="1">
+                                  <a:solidFill>
+                                    <a:srgbClr val="000000"/>
+                                  </a:solidFill>
+                                  <a:latin typeface="Cambria Math" panose="02040503050406030204" pitchFamily="18" charset="0"/>
+                                </a:rPr>
+                              </m:ctrlPr>
+                            </m:fPr>
+                            <m:num>
+                              <m:d>
+                                <m:dPr>
+                                  <m:ctrlPr>
+                                    <a:rPr lang="en-GB" i="1">
+                                      <a:solidFill>
+                                        <a:srgbClr val="000000"/>
+                                      </a:solidFill>
+                                      <a:latin typeface="Cambria Math" panose="02040503050406030204" pitchFamily="18" charset="0"/>
+                                    </a:rPr>
+                                  </m:ctrlPr>
+                                </m:dPr>
+                                <m:e>
+                                  <m:sSub>
+                                    <m:sSubPr>
+                                      <m:ctrlPr>
+                                        <a:rPr lang="en-GB" i="1">
+                                          <a:solidFill>
+                                            <a:srgbClr val="000000"/>
+                                          </a:solidFill>
+                                          <a:latin typeface="Cambria Math" panose="02040503050406030204" pitchFamily="18" charset="0"/>
+                                        </a:rPr>
+                                      </m:ctrlPr>
+                                    </m:sSubPr>
+                                    <m:e>
+                                      <m:r>
+                                        <a:rPr lang="en-GB" i="1">
+                                          <a:solidFill>
+                                            <a:srgbClr val="000000"/>
+                                          </a:solidFill>
+                                          <a:latin typeface="Cambria Math" panose="02040503050406030204" pitchFamily="18" charset="0"/>
+                                        </a:rPr>
+                                        <m:t>𝜔</m:t>
+                                      </m:r>
+                                    </m:e>
+                                    <m:sub>
+                                      <m:r>
+                                        <a:rPr lang="en-GB" i="1">
+                                          <a:solidFill>
+                                            <a:srgbClr val="000000"/>
+                                          </a:solidFill>
+                                          <a:latin typeface="Cambria Math" panose="02040503050406030204" pitchFamily="18" charset="0"/>
+                                        </a:rPr>
+                                        <m:t>𝑟</m:t>
+                                      </m:r>
+                                    </m:sub>
+                                  </m:sSub>
+                                  <m:r>
+                                    <a:rPr lang="en-GB" i="1">
+                                      <a:solidFill>
+                                        <a:srgbClr val="000000"/>
+                                      </a:solidFill>
+                                      <a:latin typeface="Cambria Math" panose="02040503050406030204" pitchFamily="18" charset="0"/>
+                                    </a:rPr>
+                                    <m:t>−</m:t>
+                                  </m:r>
+                                  <m:sSub>
+                                    <m:sSubPr>
+                                      <m:ctrlPr>
+                                        <a:rPr lang="en-GB" i="1">
+                                          <a:solidFill>
+                                            <a:srgbClr val="000000"/>
+                                          </a:solidFill>
+                                          <a:latin typeface="Cambria Math" panose="02040503050406030204" pitchFamily="18" charset="0"/>
+                                        </a:rPr>
+                                      </m:ctrlPr>
+                                    </m:sSubPr>
+                                    <m:e>
+                                      <m:r>
+                                        <a:rPr lang="en-GB" i="1">
+                                          <a:solidFill>
+                                            <a:srgbClr val="000000"/>
+                                          </a:solidFill>
+                                          <a:latin typeface="Cambria Math" panose="02040503050406030204" pitchFamily="18" charset="0"/>
+                                        </a:rPr>
+                                        <m:t>𝜔</m:t>
+                                      </m:r>
+                                    </m:e>
+                                    <m:sub>
+                                      <m:r>
+                                        <a:rPr lang="en-GB" i="1">
+                                          <a:solidFill>
+                                            <a:srgbClr val="000000"/>
+                                          </a:solidFill>
+                                          <a:latin typeface="Cambria Math" panose="02040503050406030204" pitchFamily="18" charset="0"/>
+                                        </a:rPr>
+                                        <m:t>𝑙</m:t>
+                                      </m:r>
+                                    </m:sub>
+                                  </m:sSub>
+                                </m:e>
+                              </m:d>
+                              <m:r>
+                                <a:rPr lang="en-GB" i="1">
+                                  <a:solidFill>
+                                    <a:srgbClr val="000000"/>
+                                  </a:solidFill>
+                                  <a:latin typeface="Cambria Math" panose="02040503050406030204" pitchFamily="18" charset="0"/>
+                                </a:rPr>
+                                <m:t>𝑟</m:t>
+                              </m:r>
+                            </m:num>
+                            <m:den>
+                              <m:r>
+                                <a:rPr lang="en-GB" i="1">
+                                  <a:solidFill>
+                                    <a:srgbClr val="000000"/>
+                                  </a:solidFill>
+                                  <a:latin typeface="Cambria Math" panose="02040503050406030204" pitchFamily="18" charset="0"/>
+                                </a:rPr>
+                                <m:t>𝑏</m:t>
+                              </m:r>
+                            </m:den>
+                          </m:f>
+                          <m:r>
+                            <a:rPr lang="en-GB" i="1">
+                              <a:solidFill>
+                                <a:srgbClr val="000000"/>
+                              </a:solidFill>
+                              <a:latin typeface="Cambria Math" panose="02040503050406030204" pitchFamily="18" charset="0"/>
+                            </a:rPr>
+                            <m:t> </m:t>
+                          </m:r>
+                          <m:r>
+                            <a:rPr lang="en-GB" i="1">
+                              <a:solidFill>
+                                <a:srgbClr val="000000"/>
+                              </a:solidFill>
+                              <a:latin typeface="Cambria Math" panose="02040503050406030204" pitchFamily="18" charset="0"/>
+                            </a:rPr>
+                            <m:t>𝑑𝑡</m:t>
+                          </m:r>
+                        </m:e>
+                      </m:nary>
+                    </m:oMath>
+                    <m:oMath xmlns:m="http://schemas.openxmlformats.org/officeDocument/2006/math">
+                      <m:r>
+                        <a:rPr lang="en-GB" i="1">
+                          <a:solidFill>
+                            <a:srgbClr val="000000"/>
+                          </a:solidFill>
+                          <a:latin typeface="Cambria Math" panose="02040503050406030204" pitchFamily="18" charset="0"/>
+                        </a:rPr>
+                        <m:t>𝑥</m:t>
+                      </m:r>
+                      <m:r>
+                        <a:rPr lang="en-GB" i="1">
+                          <a:solidFill>
+                            <a:srgbClr val="000000"/>
+                          </a:solidFill>
+                          <a:latin typeface="Cambria Math" panose="02040503050406030204" pitchFamily="18" charset="0"/>
+                        </a:rPr>
+                        <m:t>=</m:t>
+                      </m:r>
+                      <m:nary>
+                        <m:naryPr>
+                          <m:limLoc m:val="undOvr"/>
+                          <m:ctrlPr>
+                            <a:rPr lang="en-GB" i="1">
+                              <a:solidFill>
+                                <a:srgbClr val="000000"/>
+                              </a:solidFill>
+                              <a:latin typeface="Cambria Math" panose="02040503050406030204" pitchFamily="18" charset="0"/>
+                            </a:rPr>
+                          </m:ctrlPr>
+                        </m:naryPr>
+                        <m:sub>
+                          <m:r>
+                            <a:rPr lang="en-GB" i="1">
+                              <a:solidFill>
+                                <a:srgbClr val="000000"/>
+                              </a:solidFill>
+                              <a:latin typeface="Cambria Math" panose="02040503050406030204" pitchFamily="18" charset="0"/>
+                            </a:rPr>
+                            <m:t>0</m:t>
+                          </m:r>
+                        </m:sub>
+                        <m:sup>
+                          <m:r>
+                            <a:rPr lang="en-GB" i="1">
+                              <a:solidFill>
+                                <a:srgbClr val="000000"/>
+                              </a:solidFill>
+                              <a:latin typeface="Cambria Math" panose="02040503050406030204" pitchFamily="18" charset="0"/>
+                            </a:rPr>
+                            <m:t>𝑡</m:t>
+                          </m:r>
+                        </m:sup>
+                        <m:e>
+                          <m:sSub>
+                            <m:sSubPr>
+                              <m:ctrlPr>
+                                <a:rPr lang="en-GB" i="1">
+                                  <a:solidFill>
+                                    <a:srgbClr val="000000"/>
+                                  </a:solidFill>
+                                  <a:latin typeface="Cambria Math" panose="02040503050406030204" pitchFamily="18" charset="0"/>
+                                </a:rPr>
+                              </m:ctrlPr>
+                            </m:sSubPr>
+                            <m:e>
+                              <m:r>
+                                <a:rPr lang="en-GB" i="1">
+                                  <a:solidFill>
+                                    <a:srgbClr val="000000"/>
+                                  </a:solidFill>
+                                  <a:latin typeface="Cambria Math" panose="02040503050406030204" pitchFamily="18" charset="0"/>
+                                </a:rPr>
+                                <m:t>𝑣</m:t>
+                              </m:r>
+                            </m:e>
+                            <m:sub>
+                              <m:r>
+                                <a:rPr lang="en-GB" i="1">
+                                  <a:solidFill>
+                                    <a:srgbClr val="000000"/>
+                                  </a:solidFill>
+                                  <a:latin typeface="Cambria Math" panose="02040503050406030204" pitchFamily="18" charset="0"/>
+                                </a:rPr>
+                                <m:t>𝑥</m:t>
+                              </m:r>
+                            </m:sub>
+                          </m:sSub>
+                          <m:r>
+                            <a:rPr lang="en-GB" i="1">
+                              <a:solidFill>
+                                <a:srgbClr val="000000"/>
+                              </a:solidFill>
+                              <a:latin typeface="Cambria Math" panose="02040503050406030204" pitchFamily="18" charset="0"/>
+                            </a:rPr>
+                            <m:t>𝑑𝑡</m:t>
+                          </m:r>
+                          <m:r>
+                            <a:rPr lang="en-GB" i="1">
+                              <a:solidFill>
+                                <a:srgbClr val="000000"/>
+                              </a:solidFill>
+                              <a:latin typeface="Cambria Math" panose="02040503050406030204" pitchFamily="18" charset="0"/>
+                            </a:rPr>
+                            <m:t>=</m:t>
+                          </m:r>
+                        </m:e>
+                      </m:nary>
+                      <m:nary>
+                        <m:naryPr>
+                          <m:limLoc m:val="undOvr"/>
+                          <m:ctrlPr>
+                            <a:rPr lang="en-GB" i="1">
+                              <a:solidFill>
+                                <a:srgbClr val="000000"/>
+                              </a:solidFill>
+                              <a:latin typeface="Cambria Math" panose="02040503050406030204" pitchFamily="18" charset="0"/>
+                            </a:rPr>
+                          </m:ctrlPr>
+                        </m:naryPr>
+                        <m:sub>
+                          <m:r>
+                            <a:rPr lang="en-GB" i="1">
+                              <a:solidFill>
+                                <a:srgbClr val="000000"/>
+                              </a:solidFill>
+                              <a:latin typeface="Cambria Math" panose="02040503050406030204" pitchFamily="18" charset="0"/>
+                            </a:rPr>
+                            <m:t>0</m:t>
+                          </m:r>
+                        </m:sub>
+                        <m:sup>
+                          <m:r>
+                            <a:rPr lang="en-GB" i="1">
+                              <a:solidFill>
+                                <a:srgbClr val="000000"/>
+                              </a:solidFill>
+                              <a:latin typeface="Cambria Math" panose="02040503050406030204" pitchFamily="18" charset="0"/>
+                            </a:rPr>
+                            <m:t>𝑡</m:t>
+                          </m:r>
+                        </m:sup>
+                        <m:e>
+                          <m:f>
+                            <m:fPr>
+                              <m:ctrlPr>
+                                <a:rPr lang="en-GB" i="1">
+                                  <a:solidFill>
+                                    <a:srgbClr val="000000"/>
+                                  </a:solidFill>
+                                  <a:latin typeface="Cambria Math" panose="02040503050406030204" pitchFamily="18" charset="0"/>
+                                </a:rPr>
+                              </m:ctrlPr>
+                            </m:fPr>
+                            <m:num>
+                              <m:d>
+                                <m:dPr>
+                                  <m:ctrlPr>
+                                    <a:rPr lang="en-GB" i="1">
+                                      <a:solidFill>
+                                        <a:srgbClr val="000000"/>
+                                      </a:solidFill>
+                                      <a:latin typeface="Cambria Math" panose="02040503050406030204" pitchFamily="18" charset="0"/>
+                                    </a:rPr>
+                                  </m:ctrlPr>
+                                </m:dPr>
+                                <m:e>
+                                  <m:sSub>
+                                    <m:sSubPr>
+                                      <m:ctrlPr>
+                                        <a:rPr lang="en-GB" i="1">
+                                          <a:solidFill>
+                                            <a:srgbClr val="000000"/>
+                                          </a:solidFill>
+                                          <a:latin typeface="Cambria Math" panose="02040503050406030204" pitchFamily="18" charset="0"/>
+                                        </a:rPr>
+                                      </m:ctrlPr>
+                                    </m:sSubPr>
+                                    <m:e>
+                                      <m:r>
+                                        <a:rPr lang="en-GB" i="1">
+                                          <a:solidFill>
+                                            <a:srgbClr val="000000"/>
+                                          </a:solidFill>
+                                          <a:latin typeface="Cambria Math" panose="02040503050406030204" pitchFamily="18" charset="0"/>
+                                        </a:rPr>
+                                        <m:t>𝜔</m:t>
+                                      </m:r>
+                                    </m:e>
+                                    <m:sub>
+                                      <m:r>
+                                        <a:rPr lang="en-GB" i="1">
+                                          <a:solidFill>
+                                            <a:srgbClr val="000000"/>
+                                          </a:solidFill>
+                                          <a:latin typeface="Cambria Math" panose="02040503050406030204" pitchFamily="18" charset="0"/>
+                                        </a:rPr>
+                                        <m:t>𝑟</m:t>
+                                      </m:r>
+                                    </m:sub>
+                                  </m:sSub>
+                                  <m:r>
+                                    <a:rPr lang="en-GB" i="1">
+                                      <a:solidFill>
+                                        <a:srgbClr val="000000"/>
+                                      </a:solidFill>
+                                      <a:latin typeface="Cambria Math" panose="02040503050406030204" pitchFamily="18" charset="0"/>
+                                    </a:rPr>
+                                    <m:t>+</m:t>
+                                  </m:r>
+                                  <m:sSub>
+                                    <m:sSubPr>
+                                      <m:ctrlPr>
+                                        <a:rPr lang="en-GB" i="1">
+                                          <a:solidFill>
+                                            <a:srgbClr val="000000"/>
+                                          </a:solidFill>
+                                          <a:latin typeface="Cambria Math" panose="02040503050406030204" pitchFamily="18" charset="0"/>
+                                        </a:rPr>
+                                      </m:ctrlPr>
+                                    </m:sSubPr>
+                                    <m:e>
+                                      <m:r>
+                                        <a:rPr lang="en-GB" i="1">
+                                          <a:solidFill>
+                                            <a:srgbClr val="000000"/>
+                                          </a:solidFill>
+                                          <a:latin typeface="Cambria Math" panose="02040503050406030204" pitchFamily="18" charset="0"/>
+                                        </a:rPr>
+                                        <m:t>𝜔</m:t>
+                                      </m:r>
+                                    </m:e>
+                                    <m:sub>
+                                      <m:r>
+                                        <a:rPr lang="en-GB" i="1">
+                                          <a:solidFill>
+                                            <a:srgbClr val="000000"/>
+                                          </a:solidFill>
+                                          <a:latin typeface="Cambria Math" panose="02040503050406030204" pitchFamily="18" charset="0"/>
+                                        </a:rPr>
+                                        <m:t>𝑙</m:t>
+                                      </m:r>
+                                    </m:sub>
+                                  </m:sSub>
+                                </m:e>
+                              </m:d>
+                              <m:r>
+                                <a:rPr lang="en-GB" i="1">
+                                  <a:solidFill>
+                                    <a:srgbClr val="000000"/>
+                                  </a:solidFill>
+                                  <a:latin typeface="Cambria Math" panose="02040503050406030204" pitchFamily="18" charset="0"/>
+                                </a:rPr>
+                                <m:t>𝑟</m:t>
+                              </m:r>
+                            </m:num>
+                            <m:den>
+                              <m:r>
+                                <a:rPr lang="en-GB" i="1">
+                                  <a:solidFill>
+                                    <a:srgbClr val="000000"/>
+                                  </a:solidFill>
+                                  <a:latin typeface="Cambria Math" panose="02040503050406030204" pitchFamily="18" charset="0"/>
+                                </a:rPr>
+                                <m:t>2</m:t>
+                              </m:r>
+                            </m:den>
+                          </m:f>
+                          <m:r>
+                            <a:rPr lang="en-GB" i="1">
+                              <a:solidFill>
+                                <a:srgbClr val="000000"/>
+                              </a:solidFill>
+                              <a:latin typeface="Cambria Math" panose="02040503050406030204" pitchFamily="18" charset="0"/>
+                            </a:rPr>
+                            <m:t> </m:t>
+                          </m:r>
+                          <m:func>
+                            <m:funcPr>
+                              <m:ctrlPr>
+                                <a:rPr lang="en-GB" i="1">
+                                  <a:solidFill>
+                                    <a:srgbClr val="000000"/>
+                                  </a:solidFill>
+                                  <a:latin typeface="Cambria Math" panose="02040503050406030204" pitchFamily="18" charset="0"/>
+                                </a:rPr>
+                              </m:ctrlPr>
+                            </m:funcPr>
+                            <m:fName>
+                              <m:r>
+                                <m:rPr>
+                                  <m:sty m:val="p"/>
+                                </m:rPr>
+                                <a:rPr lang="es-ES" b="0" i="0" smtClean="0">
+                                  <a:solidFill>
+                                    <a:srgbClr val="000000"/>
+                                  </a:solidFill>
+                                  <a:latin typeface="Cambria Math" panose="02040503050406030204" pitchFamily="18" charset="0"/>
+                                </a:rPr>
+                                <m:t>cos</m:t>
+                              </m:r>
+                            </m:fName>
+                            <m:e>
+                              <m:r>
+                                <a:rPr lang="en-GB" i="1">
+                                  <a:solidFill>
+                                    <a:srgbClr val="000000"/>
+                                  </a:solidFill>
+                                  <a:latin typeface="Cambria Math" panose="02040503050406030204" pitchFamily="18" charset="0"/>
+                                </a:rPr>
+                                <m:t>𝜑</m:t>
+                              </m:r>
+                            </m:e>
+                          </m:func>
+                          <m:r>
+                            <a:rPr lang="en-GB" i="1">
+                              <a:solidFill>
+                                <a:srgbClr val="000000"/>
+                              </a:solidFill>
+                              <a:latin typeface="Cambria Math" panose="02040503050406030204" pitchFamily="18" charset="0"/>
+                            </a:rPr>
+                            <m:t> </m:t>
+                          </m:r>
+                          <m:r>
+                            <a:rPr lang="en-GB" i="1">
+                              <a:solidFill>
+                                <a:srgbClr val="000000"/>
+                              </a:solidFill>
+                              <a:latin typeface="Cambria Math" panose="02040503050406030204" pitchFamily="18" charset="0"/>
+                            </a:rPr>
+                            <m:t>𝑑𝑡</m:t>
+                          </m:r>
+                        </m:e>
+                      </m:nary>
+                    </m:oMath>
+                    <m:oMath xmlns:m="http://schemas.openxmlformats.org/officeDocument/2006/math">
+                      <m:r>
+                        <a:rPr lang="en-GB" i="1">
+                          <a:solidFill>
+                            <a:srgbClr val="000000"/>
+                          </a:solidFill>
+                          <a:latin typeface="Cambria Math" panose="02040503050406030204" pitchFamily="18" charset="0"/>
+                        </a:rPr>
+                        <m:t>𝑦</m:t>
+                      </m:r>
+                      <m:r>
+                        <a:rPr lang="en-GB" i="1">
+                          <a:solidFill>
+                            <a:srgbClr val="000000"/>
+                          </a:solidFill>
+                          <a:latin typeface="Cambria Math" panose="02040503050406030204" pitchFamily="18" charset="0"/>
+                        </a:rPr>
+                        <m:t>=</m:t>
+                      </m:r>
+                      <m:nary>
+                        <m:naryPr>
+                          <m:limLoc m:val="undOvr"/>
+                          <m:ctrlPr>
+                            <a:rPr lang="en-GB" i="1">
+                              <a:solidFill>
+                                <a:srgbClr val="000000"/>
+                              </a:solidFill>
+                              <a:latin typeface="Cambria Math" panose="02040503050406030204" pitchFamily="18" charset="0"/>
+                            </a:rPr>
+                          </m:ctrlPr>
+                        </m:naryPr>
+                        <m:sub>
+                          <m:r>
+                            <a:rPr lang="en-GB" i="1">
+                              <a:solidFill>
+                                <a:srgbClr val="000000"/>
+                              </a:solidFill>
+                              <a:latin typeface="Cambria Math" panose="02040503050406030204" pitchFamily="18" charset="0"/>
+                            </a:rPr>
+                            <m:t>0</m:t>
+                          </m:r>
+                        </m:sub>
+                        <m:sup>
+                          <m:r>
+                            <a:rPr lang="en-GB" i="1">
+                              <a:solidFill>
+                                <a:srgbClr val="000000"/>
+                              </a:solidFill>
+                              <a:latin typeface="Cambria Math" panose="02040503050406030204" pitchFamily="18" charset="0"/>
+                            </a:rPr>
+                            <m:t>𝑡</m:t>
+                          </m:r>
+                        </m:sup>
+                        <m:e>
+                          <m:sSub>
+                            <m:sSubPr>
+                              <m:ctrlPr>
+                                <a:rPr lang="en-GB" i="1">
+                                  <a:solidFill>
+                                    <a:srgbClr val="000000"/>
+                                  </a:solidFill>
+                                  <a:latin typeface="Cambria Math" panose="02040503050406030204" pitchFamily="18" charset="0"/>
+                                </a:rPr>
+                              </m:ctrlPr>
+                            </m:sSubPr>
+                            <m:e>
+                              <m:r>
+                                <a:rPr lang="en-GB" i="1">
+                                  <a:solidFill>
+                                    <a:srgbClr val="000000"/>
+                                  </a:solidFill>
+                                  <a:latin typeface="Cambria Math" panose="02040503050406030204" pitchFamily="18" charset="0"/>
+                                </a:rPr>
+                                <m:t>𝑣</m:t>
+                              </m:r>
+                            </m:e>
+                            <m:sub>
+                              <m:r>
+                                <a:rPr lang="en-GB" i="1">
+                                  <a:solidFill>
+                                    <a:srgbClr val="000000"/>
+                                  </a:solidFill>
+                                  <a:latin typeface="Cambria Math" panose="02040503050406030204" pitchFamily="18" charset="0"/>
+                                </a:rPr>
+                                <m:t>𝑦</m:t>
+                              </m:r>
+                            </m:sub>
+                          </m:sSub>
+                          <m:r>
+                            <a:rPr lang="en-GB" i="1">
+                              <a:solidFill>
+                                <a:srgbClr val="000000"/>
+                              </a:solidFill>
+                              <a:latin typeface="Cambria Math" panose="02040503050406030204" pitchFamily="18" charset="0"/>
+                            </a:rPr>
+                            <m:t>𝑑𝑡</m:t>
+                          </m:r>
+                          <m:r>
+                            <a:rPr lang="en-GB" i="1">
+                              <a:solidFill>
+                                <a:srgbClr val="000000"/>
+                              </a:solidFill>
+                              <a:latin typeface="Cambria Math" panose="02040503050406030204" pitchFamily="18" charset="0"/>
+                            </a:rPr>
+                            <m:t>=</m:t>
+                          </m:r>
+                        </m:e>
+                      </m:nary>
+                      <m:nary>
+                        <m:naryPr>
+                          <m:limLoc m:val="undOvr"/>
+                          <m:ctrlPr>
+                            <a:rPr lang="en-GB" i="1">
+                              <a:solidFill>
+                                <a:srgbClr val="000000"/>
+                              </a:solidFill>
+                              <a:latin typeface="Cambria Math" panose="02040503050406030204" pitchFamily="18" charset="0"/>
+                            </a:rPr>
+                          </m:ctrlPr>
+                        </m:naryPr>
+                        <m:sub>
+                          <m:r>
+                            <a:rPr lang="en-GB" i="1">
+                              <a:solidFill>
+                                <a:srgbClr val="000000"/>
+                              </a:solidFill>
+                              <a:latin typeface="Cambria Math" panose="02040503050406030204" pitchFamily="18" charset="0"/>
+                            </a:rPr>
+                            <m:t>0</m:t>
+                          </m:r>
+                        </m:sub>
+                        <m:sup>
+                          <m:r>
+                            <a:rPr lang="en-GB" i="1">
+                              <a:solidFill>
+                                <a:srgbClr val="000000"/>
+                              </a:solidFill>
+                              <a:latin typeface="Cambria Math" panose="02040503050406030204" pitchFamily="18" charset="0"/>
+                            </a:rPr>
+                            <m:t>𝑡</m:t>
+                          </m:r>
+                        </m:sup>
+                        <m:e>
+                          <m:f>
+                            <m:fPr>
+                              <m:ctrlPr>
+                                <a:rPr lang="en-GB" i="1">
+                                  <a:solidFill>
+                                    <a:srgbClr val="000000"/>
+                                  </a:solidFill>
+                                  <a:latin typeface="Cambria Math" panose="02040503050406030204" pitchFamily="18" charset="0"/>
+                                </a:rPr>
+                              </m:ctrlPr>
+                            </m:fPr>
+                            <m:num>
+                              <m:d>
+                                <m:dPr>
+                                  <m:ctrlPr>
+                                    <a:rPr lang="en-GB" i="1">
+                                      <a:solidFill>
+                                        <a:srgbClr val="000000"/>
+                                      </a:solidFill>
+                                      <a:latin typeface="Cambria Math" panose="02040503050406030204" pitchFamily="18" charset="0"/>
+                                    </a:rPr>
+                                  </m:ctrlPr>
+                                </m:dPr>
+                                <m:e>
+                                  <m:sSub>
+                                    <m:sSubPr>
+                                      <m:ctrlPr>
+                                        <a:rPr lang="en-GB" i="1">
+                                          <a:solidFill>
+                                            <a:srgbClr val="000000"/>
+                                          </a:solidFill>
+                                          <a:latin typeface="Cambria Math" panose="02040503050406030204" pitchFamily="18" charset="0"/>
+                                        </a:rPr>
+                                      </m:ctrlPr>
+                                    </m:sSubPr>
+                                    <m:e>
+                                      <m:r>
+                                        <a:rPr lang="en-GB" i="1">
+                                          <a:solidFill>
+                                            <a:srgbClr val="000000"/>
+                                          </a:solidFill>
+                                          <a:latin typeface="Cambria Math" panose="02040503050406030204" pitchFamily="18" charset="0"/>
+                                        </a:rPr>
+                                        <m:t>𝜔</m:t>
+                                      </m:r>
+                                    </m:e>
+                                    <m:sub>
+                                      <m:r>
+                                        <a:rPr lang="en-GB" i="1">
+                                          <a:solidFill>
+                                            <a:srgbClr val="000000"/>
+                                          </a:solidFill>
+                                          <a:latin typeface="Cambria Math" panose="02040503050406030204" pitchFamily="18" charset="0"/>
+                                        </a:rPr>
+                                        <m:t>𝑟</m:t>
+                                      </m:r>
+                                    </m:sub>
+                                  </m:sSub>
+                                  <m:r>
+                                    <a:rPr lang="en-GB" i="1">
+                                      <a:solidFill>
+                                        <a:srgbClr val="000000"/>
+                                      </a:solidFill>
+                                      <a:latin typeface="Cambria Math" panose="02040503050406030204" pitchFamily="18" charset="0"/>
+                                    </a:rPr>
+                                    <m:t>+</m:t>
+                                  </m:r>
+                                  <m:sSub>
+                                    <m:sSubPr>
+                                      <m:ctrlPr>
+                                        <a:rPr lang="en-GB" i="1">
+                                          <a:solidFill>
+                                            <a:srgbClr val="000000"/>
+                                          </a:solidFill>
+                                          <a:latin typeface="Cambria Math" panose="02040503050406030204" pitchFamily="18" charset="0"/>
+                                        </a:rPr>
+                                      </m:ctrlPr>
+                                    </m:sSubPr>
+                                    <m:e>
+                                      <m:r>
+                                        <a:rPr lang="en-GB" i="1">
+                                          <a:solidFill>
+                                            <a:srgbClr val="000000"/>
+                                          </a:solidFill>
+                                          <a:latin typeface="Cambria Math" panose="02040503050406030204" pitchFamily="18" charset="0"/>
+                                        </a:rPr>
+                                        <m:t>𝜔</m:t>
+                                      </m:r>
+                                    </m:e>
+                                    <m:sub>
+                                      <m:r>
+                                        <a:rPr lang="en-GB" i="1">
+                                          <a:solidFill>
+                                            <a:srgbClr val="000000"/>
+                                          </a:solidFill>
+                                          <a:latin typeface="Cambria Math" panose="02040503050406030204" pitchFamily="18" charset="0"/>
+                                        </a:rPr>
+                                        <m:t>𝑙</m:t>
+                                      </m:r>
+                                    </m:sub>
+                                  </m:sSub>
+                                </m:e>
+                              </m:d>
+                              <m:r>
+                                <a:rPr lang="en-GB" i="1">
+                                  <a:solidFill>
+                                    <a:srgbClr val="000000"/>
+                                  </a:solidFill>
+                                  <a:latin typeface="Cambria Math" panose="02040503050406030204" pitchFamily="18" charset="0"/>
+                                </a:rPr>
+                                <m:t>𝑟</m:t>
+                              </m:r>
+                            </m:num>
+                            <m:den>
+                              <m:r>
+                                <a:rPr lang="en-GB" i="1">
+                                  <a:solidFill>
+                                    <a:srgbClr val="000000"/>
+                                  </a:solidFill>
+                                  <a:latin typeface="Cambria Math" panose="02040503050406030204" pitchFamily="18" charset="0"/>
+                                </a:rPr>
+                                <m:t>2</m:t>
+                              </m:r>
+                            </m:den>
+                          </m:f>
+                          <m:r>
+                            <a:rPr lang="en-GB" i="1">
+                              <a:solidFill>
+                                <a:srgbClr val="000000"/>
+                              </a:solidFill>
+                              <a:latin typeface="Cambria Math" panose="02040503050406030204" pitchFamily="18" charset="0"/>
+                            </a:rPr>
+                            <m:t> </m:t>
+                          </m:r>
+                          <m:func>
+                            <m:funcPr>
+                              <m:ctrlPr>
+                                <a:rPr lang="en-GB" i="1">
+                                  <a:solidFill>
+                                    <a:srgbClr val="000000"/>
+                                  </a:solidFill>
+                                  <a:latin typeface="Cambria Math" panose="02040503050406030204" pitchFamily="18" charset="0"/>
+                                </a:rPr>
+                              </m:ctrlPr>
+                            </m:funcPr>
+                            <m:fName>
+                              <m:r>
+                                <m:rPr>
+                                  <m:sty m:val="p"/>
+                                </m:rPr>
+                                <a:rPr lang="en-GB">
+                                  <a:solidFill>
+                                    <a:srgbClr val="000000"/>
+                                  </a:solidFill>
+                                  <a:latin typeface="Cambria Math" panose="02040503050406030204" pitchFamily="18" charset="0"/>
+                                </a:rPr>
+                                <m:t>s</m:t>
+                              </m:r>
+                              <m:r>
+                                <m:rPr>
+                                  <m:sty m:val="p"/>
+                                </m:rPr>
+                                <a:rPr lang="es-ES" b="0" i="0" smtClean="0">
+                                  <a:solidFill>
+                                    <a:srgbClr val="000000"/>
+                                  </a:solidFill>
+                                  <a:latin typeface="Cambria Math" panose="02040503050406030204" pitchFamily="18" charset="0"/>
+                                </a:rPr>
+                                <m:t>in</m:t>
+                              </m:r>
+                            </m:fName>
+                            <m:e>
+                              <m:r>
+                                <a:rPr lang="en-GB" i="1">
+                                  <a:solidFill>
+                                    <a:srgbClr val="000000"/>
+                                  </a:solidFill>
+                                  <a:latin typeface="Cambria Math" panose="02040503050406030204" pitchFamily="18" charset="0"/>
+                                </a:rPr>
+                                <m:t>𝜑</m:t>
+                              </m:r>
+                            </m:e>
+                          </m:func>
+                          <m:r>
+                            <a:rPr lang="en-GB" i="1">
+                              <a:solidFill>
+                                <a:srgbClr val="000000"/>
+                              </a:solidFill>
+                              <a:latin typeface="Cambria Math" panose="02040503050406030204" pitchFamily="18" charset="0"/>
+                            </a:rPr>
+                            <m:t> </m:t>
+                          </m:r>
+                          <m:r>
+                            <a:rPr lang="en-GB" i="1">
+                              <a:solidFill>
+                                <a:srgbClr val="000000"/>
+                              </a:solidFill>
+                              <a:latin typeface="Cambria Math" panose="02040503050406030204" pitchFamily="18" charset="0"/>
+                            </a:rPr>
+                            <m:t>𝑑𝑡</m:t>
+                          </m:r>
+                        </m:e>
+                      </m:nary>
+                    </m:oMath>
+                  </m:oMathPara>
+                </a14:m>
+                <a:endParaRPr lang="en-GB" dirty="0"/>
+              </a:p>
+            </p:txBody>
+          </p:sp>
+        </mc:Choice>
+        <mc:Fallback>
+          <p:sp>
+            <p:nvSpPr>
+              <p:cNvPr id="8" name="Object 29"/>
+              <p:cNvSpPr txBox="1">
+                <a:spLocks noRot="1" noChangeAspect="1" noMove="1" noResize="1" noEditPoints="1" noAdjustHandles="1" noChangeArrowheads="1" noChangeShapeType="1" noTextEdit="1"/>
+              </p:cNvSpPr>
+              <p:nvPr/>
+            </p:nvSpPr>
+            <p:spPr bwMode="auto">
+              <a:xfrm>
+                <a:off x="6219825" y="3762376"/>
+                <a:ext cx="4340671" cy="2524125"/>
+              </a:xfrm>
+              <a:prstGeom prst="rect">
+                <a:avLst/>
+              </a:prstGeom>
+              <a:blipFill>
+                <a:blip r:embed="rId3"/>
+                <a:stretch>
+                  <a:fillRect/>
+                </a:stretch>
+              </a:blipFill>
+              <a:ln>
+                <a:noFill/>
+              </a:ln>
+              <a:effectLst/>
+            </p:spPr>
+            <p:txBody>
+              <a:bodyPr/>
+              <a:lstStyle/>
+              <a:p>
+                <a:r>
+                  <a:rPr lang="en-GB">
+                    <a:noFill/>
+                  </a:rPr>
+                  <a:t> </a:t>
+                </a:r>
+              </a:p>
+            </p:txBody>
+          </p:sp>
+        </mc:Fallback>
+      </mc:AlternateContent>
+      <p:cxnSp>
+        <p:nvCxnSpPr>
+          <p:cNvPr id="10" name="Straight Arrow Connector 9"/>
+          <p:cNvCxnSpPr/>
+          <p:nvPr/>
+        </p:nvCxnSpPr>
+        <p:spPr>
+          <a:xfrm>
+            <a:off x="1826404" y="3034582"/>
+            <a:ext cx="3583016" cy="0"/>
+          </a:xfrm>
+          <a:prstGeom prst="straightConnector1">
+            <a:avLst/>
+          </a:prstGeom>
+          <a:ln>
+            <a:tailEnd type="triangle"/>
+          </a:ln>
+        </p:spPr>
+        <p:style>
+          <a:lnRef idx="1">
+            <a:schemeClr val="accent1"/>
+          </a:lnRef>
+          <a:fillRef idx="0">
+            <a:schemeClr val="accent1"/>
+          </a:fillRef>
+          <a:effectRef idx="0">
+            <a:schemeClr val="accent1"/>
+          </a:effectRef>
+          <a:fontRef idx="minor">
+            <a:schemeClr val="tx1"/>
+          </a:fontRef>
+        </p:style>
+      </p:cxnSp>
+      <p:cxnSp>
+        <p:nvCxnSpPr>
+          <p:cNvPr id="11" name="Straight Arrow Connector 10"/>
+          <p:cNvCxnSpPr/>
+          <p:nvPr/>
+        </p:nvCxnSpPr>
+        <p:spPr>
+          <a:xfrm flipV="1">
+            <a:off x="2344708" y="1113116"/>
+            <a:ext cx="0" cy="2671484"/>
+          </a:xfrm>
+          <a:prstGeom prst="straightConnector1">
+            <a:avLst/>
+          </a:prstGeom>
+          <a:ln>
+            <a:tailEnd type="triangle"/>
+          </a:ln>
+        </p:spPr>
+        <p:style>
+          <a:lnRef idx="1">
+            <a:schemeClr val="accent1"/>
+          </a:lnRef>
+          <a:fillRef idx="0">
+            <a:schemeClr val="accent1"/>
+          </a:fillRef>
+          <a:effectRef idx="0">
+            <a:schemeClr val="accent1"/>
+          </a:effectRef>
+          <a:fontRef idx="minor">
+            <a:schemeClr val="tx1"/>
+          </a:fontRef>
+        </p:style>
+      </p:cxnSp>
+      <p:grpSp>
+        <p:nvGrpSpPr>
+          <p:cNvPr id="12" name="Group 11"/>
+          <p:cNvGrpSpPr/>
+          <p:nvPr/>
+        </p:nvGrpSpPr>
+        <p:grpSpPr>
+          <a:xfrm>
+            <a:off x="2737622" y="1316737"/>
+            <a:ext cx="788838" cy="997297"/>
+            <a:chOff x="2771800" y="2892058"/>
+            <a:chExt cx="722842" cy="896982"/>
+          </a:xfrm>
+        </p:grpSpPr>
+        <p:grpSp>
+          <p:nvGrpSpPr>
+            <p:cNvPr id="30" name="Group 29"/>
+            <p:cNvGrpSpPr/>
+            <p:nvPr/>
+          </p:nvGrpSpPr>
+          <p:grpSpPr>
+            <a:xfrm rot="2170102">
+              <a:off x="2771800" y="3140968"/>
+              <a:ext cx="648072" cy="648072"/>
+              <a:chOff x="2771800" y="3140968"/>
+              <a:chExt cx="648072" cy="648072"/>
+            </a:xfrm>
+          </p:grpSpPr>
+          <p:cxnSp>
+            <p:nvCxnSpPr>
+              <p:cNvPr id="32" name="Straight Arrow Connector 31"/>
+              <p:cNvCxnSpPr/>
+              <p:nvPr/>
+            </p:nvCxnSpPr>
+            <p:spPr>
+              <a:xfrm>
+                <a:off x="2771800" y="3645024"/>
+                <a:ext cx="648072" cy="0"/>
+              </a:xfrm>
+              <a:prstGeom prst="straightConnector1">
+                <a:avLst/>
+              </a:prstGeom>
+              <a:ln>
+                <a:solidFill>
+                  <a:srgbClr val="FF0000"/>
+                </a:solidFill>
+                <a:tailEnd type="triangle"/>
+              </a:ln>
+            </p:spPr>
+            <p:style>
+              <a:lnRef idx="1">
+                <a:schemeClr val="accent1"/>
+              </a:lnRef>
+              <a:fillRef idx="0">
+                <a:schemeClr val="accent1"/>
+              </a:fillRef>
+              <a:effectRef idx="0">
+                <a:schemeClr val="accent1"/>
+              </a:effectRef>
+              <a:fontRef idx="minor">
+                <a:schemeClr val="tx1"/>
+              </a:fontRef>
+            </p:style>
+          </p:cxnSp>
+          <p:cxnSp>
+            <p:nvCxnSpPr>
+              <p:cNvPr id="33" name="Straight Arrow Connector 32"/>
+              <p:cNvCxnSpPr/>
+              <p:nvPr/>
+            </p:nvCxnSpPr>
+            <p:spPr>
+              <a:xfrm flipV="1">
+                <a:off x="3059832" y="3140968"/>
+                <a:ext cx="0" cy="648072"/>
+              </a:xfrm>
+              <a:prstGeom prst="straightConnector1">
+                <a:avLst/>
+              </a:prstGeom>
+              <a:ln>
+                <a:solidFill>
+                  <a:srgbClr val="FF0000"/>
+                </a:solidFill>
+                <a:tailEnd type="triangle"/>
+              </a:ln>
+            </p:spPr>
+            <p:style>
+              <a:lnRef idx="1">
+                <a:schemeClr val="accent1"/>
+              </a:lnRef>
+              <a:fillRef idx="0">
+                <a:schemeClr val="accent1"/>
+              </a:fillRef>
+              <a:effectRef idx="0">
+                <a:schemeClr val="accent1"/>
+              </a:effectRef>
+              <a:fontRef idx="minor">
+                <a:schemeClr val="tx1"/>
+              </a:fontRef>
+            </p:style>
+          </p:cxnSp>
+          <p:cxnSp>
+            <p:nvCxnSpPr>
+              <p:cNvPr id="34" name="Straight Connector 33"/>
+              <p:cNvCxnSpPr/>
+              <p:nvPr/>
+            </p:nvCxnSpPr>
+            <p:spPr>
+              <a:xfrm>
+                <a:off x="3203848" y="3535711"/>
+                <a:ext cx="0" cy="237626"/>
+              </a:xfrm>
+              <a:prstGeom prst="line">
+                <a:avLst/>
+              </a:prstGeom>
+              <a:ln w="57150">
+                <a:solidFill>
+                  <a:schemeClr val="tx1"/>
+                </a:solidFill>
+              </a:ln>
+            </p:spPr>
+            <p:style>
+              <a:lnRef idx="1">
+                <a:schemeClr val="accent1"/>
+              </a:lnRef>
+              <a:fillRef idx="0">
+                <a:schemeClr val="accent1"/>
+              </a:fillRef>
+              <a:effectRef idx="0">
+                <a:schemeClr val="accent1"/>
+              </a:effectRef>
+              <a:fontRef idx="minor">
+                <a:schemeClr val="tx1"/>
+              </a:fontRef>
+            </p:style>
+          </p:cxnSp>
+          <p:cxnSp>
+            <p:nvCxnSpPr>
+              <p:cNvPr id="35" name="Straight Connector 34"/>
+              <p:cNvCxnSpPr/>
+              <p:nvPr/>
+            </p:nvCxnSpPr>
+            <p:spPr>
+              <a:xfrm>
+                <a:off x="2915816" y="3540764"/>
+                <a:ext cx="0" cy="237626"/>
+              </a:xfrm>
+              <a:prstGeom prst="line">
+                <a:avLst/>
+              </a:prstGeom>
+              <a:ln w="57150">
+                <a:solidFill>
+                  <a:schemeClr val="tx1"/>
+                </a:solidFill>
+              </a:ln>
+            </p:spPr>
+            <p:style>
+              <a:lnRef idx="1">
+                <a:schemeClr val="accent1"/>
+              </a:lnRef>
+              <a:fillRef idx="0">
+                <a:schemeClr val="accent1"/>
+              </a:fillRef>
+              <a:effectRef idx="0">
+                <a:schemeClr val="accent1"/>
+              </a:effectRef>
+              <a:fontRef idx="minor">
+                <a:schemeClr val="tx1"/>
+              </a:fontRef>
+            </p:style>
+          </p:cxnSp>
+        </p:grpSp>
+        <p:sp>
+          <p:nvSpPr>
+            <p:cNvPr id="31" name="TextBox 30"/>
+            <p:cNvSpPr txBox="1"/>
+            <p:nvPr/>
+          </p:nvSpPr>
+          <p:spPr>
+            <a:xfrm rot="2170102">
+              <a:off x="3229947" y="2892058"/>
+              <a:ext cx="264695" cy="332182"/>
+            </a:xfrm>
+            <a:prstGeom prst="rect">
+              <a:avLst/>
+            </a:prstGeom>
+            <a:noFill/>
+          </p:spPr>
+          <p:txBody>
+            <a:bodyPr wrap="none" rtlCol="0">
+              <a:spAutoFit/>
+            </a:bodyPr>
+            <a:lstStyle/>
+            <a:p>
+              <a:r>
+                <a:rPr lang="es-ES" dirty="0"/>
+                <a:t>v</a:t>
+              </a:r>
+            </a:p>
+          </p:txBody>
+        </p:sp>
+      </p:grpSp>
+      <p:cxnSp>
+        <p:nvCxnSpPr>
+          <p:cNvPr id="13" name="Straight Connector 12"/>
+          <p:cNvCxnSpPr/>
+          <p:nvPr/>
+        </p:nvCxnSpPr>
+        <p:spPr>
+          <a:xfrm>
+            <a:off x="2929981" y="1273238"/>
+            <a:ext cx="0" cy="1921466"/>
+          </a:xfrm>
+          <a:prstGeom prst="line">
+            <a:avLst/>
+          </a:prstGeom>
+          <a:ln>
+            <a:prstDash val="dash"/>
+          </a:ln>
+        </p:spPr>
+        <p:style>
+          <a:lnRef idx="1">
+            <a:schemeClr val="accent1"/>
+          </a:lnRef>
+          <a:fillRef idx="0">
+            <a:schemeClr val="accent1"/>
+          </a:fillRef>
+          <a:effectRef idx="0">
+            <a:schemeClr val="accent1"/>
+          </a:effectRef>
+          <a:fontRef idx="minor">
+            <a:schemeClr val="tx1"/>
+          </a:fontRef>
+        </p:style>
+      </p:cxnSp>
+      <p:cxnSp>
+        <p:nvCxnSpPr>
+          <p:cNvPr id="14" name="Straight Connector 13"/>
+          <p:cNvCxnSpPr>
+            <a:cxnSpLocks/>
+          </p:cNvCxnSpPr>
+          <p:nvPr/>
+        </p:nvCxnSpPr>
+        <p:spPr>
+          <a:xfrm flipH="1">
+            <a:off x="2257789" y="2086787"/>
+            <a:ext cx="1543481" cy="1308"/>
+          </a:xfrm>
+          <a:prstGeom prst="line">
+            <a:avLst/>
+          </a:prstGeom>
+          <a:ln>
+            <a:prstDash val="dash"/>
+          </a:ln>
+        </p:spPr>
+        <p:style>
+          <a:lnRef idx="1">
+            <a:schemeClr val="accent1"/>
+          </a:lnRef>
+          <a:fillRef idx="0">
+            <a:schemeClr val="accent1"/>
+          </a:fillRef>
+          <a:effectRef idx="0">
+            <a:schemeClr val="accent1"/>
+          </a:effectRef>
+          <a:fontRef idx="minor">
+            <a:schemeClr val="tx1"/>
+          </a:fontRef>
+        </p:style>
+      </p:cxnSp>
+      <p:sp>
+        <p:nvSpPr>
+          <p:cNvPr id="15" name="TextBox 14"/>
+          <p:cNvSpPr txBox="1"/>
+          <p:nvPr/>
+        </p:nvSpPr>
+        <p:spPr>
+          <a:xfrm>
+            <a:off x="2894785" y="3034583"/>
+            <a:ext cx="352982" cy="307777"/>
+          </a:xfrm>
+          <a:prstGeom prst="rect">
+            <a:avLst/>
+          </a:prstGeom>
+          <a:noFill/>
+        </p:spPr>
+        <p:txBody>
+          <a:bodyPr wrap="none" rtlCol="0">
+            <a:spAutoFit/>
+          </a:bodyPr>
+          <a:lstStyle/>
+          <a:p>
+            <a:r>
+              <a:rPr lang="es-ES" sz="1400" dirty="0"/>
+              <a:t>xo</a:t>
+            </a:r>
+          </a:p>
+        </p:txBody>
+      </p:sp>
+      <p:sp>
+        <p:nvSpPr>
+          <p:cNvPr id="16" name="TextBox 15"/>
+          <p:cNvSpPr txBox="1"/>
+          <p:nvPr/>
+        </p:nvSpPr>
+        <p:spPr>
+          <a:xfrm>
+            <a:off x="1858177" y="1891775"/>
+            <a:ext cx="358881" cy="307777"/>
+          </a:xfrm>
+          <a:prstGeom prst="rect">
+            <a:avLst/>
+          </a:prstGeom>
+          <a:noFill/>
+        </p:spPr>
+        <p:txBody>
+          <a:bodyPr wrap="none" rtlCol="0">
+            <a:spAutoFit/>
+          </a:bodyPr>
+          <a:lstStyle/>
+          <a:p>
+            <a:r>
+              <a:rPr lang="es-ES" sz="1400" dirty="0"/>
+              <a:t>yo</a:t>
+            </a:r>
+          </a:p>
+        </p:txBody>
+      </p:sp>
+      <p:sp>
+        <p:nvSpPr>
+          <p:cNvPr id="17" name="Arc 16"/>
+          <p:cNvSpPr/>
+          <p:nvPr/>
+        </p:nvSpPr>
+        <p:spPr>
+          <a:xfrm>
+            <a:off x="2705075" y="1857698"/>
+            <a:ext cx="484924" cy="457535"/>
+          </a:xfrm>
+          <a:prstGeom prst="arc">
+            <a:avLst>
+              <a:gd name="adj1" fmla="val 18219694"/>
+              <a:gd name="adj2" fmla="val 0"/>
+            </a:avLst>
+          </a:prstGeom>
+          <a:ln>
+            <a:solidFill>
+              <a:srgbClr val="00B050"/>
+            </a:solidFill>
+            <a:headEnd type="triangle" w="med" len="med"/>
+            <a:tailEnd type="none" w="med" len="med"/>
+          </a:ln>
+        </p:spPr>
+        <p:style>
+          <a:lnRef idx="1">
+            <a:schemeClr val="accent1"/>
+          </a:lnRef>
+          <a:fillRef idx="0">
+            <a:schemeClr val="accent1"/>
+          </a:fillRef>
+          <a:effectRef idx="0">
+            <a:schemeClr val="accent1"/>
+          </a:effectRef>
+          <a:fontRef idx="minor">
+            <a:schemeClr val="tx1"/>
+          </a:fontRef>
+        </p:style>
+        <p:txBody>
+          <a:bodyPr rtlCol="0" anchor="ctr"/>
+          <a:lstStyle/>
+          <a:p>
+            <a:pPr algn="ctr"/>
+            <a:endParaRPr lang="es-ES"/>
+          </a:p>
+        </p:txBody>
+      </p:sp>
+      <p:sp>
+        <p:nvSpPr>
+          <p:cNvPr id="18" name="TextBox 17"/>
+          <p:cNvSpPr txBox="1"/>
+          <p:nvPr/>
+        </p:nvSpPr>
+        <p:spPr>
+          <a:xfrm>
+            <a:off x="3264674" y="1714356"/>
+            <a:ext cx="404278" cy="338554"/>
+          </a:xfrm>
+          <a:prstGeom prst="rect">
+            <a:avLst/>
+          </a:prstGeom>
+          <a:noFill/>
+        </p:spPr>
+        <p:txBody>
+          <a:bodyPr wrap="none" rtlCol="0">
+            <a:spAutoFit/>
+          </a:bodyPr>
+          <a:lstStyle/>
+          <a:p>
+            <a:r>
+              <a:rPr lang="es-ES" sz="1600" dirty="0">
+                <a:latin typeface="Symbol" panose="05050102010706020507" pitchFamily="18" charset="2"/>
+              </a:rPr>
+              <a:t>fo</a:t>
+            </a:r>
+          </a:p>
+        </p:txBody>
+      </p:sp>
+      <p:sp>
+        <p:nvSpPr>
+          <p:cNvPr id="19" name="Oval 18"/>
+          <p:cNvSpPr/>
+          <p:nvPr/>
+        </p:nvSpPr>
+        <p:spPr>
+          <a:xfrm>
+            <a:off x="2733527" y="1703012"/>
+            <a:ext cx="2254059" cy="2081588"/>
+          </a:xfrm>
+          <a:prstGeom prst="ellipse">
+            <a:avLst/>
+          </a:prstGeom>
+          <a:noFill/>
+          <a:ln>
+            <a:solidFill>
+              <a:srgbClr val="0000FF"/>
+            </a:solidFill>
+            <a:prstDash val="sysDash"/>
+          </a:ln>
+        </p:spPr>
+        <p:style>
+          <a:lnRef idx="2">
+            <a:schemeClr val="accent1">
+              <a:shade val="50000"/>
+            </a:schemeClr>
+          </a:lnRef>
+          <a:fillRef idx="1">
+            <a:schemeClr val="accent1"/>
+          </a:fillRef>
+          <a:effectRef idx="0">
+            <a:schemeClr val="accent1"/>
+          </a:effectRef>
+          <a:fontRef idx="minor">
+            <a:schemeClr val="lt1"/>
+          </a:fontRef>
+        </p:style>
+        <p:txBody>
+          <a:bodyPr rtlCol="0" anchor="ctr"/>
+          <a:lstStyle/>
+          <a:p>
+            <a:pPr algn="ctr"/>
+            <a:endParaRPr lang="es-ES"/>
+          </a:p>
+        </p:txBody>
+      </p:sp>
+      <p:cxnSp>
+        <p:nvCxnSpPr>
+          <p:cNvPr id="20" name="Straight Connector 19"/>
+          <p:cNvCxnSpPr/>
+          <p:nvPr/>
+        </p:nvCxnSpPr>
+        <p:spPr>
+          <a:xfrm>
+            <a:off x="2929981" y="2088095"/>
+            <a:ext cx="930574" cy="657251"/>
+          </a:xfrm>
+          <a:prstGeom prst="line">
+            <a:avLst/>
+          </a:prstGeom>
+          <a:ln>
+            <a:prstDash val="sysDash"/>
+          </a:ln>
+        </p:spPr>
+        <p:style>
+          <a:lnRef idx="1">
+            <a:schemeClr val="accent1"/>
+          </a:lnRef>
+          <a:fillRef idx="0">
+            <a:schemeClr val="accent1"/>
+          </a:fillRef>
+          <a:effectRef idx="0">
+            <a:schemeClr val="accent1"/>
+          </a:effectRef>
+          <a:fontRef idx="minor">
+            <a:schemeClr val="tx1"/>
+          </a:fontRef>
+        </p:style>
+      </p:cxnSp>
+      <p:cxnSp>
+        <p:nvCxnSpPr>
+          <p:cNvPr id="21" name="Straight Connector 20"/>
+          <p:cNvCxnSpPr>
+            <a:stCxn id="19" idx="0"/>
+            <a:endCxn id="19" idx="4"/>
+          </p:cNvCxnSpPr>
+          <p:nvPr/>
+        </p:nvCxnSpPr>
+        <p:spPr>
+          <a:xfrm>
+            <a:off x="3860555" y="1703012"/>
+            <a:ext cx="0" cy="2081588"/>
+          </a:xfrm>
+          <a:prstGeom prst="line">
+            <a:avLst/>
+          </a:prstGeom>
+          <a:ln w="3175">
+            <a:solidFill>
+              <a:schemeClr val="tx1"/>
+            </a:solidFill>
+            <a:prstDash val="dash"/>
+          </a:ln>
+        </p:spPr>
+        <p:style>
+          <a:lnRef idx="1">
+            <a:schemeClr val="accent1"/>
+          </a:lnRef>
+          <a:fillRef idx="0">
+            <a:schemeClr val="accent1"/>
+          </a:fillRef>
+          <a:effectRef idx="0">
+            <a:schemeClr val="accent1"/>
+          </a:effectRef>
+          <a:fontRef idx="minor">
+            <a:schemeClr val="tx1"/>
+          </a:fontRef>
+        </p:style>
+      </p:cxnSp>
+      <p:cxnSp>
+        <p:nvCxnSpPr>
+          <p:cNvPr id="22" name="Straight Connector 21"/>
+          <p:cNvCxnSpPr>
+            <a:stCxn id="19" idx="2"/>
+            <a:endCxn id="19" idx="6"/>
+          </p:cNvCxnSpPr>
+          <p:nvPr/>
+        </p:nvCxnSpPr>
+        <p:spPr>
+          <a:xfrm>
+            <a:off x="2733527" y="2743806"/>
+            <a:ext cx="2254059" cy="0"/>
+          </a:xfrm>
+          <a:prstGeom prst="line">
+            <a:avLst/>
+          </a:prstGeom>
+          <a:ln w="3175">
+            <a:solidFill>
+              <a:schemeClr val="tx1"/>
+            </a:solidFill>
+            <a:prstDash val="dash"/>
+          </a:ln>
+        </p:spPr>
+        <p:style>
+          <a:lnRef idx="1">
+            <a:schemeClr val="accent1"/>
+          </a:lnRef>
+          <a:fillRef idx="0">
+            <a:schemeClr val="accent1"/>
+          </a:fillRef>
+          <a:effectRef idx="0">
+            <a:schemeClr val="accent1"/>
+          </a:effectRef>
+          <a:fontRef idx="minor">
+            <a:schemeClr val="tx1"/>
+          </a:fontRef>
+        </p:style>
+      </p:cxnSp>
+      <p:sp>
+        <p:nvSpPr>
+          <p:cNvPr id="23" name="TextBox 22"/>
+          <p:cNvSpPr txBox="1"/>
+          <p:nvPr/>
+        </p:nvSpPr>
+        <p:spPr>
+          <a:xfrm>
+            <a:off x="3303411" y="1999318"/>
+            <a:ext cx="309700" cy="369332"/>
+          </a:xfrm>
+          <a:prstGeom prst="rect">
+            <a:avLst/>
+          </a:prstGeom>
+          <a:noFill/>
+        </p:spPr>
+        <p:txBody>
+          <a:bodyPr wrap="none" rtlCol="0">
+            <a:spAutoFit/>
+          </a:bodyPr>
+          <a:lstStyle/>
+          <a:p>
+            <a:r>
+              <a:rPr lang="es-ES" dirty="0"/>
+              <a:t>R</a:t>
+            </a:r>
+          </a:p>
+        </p:txBody>
+      </p:sp>
+      <p:sp>
+        <p:nvSpPr>
+          <p:cNvPr id="24" name="TextBox 23"/>
+          <p:cNvSpPr txBox="1"/>
+          <p:nvPr/>
+        </p:nvSpPr>
+        <p:spPr>
+          <a:xfrm rot="2241344">
+            <a:off x="2589957" y="1523320"/>
+            <a:ext cx="372218" cy="338554"/>
+          </a:xfrm>
+          <a:prstGeom prst="rect">
+            <a:avLst/>
+          </a:prstGeom>
+          <a:noFill/>
+        </p:spPr>
+        <p:txBody>
+          <a:bodyPr wrap="none" rtlCol="0">
+            <a:spAutoFit/>
+          </a:bodyPr>
+          <a:lstStyle/>
+          <a:p>
+            <a:r>
+              <a:rPr lang="es-ES" sz="1600" dirty="0">
+                <a:latin typeface="Symbol" panose="05050102010706020507" pitchFamily="18" charset="2"/>
+              </a:rPr>
+              <a:t>w</a:t>
+            </a:r>
+            <a:r>
+              <a:rPr lang="es-ES" sz="1600" dirty="0"/>
+              <a:t>l</a:t>
+            </a:r>
+          </a:p>
+        </p:txBody>
+      </p:sp>
+      <p:sp>
+        <p:nvSpPr>
+          <p:cNvPr id="25" name="TextBox 24"/>
+          <p:cNvSpPr txBox="1"/>
+          <p:nvPr/>
+        </p:nvSpPr>
+        <p:spPr>
+          <a:xfrm rot="2241344">
+            <a:off x="2941927" y="2270319"/>
+            <a:ext cx="397866" cy="338554"/>
+          </a:xfrm>
+          <a:prstGeom prst="rect">
+            <a:avLst/>
+          </a:prstGeom>
+          <a:noFill/>
+        </p:spPr>
+        <p:txBody>
+          <a:bodyPr wrap="none" rtlCol="0">
+            <a:spAutoFit/>
+          </a:bodyPr>
+          <a:lstStyle/>
+          <a:p>
+            <a:r>
+              <a:rPr lang="es-ES" sz="1600" dirty="0">
+                <a:latin typeface="Symbol" panose="05050102010706020507" pitchFamily="18" charset="2"/>
+              </a:rPr>
+              <a:t>w</a:t>
+            </a:r>
+            <a:r>
+              <a:rPr lang="es-ES" sz="1600" dirty="0"/>
+              <a:t>r</a:t>
+            </a:r>
+          </a:p>
+        </p:txBody>
+      </p:sp>
+      <p:sp>
+        <p:nvSpPr>
+          <p:cNvPr id="26" name="TextBox 25"/>
+          <p:cNvSpPr txBox="1"/>
+          <p:nvPr/>
+        </p:nvSpPr>
+        <p:spPr>
+          <a:xfrm>
+            <a:off x="3955409" y="2153911"/>
+            <a:ext cx="396262" cy="461665"/>
+          </a:xfrm>
+          <a:prstGeom prst="rect">
+            <a:avLst/>
+          </a:prstGeom>
+          <a:noFill/>
+        </p:spPr>
+        <p:txBody>
+          <a:bodyPr wrap="none" rtlCol="0">
+            <a:spAutoFit/>
+          </a:bodyPr>
+          <a:lstStyle/>
+          <a:p>
+            <a:r>
+              <a:rPr lang="es-ES" sz="2400" dirty="0">
+                <a:latin typeface="Symbol" panose="05050102010706020507" pitchFamily="18" charset="2"/>
+              </a:rPr>
+              <a:t>w</a:t>
+            </a:r>
+          </a:p>
+        </p:txBody>
+      </p:sp>
+      <p:sp>
+        <p:nvSpPr>
+          <p:cNvPr id="27" name="Oval 26"/>
+          <p:cNvSpPr/>
+          <p:nvPr/>
+        </p:nvSpPr>
+        <p:spPr>
+          <a:xfrm>
+            <a:off x="3771419" y="2663403"/>
+            <a:ext cx="199943" cy="198764"/>
+          </a:xfrm>
+          <a:prstGeom prst="ellipse">
+            <a:avLst/>
+          </a:prstGeom>
+          <a:noFill/>
+        </p:spPr>
+        <p:style>
+          <a:lnRef idx="2">
+            <a:schemeClr val="accent1">
+              <a:shade val="50000"/>
+            </a:schemeClr>
+          </a:lnRef>
+          <a:fillRef idx="1">
+            <a:schemeClr val="accent1"/>
+          </a:fillRef>
+          <a:effectRef idx="0">
+            <a:schemeClr val="accent1"/>
+          </a:effectRef>
+          <a:fontRef idx="minor">
+            <a:schemeClr val="lt1"/>
+          </a:fontRef>
+        </p:style>
+        <p:txBody>
+          <a:bodyPr rtlCol="0" anchor="ctr"/>
+          <a:lstStyle/>
+          <a:p>
+            <a:pPr algn="ctr"/>
+            <a:endParaRPr lang="es-ES"/>
+          </a:p>
+        </p:txBody>
+      </p:sp>
+      <mc:AlternateContent xmlns:mc="http://schemas.openxmlformats.org/markup-compatibility/2006">
+        <mc:Choice xmlns:a14="http://schemas.microsoft.com/office/drawing/2010/main" Requires="a14">
+          <p:sp>
+            <p:nvSpPr>
+              <p:cNvPr id="37" name="Object 89"/>
+              <p:cNvSpPr txBox="1"/>
+              <p:nvPr/>
+            </p:nvSpPr>
+            <p:spPr bwMode="auto">
+              <a:xfrm>
+                <a:off x="6522269" y="1538150"/>
+                <a:ext cx="1958054" cy="1205656"/>
+              </a:xfrm>
+              <a:prstGeom prst="rect">
+                <a:avLst/>
+              </a:prstGeom>
+              <a:noFill/>
+              <a:ln>
+                <a:solidFill>
+                  <a:srgbClr val="FF0000"/>
+                </a:solidFill>
+              </a:ln>
+              <a:effectLst/>
+            </p:spPr>
+            <p:txBody>
+              <a:bodyPr>
+                <a:normAutofit/>
+              </a:bodyPr>
+              <a:lstStyle/>
+              <a:p>
+                <a:pPr/>
+                <a14:m>
+                  <m:oMathPara xmlns:m="http://schemas.openxmlformats.org/officeDocument/2006/math">
+                    <m:oMathParaPr>
+                      <m:jc m:val="left"/>
+                    </m:oMathParaPr>
+                    <m:oMath xmlns:m="http://schemas.openxmlformats.org/officeDocument/2006/math">
+                      <m:r>
+                        <a:rPr lang="en-GB" i="1">
+                          <a:solidFill>
+                            <a:srgbClr val="000000"/>
+                          </a:solidFill>
+                          <a:latin typeface="Cambria Math" panose="02040503050406030204" pitchFamily="18" charset="0"/>
+                        </a:rPr>
+                        <m:t>𝑣</m:t>
+                      </m:r>
+                      <m:r>
+                        <a:rPr lang="en-GB" i="1">
+                          <a:solidFill>
+                            <a:srgbClr val="000000"/>
+                          </a:solidFill>
+                          <a:latin typeface="Cambria Math" panose="02040503050406030204" pitchFamily="18" charset="0"/>
+                        </a:rPr>
+                        <m:t>=</m:t>
+                      </m:r>
+                      <m:f>
+                        <m:fPr>
+                          <m:ctrlPr>
+                            <a:rPr lang="en-GB" i="1">
+                              <a:solidFill>
+                                <a:srgbClr val="000000"/>
+                              </a:solidFill>
+                              <a:latin typeface="Cambria Math" panose="02040503050406030204" pitchFamily="18" charset="0"/>
+                            </a:rPr>
+                          </m:ctrlPr>
+                        </m:fPr>
+                        <m:num>
+                          <m:d>
+                            <m:dPr>
+                              <m:ctrlPr>
+                                <a:rPr lang="en-GB" i="1">
+                                  <a:solidFill>
+                                    <a:srgbClr val="000000"/>
+                                  </a:solidFill>
+                                  <a:latin typeface="Cambria Math" panose="02040503050406030204" pitchFamily="18" charset="0"/>
+                                </a:rPr>
+                              </m:ctrlPr>
+                            </m:dPr>
+                            <m:e>
+                              <m:sSub>
+                                <m:sSubPr>
+                                  <m:ctrlPr>
+                                    <a:rPr lang="en-GB" i="1">
+                                      <a:solidFill>
+                                        <a:srgbClr val="000000"/>
+                                      </a:solidFill>
+                                      <a:latin typeface="Cambria Math" panose="02040503050406030204" pitchFamily="18" charset="0"/>
+                                    </a:rPr>
+                                  </m:ctrlPr>
+                                </m:sSubPr>
+                                <m:e>
+                                  <m:r>
+                                    <a:rPr lang="en-GB" i="1">
+                                      <a:solidFill>
+                                        <a:srgbClr val="000000"/>
+                                      </a:solidFill>
+                                      <a:latin typeface="Cambria Math" panose="02040503050406030204" pitchFamily="18" charset="0"/>
+                                    </a:rPr>
+                                    <m:t>𝜔</m:t>
+                                  </m:r>
+                                </m:e>
+                                <m:sub>
+                                  <m:r>
+                                    <a:rPr lang="en-GB" i="1">
+                                      <a:solidFill>
+                                        <a:srgbClr val="000000"/>
+                                      </a:solidFill>
+                                      <a:latin typeface="Cambria Math" panose="02040503050406030204" pitchFamily="18" charset="0"/>
+                                    </a:rPr>
+                                    <m:t>𝑟</m:t>
+                                  </m:r>
+                                </m:sub>
+                              </m:sSub>
+                              <m:r>
+                                <a:rPr lang="en-GB" i="1">
+                                  <a:solidFill>
+                                    <a:srgbClr val="000000"/>
+                                  </a:solidFill>
+                                  <a:latin typeface="Cambria Math" panose="02040503050406030204" pitchFamily="18" charset="0"/>
+                                </a:rPr>
+                                <m:t>+</m:t>
+                              </m:r>
+                              <m:sSub>
+                                <m:sSubPr>
+                                  <m:ctrlPr>
+                                    <a:rPr lang="en-GB" i="1">
+                                      <a:solidFill>
+                                        <a:srgbClr val="000000"/>
+                                      </a:solidFill>
+                                      <a:latin typeface="Cambria Math" panose="02040503050406030204" pitchFamily="18" charset="0"/>
+                                    </a:rPr>
+                                  </m:ctrlPr>
+                                </m:sSubPr>
+                                <m:e>
+                                  <m:r>
+                                    <a:rPr lang="en-GB" i="1">
+                                      <a:solidFill>
+                                        <a:srgbClr val="000000"/>
+                                      </a:solidFill>
+                                      <a:latin typeface="Cambria Math" panose="02040503050406030204" pitchFamily="18" charset="0"/>
+                                    </a:rPr>
+                                    <m:t>𝜔</m:t>
+                                  </m:r>
+                                </m:e>
+                                <m:sub>
+                                  <m:r>
+                                    <a:rPr lang="en-GB" i="1">
+                                      <a:solidFill>
+                                        <a:srgbClr val="000000"/>
+                                      </a:solidFill>
+                                      <a:latin typeface="Cambria Math" panose="02040503050406030204" pitchFamily="18" charset="0"/>
+                                    </a:rPr>
+                                    <m:t>𝑙</m:t>
+                                  </m:r>
+                                </m:sub>
+                              </m:sSub>
+                            </m:e>
+                          </m:d>
+                          <m:r>
+                            <a:rPr lang="en-GB" i="1">
+                              <a:solidFill>
+                                <a:srgbClr val="000000"/>
+                              </a:solidFill>
+                              <a:latin typeface="Cambria Math" panose="02040503050406030204" pitchFamily="18" charset="0"/>
+                            </a:rPr>
+                            <m:t> </m:t>
+                          </m:r>
+                          <m:r>
+                            <a:rPr lang="en-GB" i="1">
+                              <a:solidFill>
+                                <a:srgbClr val="000000"/>
+                              </a:solidFill>
+                              <a:latin typeface="Cambria Math" panose="02040503050406030204" pitchFamily="18" charset="0"/>
+                            </a:rPr>
+                            <m:t>𝑟</m:t>
+                          </m:r>
+                        </m:num>
+                        <m:den>
+                          <m:r>
+                            <a:rPr lang="en-GB" i="1">
+                              <a:solidFill>
+                                <a:srgbClr val="000000"/>
+                              </a:solidFill>
+                              <a:latin typeface="Cambria Math" panose="02040503050406030204" pitchFamily="18" charset="0"/>
+                            </a:rPr>
+                            <m:t>2</m:t>
+                          </m:r>
+                        </m:den>
+                      </m:f>
+                    </m:oMath>
+                    <m:oMath xmlns:m="http://schemas.openxmlformats.org/officeDocument/2006/math">
+                      <m:r>
+                        <a:rPr lang="en-GB" i="1">
+                          <a:solidFill>
+                            <a:srgbClr val="000000"/>
+                          </a:solidFill>
+                          <a:latin typeface="Cambria Math" panose="02040503050406030204" pitchFamily="18" charset="0"/>
+                        </a:rPr>
+                        <m:t>𝜔</m:t>
+                      </m:r>
+                      <m:r>
+                        <a:rPr lang="en-GB" i="1">
+                          <a:solidFill>
+                            <a:srgbClr val="000000"/>
+                          </a:solidFill>
+                          <a:latin typeface="Cambria Math" panose="02040503050406030204" pitchFamily="18" charset="0"/>
+                        </a:rPr>
+                        <m:t>=</m:t>
+                      </m:r>
+                      <m:f>
+                        <m:fPr>
+                          <m:ctrlPr>
+                            <a:rPr lang="en-GB" i="1">
+                              <a:solidFill>
+                                <a:srgbClr val="000000"/>
+                              </a:solidFill>
+                              <a:latin typeface="Cambria Math" panose="02040503050406030204" pitchFamily="18" charset="0"/>
+                            </a:rPr>
+                          </m:ctrlPr>
+                        </m:fPr>
+                        <m:num>
+                          <m:d>
+                            <m:dPr>
+                              <m:ctrlPr>
+                                <a:rPr lang="en-GB" i="1">
+                                  <a:solidFill>
+                                    <a:srgbClr val="000000"/>
+                                  </a:solidFill>
+                                  <a:latin typeface="Cambria Math" panose="02040503050406030204" pitchFamily="18" charset="0"/>
+                                </a:rPr>
+                              </m:ctrlPr>
+                            </m:dPr>
+                            <m:e>
+                              <m:sSub>
+                                <m:sSubPr>
+                                  <m:ctrlPr>
+                                    <a:rPr lang="en-GB" i="1">
+                                      <a:solidFill>
+                                        <a:srgbClr val="000000"/>
+                                      </a:solidFill>
+                                      <a:latin typeface="Cambria Math" panose="02040503050406030204" pitchFamily="18" charset="0"/>
+                                    </a:rPr>
+                                  </m:ctrlPr>
+                                </m:sSubPr>
+                                <m:e>
+                                  <m:r>
+                                    <a:rPr lang="en-GB" i="1">
+                                      <a:solidFill>
+                                        <a:srgbClr val="000000"/>
+                                      </a:solidFill>
+                                      <a:latin typeface="Cambria Math" panose="02040503050406030204" pitchFamily="18" charset="0"/>
+                                    </a:rPr>
+                                    <m:t>𝜔</m:t>
+                                  </m:r>
+                                </m:e>
+                                <m:sub>
+                                  <m:r>
+                                    <a:rPr lang="en-GB" i="1">
+                                      <a:solidFill>
+                                        <a:srgbClr val="000000"/>
+                                      </a:solidFill>
+                                      <a:latin typeface="Cambria Math" panose="02040503050406030204" pitchFamily="18" charset="0"/>
+                                    </a:rPr>
+                                    <m:t>𝑟</m:t>
+                                  </m:r>
+                                </m:sub>
+                              </m:sSub>
+                              <m:r>
+                                <a:rPr lang="en-GB" i="1">
+                                  <a:solidFill>
+                                    <a:srgbClr val="000000"/>
+                                  </a:solidFill>
+                                  <a:latin typeface="Cambria Math" panose="02040503050406030204" pitchFamily="18" charset="0"/>
+                                </a:rPr>
+                                <m:t>−</m:t>
+                              </m:r>
+                              <m:sSub>
+                                <m:sSubPr>
+                                  <m:ctrlPr>
+                                    <a:rPr lang="en-GB" i="1">
+                                      <a:solidFill>
+                                        <a:srgbClr val="000000"/>
+                                      </a:solidFill>
+                                      <a:latin typeface="Cambria Math" panose="02040503050406030204" pitchFamily="18" charset="0"/>
+                                    </a:rPr>
+                                  </m:ctrlPr>
+                                </m:sSubPr>
+                                <m:e>
+                                  <m:r>
+                                    <a:rPr lang="en-GB" i="1">
+                                      <a:solidFill>
+                                        <a:srgbClr val="000000"/>
+                                      </a:solidFill>
+                                      <a:latin typeface="Cambria Math" panose="02040503050406030204" pitchFamily="18" charset="0"/>
+                                    </a:rPr>
+                                    <m:t>𝜔</m:t>
+                                  </m:r>
+                                </m:e>
+                                <m:sub>
+                                  <m:r>
+                                    <a:rPr lang="en-GB" i="1">
+                                      <a:solidFill>
+                                        <a:srgbClr val="000000"/>
+                                      </a:solidFill>
+                                      <a:latin typeface="Cambria Math" panose="02040503050406030204" pitchFamily="18" charset="0"/>
+                                    </a:rPr>
+                                    <m:t>𝑙</m:t>
+                                  </m:r>
+                                </m:sub>
+                              </m:sSub>
+                            </m:e>
+                          </m:d>
+                          <m:r>
+                            <a:rPr lang="en-GB" i="1">
+                              <a:solidFill>
+                                <a:srgbClr val="000000"/>
+                              </a:solidFill>
+                              <a:latin typeface="Cambria Math" panose="02040503050406030204" pitchFamily="18" charset="0"/>
+                            </a:rPr>
+                            <m:t> </m:t>
+                          </m:r>
+                          <m:r>
+                            <a:rPr lang="en-GB" i="1">
+                              <a:solidFill>
+                                <a:srgbClr val="000000"/>
+                              </a:solidFill>
+                              <a:latin typeface="Cambria Math" panose="02040503050406030204" pitchFamily="18" charset="0"/>
+                            </a:rPr>
+                            <m:t>𝑟</m:t>
+                          </m:r>
+                        </m:num>
+                        <m:den>
+                          <m:r>
+                            <a:rPr lang="en-GB" i="1">
+                              <a:solidFill>
+                                <a:srgbClr val="000000"/>
+                              </a:solidFill>
+                              <a:latin typeface="Cambria Math" panose="02040503050406030204" pitchFamily="18" charset="0"/>
+                            </a:rPr>
+                            <m:t>𝑏</m:t>
+                          </m:r>
+                        </m:den>
+                      </m:f>
+                    </m:oMath>
+                  </m:oMathPara>
+                </a14:m>
+                <a:endParaRPr lang="en-GB" dirty="0"/>
+              </a:p>
+            </p:txBody>
+          </p:sp>
+        </mc:Choice>
+        <mc:Fallback>
+          <p:sp>
+            <p:nvSpPr>
+              <p:cNvPr id="37" name="Object 89"/>
+              <p:cNvSpPr txBox="1">
+                <a:spLocks noRot="1" noChangeAspect="1" noMove="1" noResize="1" noEditPoints="1" noAdjustHandles="1" noChangeArrowheads="1" noChangeShapeType="1" noTextEdit="1"/>
+              </p:cNvSpPr>
+              <p:nvPr/>
+            </p:nvSpPr>
+            <p:spPr bwMode="auto">
+              <a:xfrm>
+                <a:off x="6522269" y="1538150"/>
+                <a:ext cx="1958054" cy="1205656"/>
+              </a:xfrm>
+              <a:prstGeom prst="rect">
+                <a:avLst/>
+              </a:prstGeom>
+              <a:blipFill>
+                <a:blip r:embed="rId4"/>
+                <a:stretch>
+                  <a:fillRect/>
+                </a:stretch>
+              </a:blipFill>
+              <a:ln>
+                <a:solidFill>
+                  <a:srgbClr val="FF0000"/>
+                </a:solidFill>
+              </a:ln>
+              <a:effectLst/>
+            </p:spPr>
+            <p:txBody>
+              <a:bodyPr/>
+              <a:lstStyle/>
+              <a:p>
+                <a:r>
+                  <a:rPr lang="en-GB">
+                    <a:noFill/>
+                  </a:rPr>
+                  <a:t> </a:t>
+                </a:r>
+              </a:p>
+            </p:txBody>
+          </p:sp>
+        </mc:Fallback>
+      </mc:AlternateContent>
+      <p:grpSp>
+        <p:nvGrpSpPr>
+          <p:cNvPr id="36" name="Grupo 35">
+            <a:extLst>
+              <a:ext uri="{FF2B5EF4-FFF2-40B4-BE49-F238E27FC236}">
+                <a16:creationId xmlns:a16="http://schemas.microsoft.com/office/drawing/2014/main" id="{8A1872A6-C486-4103-A66D-7496C90A81AA}"/>
+              </a:ext>
+            </a:extLst>
+          </p:cNvPr>
+          <p:cNvGrpSpPr/>
+          <p:nvPr/>
+        </p:nvGrpSpPr>
+        <p:grpSpPr>
+          <a:xfrm>
+            <a:off x="3801270" y="2690149"/>
+            <a:ext cx="153263" cy="153263"/>
+            <a:chOff x="7083033" y="1249987"/>
+            <a:chExt cx="153263" cy="153263"/>
+          </a:xfrm>
+        </p:grpSpPr>
+        <p:cxnSp>
+          <p:nvCxnSpPr>
+            <p:cNvPr id="41" name="Conector recto 40">
+              <a:extLst>
+                <a:ext uri="{FF2B5EF4-FFF2-40B4-BE49-F238E27FC236}">
+                  <a16:creationId xmlns:a16="http://schemas.microsoft.com/office/drawing/2014/main" id="{D19837B1-7F45-4791-8302-819FA5473960}"/>
+                </a:ext>
+              </a:extLst>
+            </p:cNvPr>
+            <p:cNvCxnSpPr/>
+            <p:nvPr/>
+          </p:nvCxnSpPr>
+          <p:spPr>
+            <a:xfrm>
+              <a:off x="7083033" y="1268760"/>
+              <a:ext cx="153263" cy="117154"/>
+            </a:xfrm>
+            <a:prstGeom prst="line">
+              <a:avLst/>
+            </a:prstGeom>
+            <a:ln w="28575"/>
+          </p:spPr>
+          <p:style>
+            <a:lnRef idx="1">
+              <a:schemeClr val="accent1"/>
+            </a:lnRef>
+            <a:fillRef idx="0">
+              <a:schemeClr val="accent1"/>
+            </a:fillRef>
+            <a:effectRef idx="0">
+              <a:schemeClr val="accent1"/>
+            </a:effectRef>
+            <a:fontRef idx="minor">
+              <a:schemeClr val="tx1"/>
+            </a:fontRef>
+          </p:style>
+        </p:cxnSp>
+        <p:cxnSp>
+          <p:nvCxnSpPr>
+            <p:cNvPr id="42" name="Conector recto 41">
+              <a:extLst>
+                <a:ext uri="{FF2B5EF4-FFF2-40B4-BE49-F238E27FC236}">
+                  <a16:creationId xmlns:a16="http://schemas.microsoft.com/office/drawing/2014/main" id="{3CD94122-25A7-4603-A75C-630CE70F2B88}"/>
+                </a:ext>
+              </a:extLst>
+            </p:cNvPr>
+            <p:cNvCxnSpPr>
+              <a:cxnSpLocks/>
+            </p:cNvCxnSpPr>
+            <p:nvPr/>
+          </p:nvCxnSpPr>
+          <p:spPr>
+            <a:xfrm rot="5400000">
+              <a:off x="7083751" y="1268042"/>
+              <a:ext cx="153263" cy="117154"/>
+            </a:xfrm>
+            <a:prstGeom prst="line">
+              <a:avLst/>
+            </a:prstGeom>
+            <a:ln w="28575"/>
+          </p:spPr>
+          <p:style>
+            <a:lnRef idx="1">
+              <a:schemeClr val="accent1"/>
+            </a:lnRef>
+            <a:fillRef idx="0">
+              <a:schemeClr val="accent1"/>
+            </a:fillRef>
+            <a:effectRef idx="0">
+              <a:schemeClr val="accent1"/>
+            </a:effectRef>
+            <a:fontRef idx="minor">
+              <a:schemeClr val="tx1"/>
+            </a:fontRef>
+          </p:style>
+        </p:cxnSp>
+      </p:grpSp>
+    </p:spTree>
+    <p:extLst>
+      <p:ext uri="{BB962C8B-B14F-4D97-AF65-F5344CB8AC3E}">
+        <p14:creationId xmlns:p14="http://schemas.microsoft.com/office/powerpoint/2010/main" val="1022321252"/>
       </p:ext>
     </p:extLst>
   </p:cSld>

--- a/Documentation/Images/gopigo_figures.pptx
+++ b/Documentation/Images/gopigo_figures.pptx
@@ -11,6 +11,7 @@
     <p:sldId id="263" r:id="rId5"/>
     <p:sldId id="537" r:id="rId6"/>
     <p:sldId id="486" r:id="rId7"/>
+    <p:sldId id="538" r:id="rId8"/>
   </p:sldIdLst>
   <p:sldSz cx="12192000" cy="6858000"/>
   <p:notesSz cx="6858000" cy="9144000"/>
@@ -359,7 +360,7 @@
           <a:p>
             <a:fld id="{D9ACC804-BFB3-4281-BFB4-31464421CE9A}" type="datetimeFigureOut">
               <a:rPr lang="ca-ES" smtClean="0"/>
-              <a:t>4/12/2023</a:t>
+              <a:t>5/12/2023</a:t>
             </a:fld>
             <a:endParaRPr lang="ca-ES"/>
           </a:p>
@@ -559,7 +560,7 @@
           <a:p>
             <a:fld id="{D9ACC804-BFB3-4281-BFB4-31464421CE9A}" type="datetimeFigureOut">
               <a:rPr lang="ca-ES" smtClean="0"/>
-              <a:t>4/12/2023</a:t>
+              <a:t>5/12/2023</a:t>
             </a:fld>
             <a:endParaRPr lang="ca-ES"/>
           </a:p>
@@ -769,7 +770,7 @@
           <a:p>
             <a:fld id="{D9ACC804-BFB3-4281-BFB4-31464421CE9A}" type="datetimeFigureOut">
               <a:rPr lang="ca-ES" smtClean="0"/>
-              <a:t>4/12/2023</a:t>
+              <a:t>5/12/2023</a:t>
             </a:fld>
             <a:endParaRPr lang="ca-ES"/>
           </a:p>
@@ -1024,7 +1025,7 @@
           <a:p>
             <a:fld id="{C39F40FD-C94F-48B6-91D8-1CCD37C3B654}" type="datetime1">
               <a:rPr lang="ca-ES" smtClean="0"/>
-              <a:t>4/12/2023</a:t>
+              <a:t>5/12/2023</a:t>
             </a:fld>
             <a:endParaRPr lang="ca-ES" dirty="0"/>
           </a:p>
@@ -1265,7 +1266,7 @@
           <a:p>
             <a:fld id="{D9ACC804-BFB3-4281-BFB4-31464421CE9A}" type="datetimeFigureOut">
               <a:rPr lang="ca-ES" smtClean="0"/>
-              <a:t>4/12/2023</a:t>
+              <a:t>5/12/2023</a:t>
             </a:fld>
             <a:endParaRPr lang="ca-ES"/>
           </a:p>
@@ -1541,7 +1542,7 @@
           <a:p>
             <a:fld id="{D9ACC804-BFB3-4281-BFB4-31464421CE9A}" type="datetimeFigureOut">
               <a:rPr lang="ca-ES" smtClean="0"/>
-              <a:t>4/12/2023</a:t>
+              <a:t>5/12/2023</a:t>
             </a:fld>
             <a:endParaRPr lang="ca-ES"/>
           </a:p>
@@ -1809,7 +1810,7 @@
           <a:p>
             <a:fld id="{D9ACC804-BFB3-4281-BFB4-31464421CE9A}" type="datetimeFigureOut">
               <a:rPr lang="ca-ES" smtClean="0"/>
-              <a:t>4/12/2023</a:t>
+              <a:t>5/12/2023</a:t>
             </a:fld>
             <a:endParaRPr lang="ca-ES"/>
           </a:p>
@@ -2224,7 +2225,7 @@
           <a:p>
             <a:fld id="{D9ACC804-BFB3-4281-BFB4-31464421CE9A}" type="datetimeFigureOut">
               <a:rPr lang="ca-ES" smtClean="0"/>
-              <a:t>4/12/2023</a:t>
+              <a:t>5/12/2023</a:t>
             </a:fld>
             <a:endParaRPr lang="ca-ES"/>
           </a:p>
@@ -2366,7 +2367,7 @@
           <a:p>
             <a:fld id="{D9ACC804-BFB3-4281-BFB4-31464421CE9A}" type="datetimeFigureOut">
               <a:rPr lang="ca-ES" smtClean="0"/>
-              <a:t>4/12/2023</a:t>
+              <a:t>5/12/2023</a:t>
             </a:fld>
             <a:endParaRPr lang="ca-ES"/>
           </a:p>
@@ -2479,7 +2480,7 @@
           <a:p>
             <a:fld id="{D9ACC804-BFB3-4281-BFB4-31464421CE9A}" type="datetimeFigureOut">
               <a:rPr lang="ca-ES" smtClean="0"/>
-              <a:t>4/12/2023</a:t>
+              <a:t>5/12/2023</a:t>
             </a:fld>
             <a:endParaRPr lang="ca-ES"/>
           </a:p>
@@ -2792,7 +2793,7 @@
           <a:p>
             <a:fld id="{D9ACC804-BFB3-4281-BFB4-31464421CE9A}" type="datetimeFigureOut">
               <a:rPr lang="ca-ES" smtClean="0"/>
-              <a:t>4/12/2023</a:t>
+              <a:t>5/12/2023</a:t>
             </a:fld>
             <a:endParaRPr lang="ca-ES"/>
           </a:p>
@@ -3081,7 +3082,7 @@
           <a:p>
             <a:fld id="{D9ACC804-BFB3-4281-BFB4-31464421CE9A}" type="datetimeFigureOut">
               <a:rPr lang="ca-ES" smtClean="0"/>
-              <a:t>4/12/2023</a:t>
+              <a:t>5/12/2023</a:t>
             </a:fld>
             <a:endParaRPr lang="ca-ES"/>
           </a:p>
@@ -3324,7 +3325,7 @@
           <a:p>
             <a:fld id="{D9ACC804-BFB3-4281-BFB4-31464421CE9A}" type="datetimeFigureOut">
               <a:rPr lang="ca-ES" smtClean="0"/>
-              <a:t>4/12/2023</a:t>
+              <a:t>5/12/2023</a:t>
             </a:fld>
             <a:endParaRPr lang="ca-ES"/>
           </a:p>
@@ -6032,7 +6033,7 @@
           <a:p>
             <a:fld id="{7D4AA593-4EBD-4855-93E3-BA1D1D4B3211}" type="datetime1">
               <a:rPr lang="ca-ES" smtClean="0"/>
-              <a:t>4/12/2023</a:t>
+              <a:t>5/12/2023</a:t>
             </a:fld>
             <a:endParaRPr lang="ca-ES" dirty="0"/>
           </a:p>
@@ -7907,7 +7908,7 @@
             </p:nvSpPr>
             <p:spPr bwMode="auto">
               <a:xfrm>
-                <a:off x="1826404" y="4118703"/>
+                <a:off x="1757526" y="4607424"/>
                 <a:ext cx="3583016" cy="1576510"/>
               </a:xfrm>
               <a:prstGeom prst="rect">
@@ -8601,7 +8602,7 @@
             </p:nvSpPr>
             <p:spPr bwMode="auto">
               <a:xfrm>
-                <a:off x="1826404" y="4118703"/>
+                <a:off x="1757526" y="4607424"/>
                 <a:ext cx="3583016" cy="1576510"/>
               </a:xfrm>
               <a:prstGeom prst="rect">
@@ -8643,8 +8644,8 @@
             </p:nvSpPr>
             <p:spPr bwMode="auto">
               <a:xfrm>
-                <a:off x="6219825" y="3762376"/>
-                <a:ext cx="4340671" cy="2524125"/>
+                <a:off x="6948195" y="1106587"/>
+                <a:ext cx="4441231" cy="2678013"/>
               </a:xfrm>
               <a:prstGeom prst="rect">
                 <a:avLst/>
@@ -8669,7 +8670,7 @@
                     </m:oMathParaPr>
                     <m:oMath xmlns:m="http://schemas.openxmlformats.org/officeDocument/2006/math">
                       <m:r>
-                        <a:rPr lang="en-GB" i="1" smtClean="0">
+                        <a:rPr lang="en-GB" sz="2000" i="1" smtClean="0">
                           <a:solidFill>
                             <a:srgbClr val="000000"/>
                           </a:solidFill>
@@ -8678,7 +8679,7 @@
                         <m:t>𝜑</m:t>
                       </m:r>
                       <m:r>
-                        <a:rPr lang="en-GB" i="1" smtClean="0">
+                        <a:rPr lang="en-GB" sz="2000" i="1" smtClean="0">
                           <a:solidFill>
                             <a:srgbClr val="000000"/>
                           </a:solidFill>
@@ -8690,7 +8691,7 @@
                         <m:naryPr>
                           <m:limLoc m:val="undOvr"/>
                           <m:ctrlPr>
-                            <a:rPr lang="en-GB" i="1">
+                            <a:rPr lang="en-GB" sz="2000" i="1">
                               <a:solidFill>
                                 <a:srgbClr val="000000"/>
                               </a:solidFill>
@@ -8700,7 +8701,7 @@
                         </m:naryPr>
                         <m:sub>
                           <m:r>
-                            <a:rPr lang="en-GB" i="1">
+                            <a:rPr lang="en-GB" sz="2000" i="1">
                               <a:solidFill>
                                 <a:srgbClr val="000000"/>
                               </a:solidFill>
@@ -8711,7 +8712,7 @@
                         </m:sub>
                         <m:sup>
                           <m:r>
-                            <a:rPr lang="en-GB" i="1">
+                            <a:rPr lang="en-GB" sz="2000" i="1">
                               <a:solidFill>
                                 <a:srgbClr val="000000"/>
                               </a:solidFill>
@@ -8722,7 +8723,7 @@
                         </m:sup>
                         <m:e>
                           <m:r>
-                            <a:rPr lang="en-GB" i="1">
+                            <a:rPr lang="en-GB" sz="2000" i="1">
                               <a:solidFill>
                                 <a:srgbClr val="000000"/>
                               </a:solidFill>
@@ -8731,7 +8732,7 @@
                             <m:t>𝜔</m:t>
                           </m:r>
                           <m:r>
-                            <a:rPr lang="en-GB" i="1">
+                            <a:rPr lang="en-GB" sz="2000" i="1">
                               <a:solidFill>
                                 <a:srgbClr val="000000"/>
                               </a:solidFill>
@@ -8740,7 +8741,7 @@
                             <m:t> </m:t>
                           </m:r>
                           <m:r>
-                            <a:rPr lang="en-GB" i="1">
+                            <a:rPr lang="en-GB" sz="2000" i="1">
                               <a:solidFill>
                                 <a:srgbClr val="000000"/>
                               </a:solidFill>
@@ -8749,7 +8750,7 @@
                             <m:t>𝑑𝑡</m:t>
                           </m:r>
                           <m:r>
-                            <a:rPr lang="en-GB" i="1">
+                            <a:rPr lang="en-GB" sz="2000" i="1">
                               <a:solidFill>
                                 <a:srgbClr val="000000"/>
                               </a:solidFill>
@@ -8763,7 +8764,7 @@
                         <m:naryPr>
                           <m:limLoc m:val="undOvr"/>
                           <m:ctrlPr>
-                            <a:rPr lang="en-GB" i="1">
+                            <a:rPr lang="en-GB" sz="2000" i="1">
                               <a:solidFill>
                                 <a:srgbClr val="000000"/>
                               </a:solidFill>
@@ -8773,7 +8774,7 @@
                         </m:naryPr>
                         <m:sub>
                           <m:r>
-                            <a:rPr lang="en-GB" i="1">
+                            <a:rPr lang="en-GB" sz="2000" i="1">
                               <a:solidFill>
                                 <a:srgbClr val="000000"/>
                               </a:solidFill>
@@ -8784,7 +8785,7 @@
                         </m:sub>
                         <m:sup>
                           <m:r>
-                            <a:rPr lang="en-GB" i="1">
+                            <a:rPr lang="en-GB" sz="2000" i="1">
                               <a:solidFill>
                                 <a:srgbClr val="000000"/>
                               </a:solidFill>
@@ -8797,7 +8798,7 @@
                           <m:f>
                             <m:fPr>
                               <m:ctrlPr>
-                                <a:rPr lang="en-GB" i="1">
+                                <a:rPr lang="en-GB" sz="2000" i="1">
                                   <a:solidFill>
                                     <a:srgbClr val="000000"/>
                                   </a:solidFill>
@@ -8809,7 +8810,7 @@
                               <m:d>
                                 <m:dPr>
                                   <m:ctrlPr>
-                                    <a:rPr lang="en-GB" i="1">
+                                    <a:rPr lang="en-GB" sz="2000" i="1">
                                       <a:solidFill>
                                         <a:srgbClr val="000000"/>
                                       </a:solidFill>
@@ -8821,7 +8822,7 @@
                                   <m:sSub>
                                     <m:sSubPr>
                                       <m:ctrlPr>
-                                        <a:rPr lang="en-GB" i="1">
+                                        <a:rPr lang="en-GB" sz="2000" i="1">
                                           <a:solidFill>
                                             <a:srgbClr val="000000"/>
                                           </a:solidFill>
@@ -8831,7 +8832,7 @@
                                     </m:sSubPr>
                                     <m:e>
                                       <m:r>
-                                        <a:rPr lang="en-GB" i="1">
+                                        <a:rPr lang="en-GB" sz="2000" i="1">
                                           <a:solidFill>
                                             <a:srgbClr val="000000"/>
                                           </a:solidFill>
@@ -8842,7 +8843,7 @@
                                     </m:e>
                                     <m:sub>
                                       <m:r>
-                                        <a:rPr lang="en-GB" i="1">
+                                        <a:rPr lang="en-GB" sz="2000" i="1">
                                           <a:solidFill>
                                             <a:srgbClr val="000000"/>
                                           </a:solidFill>
@@ -8853,7 +8854,7 @@
                                     </m:sub>
                                   </m:sSub>
                                   <m:r>
-                                    <a:rPr lang="en-GB" i="1">
+                                    <a:rPr lang="en-GB" sz="2000" i="1">
                                       <a:solidFill>
                                         <a:srgbClr val="000000"/>
                                       </a:solidFill>
@@ -8864,7 +8865,7 @@
                                   <m:sSub>
                                     <m:sSubPr>
                                       <m:ctrlPr>
-                                        <a:rPr lang="en-GB" i="1">
+                                        <a:rPr lang="en-GB" sz="2000" i="1">
                                           <a:solidFill>
                                             <a:srgbClr val="000000"/>
                                           </a:solidFill>
@@ -8874,7 +8875,7 @@
                                     </m:sSubPr>
                                     <m:e>
                                       <m:r>
-                                        <a:rPr lang="en-GB" i="1">
+                                        <a:rPr lang="en-GB" sz="2000" i="1">
                                           <a:solidFill>
                                             <a:srgbClr val="000000"/>
                                           </a:solidFill>
@@ -8885,7 +8886,7 @@
                                     </m:e>
                                     <m:sub>
                                       <m:r>
-                                        <a:rPr lang="en-GB" i="1">
+                                        <a:rPr lang="en-GB" sz="2000" i="1">
                                           <a:solidFill>
                                             <a:srgbClr val="000000"/>
                                           </a:solidFill>
@@ -8898,7 +8899,7 @@
                                 </m:e>
                               </m:d>
                               <m:r>
-                                <a:rPr lang="en-GB" i="1">
+                                <a:rPr lang="en-GB" sz="2000" i="1">
                                   <a:solidFill>
                                     <a:srgbClr val="000000"/>
                                   </a:solidFill>
@@ -8909,7 +8910,7 @@
                             </m:num>
                             <m:den>
                               <m:r>
-                                <a:rPr lang="en-GB" i="1">
+                                <a:rPr lang="en-GB" sz="2000" i="1">
                                   <a:solidFill>
                                     <a:srgbClr val="000000"/>
                                   </a:solidFill>
@@ -8920,7 +8921,7 @@
                             </m:den>
                           </m:f>
                           <m:r>
-                            <a:rPr lang="en-GB" i="1">
+                            <a:rPr lang="en-GB" sz="2000" i="1">
                               <a:solidFill>
                                 <a:srgbClr val="000000"/>
                               </a:solidFill>
@@ -8929,7 +8930,7 @@
                             <m:t> </m:t>
                           </m:r>
                           <m:r>
-                            <a:rPr lang="en-GB" i="1">
+                            <a:rPr lang="en-GB" sz="2000" i="1">
                               <a:solidFill>
                                 <a:srgbClr val="000000"/>
                               </a:solidFill>
@@ -8942,7 +8943,7 @@
                     </m:oMath>
                     <m:oMath xmlns:m="http://schemas.openxmlformats.org/officeDocument/2006/math">
                       <m:r>
-                        <a:rPr lang="en-GB" i="1">
+                        <a:rPr lang="en-GB" sz="2000" i="1">
                           <a:solidFill>
                             <a:srgbClr val="000000"/>
                           </a:solidFill>
@@ -8951,7 +8952,7 @@
                         <m:t>𝑥</m:t>
                       </m:r>
                       <m:r>
-                        <a:rPr lang="en-GB" i="1">
+                        <a:rPr lang="en-GB" sz="2000" i="1">
                           <a:solidFill>
                             <a:srgbClr val="000000"/>
                           </a:solidFill>
@@ -8963,7 +8964,7 @@
                         <m:naryPr>
                           <m:limLoc m:val="undOvr"/>
                           <m:ctrlPr>
-                            <a:rPr lang="en-GB" i="1">
+                            <a:rPr lang="en-GB" sz="2000" i="1">
                               <a:solidFill>
                                 <a:srgbClr val="000000"/>
                               </a:solidFill>
@@ -8973,7 +8974,7 @@
                         </m:naryPr>
                         <m:sub>
                           <m:r>
-                            <a:rPr lang="en-GB" i="1">
+                            <a:rPr lang="en-GB" sz="2000" i="1">
                               <a:solidFill>
                                 <a:srgbClr val="000000"/>
                               </a:solidFill>
@@ -8984,7 +8985,7 @@
                         </m:sub>
                         <m:sup>
                           <m:r>
-                            <a:rPr lang="en-GB" i="1">
+                            <a:rPr lang="en-GB" sz="2000" i="1">
                               <a:solidFill>
                                 <a:srgbClr val="000000"/>
                               </a:solidFill>
@@ -8997,7 +8998,7 @@
                           <m:sSub>
                             <m:sSubPr>
                               <m:ctrlPr>
-                                <a:rPr lang="en-GB" i="1">
+                                <a:rPr lang="en-GB" sz="2000" i="1">
                                   <a:solidFill>
                                     <a:srgbClr val="000000"/>
                                   </a:solidFill>
@@ -9007,7 +9008,7 @@
                             </m:sSubPr>
                             <m:e>
                               <m:r>
-                                <a:rPr lang="en-GB" i="1">
+                                <a:rPr lang="en-GB" sz="2000" i="1">
                                   <a:solidFill>
                                     <a:srgbClr val="000000"/>
                                   </a:solidFill>
@@ -9018,7 +9019,7 @@
                             </m:e>
                             <m:sub>
                               <m:r>
-                                <a:rPr lang="en-GB" i="1">
+                                <a:rPr lang="en-GB" sz="2000" i="1">
                                   <a:solidFill>
                                     <a:srgbClr val="000000"/>
                                   </a:solidFill>
@@ -9029,7 +9030,7 @@
                             </m:sub>
                           </m:sSub>
                           <m:r>
-                            <a:rPr lang="en-GB" i="1">
+                            <a:rPr lang="en-GB" sz="2000" i="1">
                               <a:solidFill>
                                 <a:srgbClr val="000000"/>
                               </a:solidFill>
@@ -9038,7 +9039,7 @@
                             <m:t>𝑑𝑡</m:t>
                           </m:r>
                           <m:r>
-                            <a:rPr lang="en-GB" i="1">
+                            <a:rPr lang="en-GB" sz="2000" i="1">
                               <a:solidFill>
                                 <a:srgbClr val="000000"/>
                               </a:solidFill>
@@ -9052,7 +9053,7 @@
                         <m:naryPr>
                           <m:limLoc m:val="undOvr"/>
                           <m:ctrlPr>
-                            <a:rPr lang="en-GB" i="1">
+                            <a:rPr lang="en-GB" sz="2000" i="1">
                               <a:solidFill>
                                 <a:srgbClr val="000000"/>
                               </a:solidFill>
@@ -9062,7 +9063,7 @@
                         </m:naryPr>
                         <m:sub>
                           <m:r>
-                            <a:rPr lang="en-GB" i="1">
+                            <a:rPr lang="en-GB" sz="2000" i="1">
                               <a:solidFill>
                                 <a:srgbClr val="000000"/>
                               </a:solidFill>
@@ -9073,7 +9074,7 @@
                         </m:sub>
                         <m:sup>
                           <m:r>
-                            <a:rPr lang="en-GB" i="1">
+                            <a:rPr lang="en-GB" sz="2000" i="1">
                               <a:solidFill>
                                 <a:srgbClr val="000000"/>
                               </a:solidFill>
@@ -9086,7 +9087,7 @@
                           <m:f>
                             <m:fPr>
                               <m:ctrlPr>
-                                <a:rPr lang="en-GB" i="1">
+                                <a:rPr lang="en-GB" sz="2000" i="1">
                                   <a:solidFill>
                                     <a:srgbClr val="000000"/>
                                   </a:solidFill>
@@ -9098,7 +9099,7 @@
                               <m:d>
                                 <m:dPr>
                                   <m:ctrlPr>
-                                    <a:rPr lang="en-GB" i="1">
+                                    <a:rPr lang="en-GB" sz="2000" i="1">
                                       <a:solidFill>
                                         <a:srgbClr val="000000"/>
                                       </a:solidFill>
@@ -9110,7 +9111,7 @@
                                   <m:sSub>
                                     <m:sSubPr>
                                       <m:ctrlPr>
-                                        <a:rPr lang="en-GB" i="1">
+                                        <a:rPr lang="en-GB" sz="2000" i="1">
                                           <a:solidFill>
                                             <a:srgbClr val="000000"/>
                                           </a:solidFill>
@@ -9120,7 +9121,7 @@
                                     </m:sSubPr>
                                     <m:e>
                                       <m:r>
-                                        <a:rPr lang="en-GB" i="1">
+                                        <a:rPr lang="en-GB" sz="2000" i="1">
                                           <a:solidFill>
                                             <a:srgbClr val="000000"/>
                                           </a:solidFill>
@@ -9131,7 +9132,7 @@
                                     </m:e>
                                     <m:sub>
                                       <m:r>
-                                        <a:rPr lang="en-GB" i="1">
+                                        <a:rPr lang="en-GB" sz="2000" i="1">
                                           <a:solidFill>
                                             <a:srgbClr val="000000"/>
                                           </a:solidFill>
@@ -9142,7 +9143,7 @@
                                     </m:sub>
                                   </m:sSub>
                                   <m:r>
-                                    <a:rPr lang="en-GB" i="1">
+                                    <a:rPr lang="en-GB" sz="2000" i="1">
                                       <a:solidFill>
                                         <a:srgbClr val="000000"/>
                                       </a:solidFill>
@@ -9153,7 +9154,7 @@
                                   <m:sSub>
                                     <m:sSubPr>
                                       <m:ctrlPr>
-                                        <a:rPr lang="en-GB" i="1">
+                                        <a:rPr lang="en-GB" sz="2000" i="1">
                                           <a:solidFill>
                                             <a:srgbClr val="000000"/>
                                           </a:solidFill>
@@ -9163,7 +9164,7 @@
                                     </m:sSubPr>
                                     <m:e>
                                       <m:r>
-                                        <a:rPr lang="en-GB" i="1">
+                                        <a:rPr lang="en-GB" sz="2000" i="1">
                                           <a:solidFill>
                                             <a:srgbClr val="000000"/>
                                           </a:solidFill>
@@ -9174,7 +9175,7 @@
                                     </m:e>
                                     <m:sub>
                                       <m:r>
-                                        <a:rPr lang="en-GB" i="1">
+                                        <a:rPr lang="en-GB" sz="2000" i="1">
                                           <a:solidFill>
                                             <a:srgbClr val="000000"/>
                                           </a:solidFill>
@@ -9187,7 +9188,7 @@
                                 </m:e>
                               </m:d>
                               <m:r>
-                                <a:rPr lang="en-GB" i="1">
+                                <a:rPr lang="en-GB" sz="2000" i="1">
                                   <a:solidFill>
                                     <a:srgbClr val="000000"/>
                                   </a:solidFill>
@@ -9198,7 +9199,7 @@
                             </m:num>
                             <m:den>
                               <m:r>
-                                <a:rPr lang="en-GB" i="1">
+                                <a:rPr lang="en-GB" sz="2000" i="1">
                                   <a:solidFill>
                                     <a:srgbClr val="000000"/>
                                   </a:solidFill>
@@ -9209,7 +9210,7 @@
                             </m:den>
                           </m:f>
                           <m:r>
-                            <a:rPr lang="en-GB" i="1">
+                            <a:rPr lang="en-GB" sz="2000" i="1">
                               <a:solidFill>
                                 <a:srgbClr val="000000"/>
                               </a:solidFill>
@@ -9220,7 +9221,7 @@
                           <m:func>
                             <m:funcPr>
                               <m:ctrlPr>
-                                <a:rPr lang="en-GB" i="1">
+                                <a:rPr lang="en-GB" sz="2000" i="1">
                                   <a:solidFill>
                                     <a:srgbClr val="000000"/>
                                   </a:solidFill>
@@ -9233,7 +9234,7 @@
                                 <m:rPr>
                                   <m:sty m:val="p"/>
                                 </m:rPr>
-                                <a:rPr lang="es-ES" b="0" i="0" smtClean="0">
+                                <a:rPr lang="es-ES" sz="2000" b="0" i="0" smtClean="0">
                                   <a:solidFill>
                                     <a:srgbClr val="000000"/>
                                   </a:solidFill>
@@ -9244,7 +9245,7 @@
                             </m:fName>
                             <m:e>
                               <m:r>
-                                <a:rPr lang="en-GB" i="1">
+                                <a:rPr lang="en-GB" sz="2000" i="1">
                                   <a:solidFill>
                                     <a:srgbClr val="000000"/>
                                   </a:solidFill>
@@ -9255,7 +9256,7 @@
                             </m:e>
                           </m:func>
                           <m:r>
-                            <a:rPr lang="en-GB" i="1">
+                            <a:rPr lang="en-GB" sz="2000" i="1">
                               <a:solidFill>
                                 <a:srgbClr val="000000"/>
                               </a:solidFill>
@@ -9264,7 +9265,7 @@
                             <m:t> </m:t>
                           </m:r>
                           <m:r>
-                            <a:rPr lang="en-GB" i="1">
+                            <a:rPr lang="en-GB" sz="2000" i="1">
                               <a:solidFill>
                                 <a:srgbClr val="000000"/>
                               </a:solidFill>
@@ -9277,7 +9278,7 @@
                     </m:oMath>
                     <m:oMath xmlns:m="http://schemas.openxmlformats.org/officeDocument/2006/math">
                       <m:r>
-                        <a:rPr lang="en-GB" i="1">
+                        <a:rPr lang="en-GB" sz="2000" i="1">
                           <a:solidFill>
                             <a:srgbClr val="000000"/>
                           </a:solidFill>
@@ -9286,7 +9287,7 @@
                         <m:t>𝑦</m:t>
                       </m:r>
                       <m:r>
-                        <a:rPr lang="en-GB" i="1">
+                        <a:rPr lang="en-GB" sz="2000" i="1">
                           <a:solidFill>
                             <a:srgbClr val="000000"/>
                           </a:solidFill>
@@ -9298,7 +9299,7 @@
                         <m:naryPr>
                           <m:limLoc m:val="undOvr"/>
                           <m:ctrlPr>
-                            <a:rPr lang="en-GB" i="1">
+                            <a:rPr lang="en-GB" sz="2000" i="1">
                               <a:solidFill>
                                 <a:srgbClr val="000000"/>
                               </a:solidFill>
@@ -9308,7 +9309,7 @@
                         </m:naryPr>
                         <m:sub>
                           <m:r>
-                            <a:rPr lang="en-GB" i="1">
+                            <a:rPr lang="en-GB" sz="2000" i="1">
                               <a:solidFill>
                                 <a:srgbClr val="000000"/>
                               </a:solidFill>
@@ -9319,7 +9320,7 @@
                         </m:sub>
                         <m:sup>
                           <m:r>
-                            <a:rPr lang="en-GB" i="1">
+                            <a:rPr lang="en-GB" sz="2000" i="1">
                               <a:solidFill>
                                 <a:srgbClr val="000000"/>
                               </a:solidFill>
@@ -9332,7 +9333,7 @@
                           <m:sSub>
                             <m:sSubPr>
                               <m:ctrlPr>
-                                <a:rPr lang="en-GB" i="1">
+                                <a:rPr lang="en-GB" sz="2000" i="1">
                                   <a:solidFill>
                                     <a:srgbClr val="000000"/>
                                   </a:solidFill>
@@ -9342,7 +9343,7 @@
                             </m:sSubPr>
                             <m:e>
                               <m:r>
-                                <a:rPr lang="en-GB" i="1">
+                                <a:rPr lang="en-GB" sz="2000" i="1">
                                   <a:solidFill>
                                     <a:srgbClr val="000000"/>
                                   </a:solidFill>
@@ -9353,7 +9354,7 @@
                             </m:e>
                             <m:sub>
                               <m:r>
-                                <a:rPr lang="en-GB" i="1">
+                                <a:rPr lang="en-GB" sz="2000" i="1">
                                   <a:solidFill>
                                     <a:srgbClr val="000000"/>
                                   </a:solidFill>
@@ -9364,7 +9365,7 @@
                             </m:sub>
                           </m:sSub>
                           <m:r>
-                            <a:rPr lang="en-GB" i="1">
+                            <a:rPr lang="en-GB" sz="2000" i="1">
                               <a:solidFill>
                                 <a:srgbClr val="000000"/>
                               </a:solidFill>
@@ -9373,7 +9374,7 @@
                             <m:t>𝑑𝑡</m:t>
                           </m:r>
                           <m:r>
-                            <a:rPr lang="en-GB" i="1">
+                            <a:rPr lang="en-GB" sz="2000" i="1">
                               <a:solidFill>
                                 <a:srgbClr val="000000"/>
                               </a:solidFill>
@@ -9387,7 +9388,7 @@
                         <m:naryPr>
                           <m:limLoc m:val="undOvr"/>
                           <m:ctrlPr>
-                            <a:rPr lang="en-GB" i="1">
+                            <a:rPr lang="en-GB" sz="2000" i="1">
                               <a:solidFill>
                                 <a:srgbClr val="000000"/>
                               </a:solidFill>
@@ -9397,7 +9398,7 @@
                         </m:naryPr>
                         <m:sub>
                           <m:r>
-                            <a:rPr lang="en-GB" i="1">
+                            <a:rPr lang="en-GB" sz="2000" i="1">
                               <a:solidFill>
                                 <a:srgbClr val="000000"/>
                               </a:solidFill>
@@ -9408,7 +9409,7 @@
                         </m:sub>
                         <m:sup>
                           <m:r>
-                            <a:rPr lang="en-GB" i="1">
+                            <a:rPr lang="en-GB" sz="2000" i="1">
                               <a:solidFill>
                                 <a:srgbClr val="000000"/>
                               </a:solidFill>
@@ -9421,7 +9422,7 @@
                           <m:f>
                             <m:fPr>
                               <m:ctrlPr>
-                                <a:rPr lang="en-GB" i="1">
+                                <a:rPr lang="en-GB" sz="2000" i="1">
                                   <a:solidFill>
                                     <a:srgbClr val="000000"/>
                                   </a:solidFill>
@@ -9433,7 +9434,7 @@
                               <m:d>
                                 <m:dPr>
                                   <m:ctrlPr>
-                                    <a:rPr lang="en-GB" i="1">
+                                    <a:rPr lang="en-GB" sz="2000" i="1">
                                       <a:solidFill>
                                         <a:srgbClr val="000000"/>
                                       </a:solidFill>
@@ -9445,7 +9446,7 @@
                                   <m:sSub>
                                     <m:sSubPr>
                                       <m:ctrlPr>
-                                        <a:rPr lang="en-GB" i="1">
+                                        <a:rPr lang="en-GB" sz="2000" i="1">
                                           <a:solidFill>
                                             <a:srgbClr val="000000"/>
                                           </a:solidFill>
@@ -9455,7 +9456,7 @@
                                     </m:sSubPr>
                                     <m:e>
                                       <m:r>
-                                        <a:rPr lang="en-GB" i="1">
+                                        <a:rPr lang="en-GB" sz="2000" i="1">
                                           <a:solidFill>
                                             <a:srgbClr val="000000"/>
                                           </a:solidFill>
@@ -9466,7 +9467,7 @@
                                     </m:e>
                                     <m:sub>
                                       <m:r>
-                                        <a:rPr lang="en-GB" i="1">
+                                        <a:rPr lang="en-GB" sz="2000" i="1">
                                           <a:solidFill>
                                             <a:srgbClr val="000000"/>
                                           </a:solidFill>
@@ -9477,7 +9478,7 @@
                                     </m:sub>
                                   </m:sSub>
                                   <m:r>
-                                    <a:rPr lang="en-GB" i="1">
+                                    <a:rPr lang="en-GB" sz="2000" i="1">
                                       <a:solidFill>
                                         <a:srgbClr val="000000"/>
                                       </a:solidFill>
@@ -9488,7 +9489,7 @@
                                   <m:sSub>
                                     <m:sSubPr>
                                       <m:ctrlPr>
-                                        <a:rPr lang="en-GB" i="1">
+                                        <a:rPr lang="en-GB" sz="2000" i="1">
                                           <a:solidFill>
                                             <a:srgbClr val="000000"/>
                                           </a:solidFill>
@@ -9498,7 +9499,7 @@
                                     </m:sSubPr>
                                     <m:e>
                                       <m:r>
-                                        <a:rPr lang="en-GB" i="1">
+                                        <a:rPr lang="en-GB" sz="2000" i="1">
                                           <a:solidFill>
                                             <a:srgbClr val="000000"/>
                                           </a:solidFill>
@@ -9509,7 +9510,7 @@
                                     </m:e>
                                     <m:sub>
                                       <m:r>
-                                        <a:rPr lang="en-GB" i="1">
+                                        <a:rPr lang="en-GB" sz="2000" i="1">
                                           <a:solidFill>
                                             <a:srgbClr val="000000"/>
                                           </a:solidFill>
@@ -9522,7 +9523,7 @@
                                 </m:e>
                               </m:d>
                               <m:r>
-                                <a:rPr lang="en-GB" i="1">
+                                <a:rPr lang="en-GB" sz="2000" i="1">
                                   <a:solidFill>
                                     <a:srgbClr val="000000"/>
                                   </a:solidFill>
@@ -9533,7 +9534,7 @@
                             </m:num>
                             <m:den>
                               <m:r>
-                                <a:rPr lang="en-GB" i="1">
+                                <a:rPr lang="en-GB" sz="2000" i="1">
                                   <a:solidFill>
                                     <a:srgbClr val="000000"/>
                                   </a:solidFill>
@@ -9544,7 +9545,7 @@
                             </m:den>
                           </m:f>
                           <m:r>
-                            <a:rPr lang="en-GB" i="1">
+                            <a:rPr lang="en-GB" sz="2000" i="1">
                               <a:solidFill>
                                 <a:srgbClr val="000000"/>
                               </a:solidFill>
@@ -9555,7 +9556,7 @@
                           <m:func>
                             <m:funcPr>
                               <m:ctrlPr>
-                                <a:rPr lang="en-GB" i="1">
+                                <a:rPr lang="en-GB" sz="2000" i="1">
                                   <a:solidFill>
                                     <a:srgbClr val="000000"/>
                                   </a:solidFill>
@@ -9568,7 +9569,7 @@
                                 <m:rPr>
                                   <m:sty m:val="p"/>
                                 </m:rPr>
-                                <a:rPr lang="en-GB">
+                                <a:rPr lang="en-GB" sz="2000">
                                   <a:solidFill>
                                     <a:srgbClr val="000000"/>
                                   </a:solidFill>
@@ -9580,7 +9581,7 @@
                                 <m:rPr>
                                   <m:sty m:val="p"/>
                                 </m:rPr>
-                                <a:rPr lang="es-ES" b="0" i="0" smtClean="0">
+                                <a:rPr lang="es-ES" sz="2000" b="0" i="0" smtClean="0">
                                   <a:solidFill>
                                     <a:srgbClr val="000000"/>
                                   </a:solidFill>
@@ -9591,7 +9592,7 @@
                             </m:fName>
                             <m:e>
                               <m:r>
-                                <a:rPr lang="en-GB" i="1">
+                                <a:rPr lang="en-GB" sz="2000" i="1">
                                   <a:solidFill>
                                     <a:srgbClr val="000000"/>
                                   </a:solidFill>
@@ -9602,7 +9603,7 @@
                             </m:e>
                           </m:func>
                           <m:r>
-                            <a:rPr lang="en-GB" i="1">
+                            <a:rPr lang="en-GB" sz="2000" i="1">
                               <a:solidFill>
                                 <a:srgbClr val="000000"/>
                               </a:solidFill>
@@ -9611,7 +9612,7 @@
                             <m:t> </m:t>
                           </m:r>
                           <m:r>
-                            <a:rPr lang="en-GB" i="1">
+                            <a:rPr lang="en-GB" sz="2000" i="1">
                               <a:solidFill>
                                 <a:srgbClr val="000000"/>
                               </a:solidFill>
@@ -9624,7 +9625,7 @@
                     </m:oMath>
                   </m:oMathPara>
                 </a14:m>
-                <a:endParaRPr lang="en-GB" dirty="0"/>
+                <a:endParaRPr lang="en-GB" sz="2000" dirty="0"/>
               </a:p>
             </p:txBody>
           </p:sp>
@@ -9640,8 +9641,8 @@
             </p:nvSpPr>
             <p:spPr bwMode="auto">
               <a:xfrm>
-                <a:off x="6219825" y="3762376"/>
-                <a:ext cx="4340671" cy="2524125"/>
+                <a:off x="6948195" y="1106587"/>
+                <a:ext cx="4441231" cy="2678013"/>
               </a:xfrm>
               <a:prstGeom prst="rect">
                 <a:avLst/>
@@ -9649,7 +9650,7 @@
               <a:blipFill>
                 <a:blip r:embed="rId3"/>
                 <a:stretch>
-                  <a:fillRect/>
+                  <a:fillRect b="-4100"/>
                 </a:stretch>
               </a:blipFill>
               <a:ln>
@@ -9672,807 +9673,6 @@
           </p:sp>
         </mc:Fallback>
       </mc:AlternateContent>
-      <p:cxnSp>
-        <p:nvCxnSpPr>
-          <p:cNvPr id="10" name="Straight Arrow Connector 9"/>
-          <p:cNvCxnSpPr/>
-          <p:nvPr/>
-        </p:nvCxnSpPr>
-        <p:spPr>
-          <a:xfrm>
-            <a:off x="1826404" y="3034582"/>
-            <a:ext cx="3583016" cy="0"/>
-          </a:xfrm>
-          <a:prstGeom prst="straightConnector1">
-            <a:avLst/>
-          </a:prstGeom>
-          <a:ln>
-            <a:tailEnd type="triangle"/>
-          </a:ln>
-        </p:spPr>
-        <p:style>
-          <a:lnRef idx="1">
-            <a:schemeClr val="accent1"/>
-          </a:lnRef>
-          <a:fillRef idx="0">
-            <a:schemeClr val="accent1"/>
-          </a:fillRef>
-          <a:effectRef idx="0">
-            <a:schemeClr val="accent1"/>
-          </a:effectRef>
-          <a:fontRef idx="minor">
-            <a:schemeClr val="tx1"/>
-          </a:fontRef>
-        </p:style>
-      </p:cxnSp>
-      <p:cxnSp>
-        <p:nvCxnSpPr>
-          <p:cNvPr id="11" name="Straight Arrow Connector 10"/>
-          <p:cNvCxnSpPr/>
-          <p:nvPr/>
-        </p:nvCxnSpPr>
-        <p:spPr>
-          <a:xfrm flipV="1">
-            <a:off x="2344708" y="1113116"/>
-            <a:ext cx="0" cy="2671484"/>
-          </a:xfrm>
-          <a:prstGeom prst="straightConnector1">
-            <a:avLst/>
-          </a:prstGeom>
-          <a:ln>
-            <a:tailEnd type="triangle"/>
-          </a:ln>
-        </p:spPr>
-        <p:style>
-          <a:lnRef idx="1">
-            <a:schemeClr val="accent1"/>
-          </a:lnRef>
-          <a:fillRef idx="0">
-            <a:schemeClr val="accent1"/>
-          </a:fillRef>
-          <a:effectRef idx="0">
-            <a:schemeClr val="accent1"/>
-          </a:effectRef>
-          <a:fontRef idx="minor">
-            <a:schemeClr val="tx1"/>
-          </a:fontRef>
-        </p:style>
-      </p:cxnSp>
-      <p:grpSp>
-        <p:nvGrpSpPr>
-          <p:cNvPr id="12" name="Group 11"/>
-          <p:cNvGrpSpPr/>
-          <p:nvPr/>
-        </p:nvGrpSpPr>
-        <p:grpSpPr>
-          <a:xfrm>
-            <a:off x="2737622" y="1316737"/>
-            <a:ext cx="788838" cy="997297"/>
-            <a:chOff x="2771800" y="2892058"/>
-            <a:chExt cx="722842" cy="896982"/>
-          </a:xfrm>
-        </p:grpSpPr>
-        <p:grpSp>
-          <p:nvGrpSpPr>
-            <p:cNvPr id="30" name="Group 29"/>
-            <p:cNvGrpSpPr/>
-            <p:nvPr/>
-          </p:nvGrpSpPr>
-          <p:grpSpPr>
-            <a:xfrm rot="2170102">
-              <a:off x="2771800" y="3140968"/>
-              <a:ext cx="648072" cy="648072"/>
-              <a:chOff x="2771800" y="3140968"/>
-              <a:chExt cx="648072" cy="648072"/>
-            </a:xfrm>
-          </p:grpSpPr>
-          <p:cxnSp>
-            <p:nvCxnSpPr>
-              <p:cNvPr id="32" name="Straight Arrow Connector 31"/>
-              <p:cNvCxnSpPr/>
-              <p:nvPr/>
-            </p:nvCxnSpPr>
-            <p:spPr>
-              <a:xfrm>
-                <a:off x="2771800" y="3645024"/>
-                <a:ext cx="648072" cy="0"/>
-              </a:xfrm>
-              <a:prstGeom prst="straightConnector1">
-                <a:avLst/>
-              </a:prstGeom>
-              <a:ln>
-                <a:solidFill>
-                  <a:srgbClr val="FF0000"/>
-                </a:solidFill>
-                <a:tailEnd type="triangle"/>
-              </a:ln>
-            </p:spPr>
-            <p:style>
-              <a:lnRef idx="1">
-                <a:schemeClr val="accent1"/>
-              </a:lnRef>
-              <a:fillRef idx="0">
-                <a:schemeClr val="accent1"/>
-              </a:fillRef>
-              <a:effectRef idx="0">
-                <a:schemeClr val="accent1"/>
-              </a:effectRef>
-              <a:fontRef idx="minor">
-                <a:schemeClr val="tx1"/>
-              </a:fontRef>
-            </p:style>
-          </p:cxnSp>
-          <p:cxnSp>
-            <p:nvCxnSpPr>
-              <p:cNvPr id="33" name="Straight Arrow Connector 32"/>
-              <p:cNvCxnSpPr/>
-              <p:nvPr/>
-            </p:nvCxnSpPr>
-            <p:spPr>
-              <a:xfrm flipV="1">
-                <a:off x="3059832" y="3140968"/>
-                <a:ext cx="0" cy="648072"/>
-              </a:xfrm>
-              <a:prstGeom prst="straightConnector1">
-                <a:avLst/>
-              </a:prstGeom>
-              <a:ln>
-                <a:solidFill>
-                  <a:srgbClr val="FF0000"/>
-                </a:solidFill>
-                <a:tailEnd type="triangle"/>
-              </a:ln>
-            </p:spPr>
-            <p:style>
-              <a:lnRef idx="1">
-                <a:schemeClr val="accent1"/>
-              </a:lnRef>
-              <a:fillRef idx="0">
-                <a:schemeClr val="accent1"/>
-              </a:fillRef>
-              <a:effectRef idx="0">
-                <a:schemeClr val="accent1"/>
-              </a:effectRef>
-              <a:fontRef idx="minor">
-                <a:schemeClr val="tx1"/>
-              </a:fontRef>
-            </p:style>
-          </p:cxnSp>
-          <p:cxnSp>
-            <p:nvCxnSpPr>
-              <p:cNvPr id="34" name="Straight Connector 33"/>
-              <p:cNvCxnSpPr/>
-              <p:nvPr/>
-            </p:nvCxnSpPr>
-            <p:spPr>
-              <a:xfrm>
-                <a:off x="3203848" y="3535711"/>
-                <a:ext cx="0" cy="237626"/>
-              </a:xfrm>
-              <a:prstGeom prst="line">
-                <a:avLst/>
-              </a:prstGeom>
-              <a:ln w="57150">
-                <a:solidFill>
-                  <a:schemeClr val="tx1"/>
-                </a:solidFill>
-              </a:ln>
-            </p:spPr>
-            <p:style>
-              <a:lnRef idx="1">
-                <a:schemeClr val="accent1"/>
-              </a:lnRef>
-              <a:fillRef idx="0">
-                <a:schemeClr val="accent1"/>
-              </a:fillRef>
-              <a:effectRef idx="0">
-                <a:schemeClr val="accent1"/>
-              </a:effectRef>
-              <a:fontRef idx="minor">
-                <a:schemeClr val="tx1"/>
-              </a:fontRef>
-            </p:style>
-          </p:cxnSp>
-          <p:cxnSp>
-            <p:nvCxnSpPr>
-              <p:cNvPr id="35" name="Straight Connector 34"/>
-              <p:cNvCxnSpPr/>
-              <p:nvPr/>
-            </p:nvCxnSpPr>
-            <p:spPr>
-              <a:xfrm>
-                <a:off x="2915816" y="3540764"/>
-                <a:ext cx="0" cy="237626"/>
-              </a:xfrm>
-              <a:prstGeom prst="line">
-                <a:avLst/>
-              </a:prstGeom>
-              <a:ln w="57150">
-                <a:solidFill>
-                  <a:schemeClr val="tx1"/>
-                </a:solidFill>
-              </a:ln>
-            </p:spPr>
-            <p:style>
-              <a:lnRef idx="1">
-                <a:schemeClr val="accent1"/>
-              </a:lnRef>
-              <a:fillRef idx="0">
-                <a:schemeClr val="accent1"/>
-              </a:fillRef>
-              <a:effectRef idx="0">
-                <a:schemeClr val="accent1"/>
-              </a:effectRef>
-              <a:fontRef idx="minor">
-                <a:schemeClr val="tx1"/>
-              </a:fontRef>
-            </p:style>
-          </p:cxnSp>
-        </p:grpSp>
-        <p:sp>
-          <p:nvSpPr>
-            <p:cNvPr id="31" name="TextBox 30"/>
-            <p:cNvSpPr txBox="1"/>
-            <p:nvPr/>
-          </p:nvSpPr>
-          <p:spPr>
-            <a:xfrm rot="2170102">
-              <a:off x="3229947" y="2892058"/>
-              <a:ext cx="264695" cy="332182"/>
-            </a:xfrm>
-            <a:prstGeom prst="rect">
-              <a:avLst/>
-            </a:prstGeom>
-            <a:noFill/>
-          </p:spPr>
-          <p:txBody>
-            <a:bodyPr wrap="none" rtlCol="0">
-              <a:spAutoFit/>
-            </a:bodyPr>
-            <a:lstStyle/>
-            <a:p>
-              <a:r>
-                <a:rPr lang="es-ES" dirty="0"/>
-                <a:t>v</a:t>
-              </a:r>
-            </a:p>
-          </p:txBody>
-        </p:sp>
-      </p:grpSp>
-      <p:cxnSp>
-        <p:nvCxnSpPr>
-          <p:cNvPr id="13" name="Straight Connector 12"/>
-          <p:cNvCxnSpPr/>
-          <p:nvPr/>
-        </p:nvCxnSpPr>
-        <p:spPr>
-          <a:xfrm>
-            <a:off x="2929981" y="1273238"/>
-            <a:ext cx="0" cy="1921466"/>
-          </a:xfrm>
-          <a:prstGeom prst="line">
-            <a:avLst/>
-          </a:prstGeom>
-          <a:ln>
-            <a:prstDash val="dash"/>
-          </a:ln>
-        </p:spPr>
-        <p:style>
-          <a:lnRef idx="1">
-            <a:schemeClr val="accent1"/>
-          </a:lnRef>
-          <a:fillRef idx="0">
-            <a:schemeClr val="accent1"/>
-          </a:fillRef>
-          <a:effectRef idx="0">
-            <a:schemeClr val="accent1"/>
-          </a:effectRef>
-          <a:fontRef idx="minor">
-            <a:schemeClr val="tx1"/>
-          </a:fontRef>
-        </p:style>
-      </p:cxnSp>
-      <p:cxnSp>
-        <p:nvCxnSpPr>
-          <p:cNvPr id="14" name="Straight Connector 13"/>
-          <p:cNvCxnSpPr>
-            <a:cxnSpLocks/>
-          </p:cNvCxnSpPr>
-          <p:nvPr/>
-        </p:nvCxnSpPr>
-        <p:spPr>
-          <a:xfrm flipH="1">
-            <a:off x="2257789" y="2086787"/>
-            <a:ext cx="1543481" cy="1308"/>
-          </a:xfrm>
-          <a:prstGeom prst="line">
-            <a:avLst/>
-          </a:prstGeom>
-          <a:ln>
-            <a:prstDash val="dash"/>
-          </a:ln>
-        </p:spPr>
-        <p:style>
-          <a:lnRef idx="1">
-            <a:schemeClr val="accent1"/>
-          </a:lnRef>
-          <a:fillRef idx="0">
-            <a:schemeClr val="accent1"/>
-          </a:fillRef>
-          <a:effectRef idx="0">
-            <a:schemeClr val="accent1"/>
-          </a:effectRef>
-          <a:fontRef idx="minor">
-            <a:schemeClr val="tx1"/>
-          </a:fontRef>
-        </p:style>
-      </p:cxnSp>
-      <p:sp>
-        <p:nvSpPr>
-          <p:cNvPr id="15" name="TextBox 14"/>
-          <p:cNvSpPr txBox="1"/>
-          <p:nvPr/>
-        </p:nvSpPr>
-        <p:spPr>
-          <a:xfrm>
-            <a:off x="2894785" y="3034583"/>
-            <a:ext cx="352982" cy="307777"/>
-          </a:xfrm>
-          <a:prstGeom prst="rect">
-            <a:avLst/>
-          </a:prstGeom>
-          <a:noFill/>
-        </p:spPr>
-        <p:txBody>
-          <a:bodyPr wrap="none" rtlCol="0">
-            <a:spAutoFit/>
-          </a:bodyPr>
-          <a:lstStyle/>
-          <a:p>
-            <a:r>
-              <a:rPr lang="es-ES" sz="1400" dirty="0"/>
-              <a:t>xo</a:t>
-            </a:r>
-          </a:p>
-        </p:txBody>
-      </p:sp>
-      <p:sp>
-        <p:nvSpPr>
-          <p:cNvPr id="16" name="TextBox 15"/>
-          <p:cNvSpPr txBox="1"/>
-          <p:nvPr/>
-        </p:nvSpPr>
-        <p:spPr>
-          <a:xfrm>
-            <a:off x="1858177" y="1891775"/>
-            <a:ext cx="358881" cy="307777"/>
-          </a:xfrm>
-          <a:prstGeom prst="rect">
-            <a:avLst/>
-          </a:prstGeom>
-          <a:noFill/>
-        </p:spPr>
-        <p:txBody>
-          <a:bodyPr wrap="none" rtlCol="0">
-            <a:spAutoFit/>
-          </a:bodyPr>
-          <a:lstStyle/>
-          <a:p>
-            <a:r>
-              <a:rPr lang="es-ES" sz="1400" dirty="0"/>
-              <a:t>yo</a:t>
-            </a:r>
-          </a:p>
-        </p:txBody>
-      </p:sp>
-      <p:sp>
-        <p:nvSpPr>
-          <p:cNvPr id="17" name="Arc 16"/>
-          <p:cNvSpPr/>
-          <p:nvPr/>
-        </p:nvSpPr>
-        <p:spPr>
-          <a:xfrm>
-            <a:off x="2705075" y="1857698"/>
-            <a:ext cx="484924" cy="457535"/>
-          </a:xfrm>
-          <a:prstGeom prst="arc">
-            <a:avLst>
-              <a:gd name="adj1" fmla="val 18219694"/>
-              <a:gd name="adj2" fmla="val 0"/>
-            </a:avLst>
-          </a:prstGeom>
-          <a:ln>
-            <a:solidFill>
-              <a:srgbClr val="00B050"/>
-            </a:solidFill>
-            <a:headEnd type="triangle" w="med" len="med"/>
-            <a:tailEnd type="none" w="med" len="med"/>
-          </a:ln>
-        </p:spPr>
-        <p:style>
-          <a:lnRef idx="1">
-            <a:schemeClr val="accent1"/>
-          </a:lnRef>
-          <a:fillRef idx="0">
-            <a:schemeClr val="accent1"/>
-          </a:fillRef>
-          <a:effectRef idx="0">
-            <a:schemeClr val="accent1"/>
-          </a:effectRef>
-          <a:fontRef idx="minor">
-            <a:schemeClr val="tx1"/>
-          </a:fontRef>
-        </p:style>
-        <p:txBody>
-          <a:bodyPr rtlCol="0" anchor="ctr"/>
-          <a:lstStyle/>
-          <a:p>
-            <a:pPr algn="ctr"/>
-            <a:endParaRPr lang="es-ES"/>
-          </a:p>
-        </p:txBody>
-      </p:sp>
-      <p:sp>
-        <p:nvSpPr>
-          <p:cNvPr id="18" name="TextBox 17"/>
-          <p:cNvSpPr txBox="1"/>
-          <p:nvPr/>
-        </p:nvSpPr>
-        <p:spPr>
-          <a:xfrm>
-            <a:off x="3264674" y="1714356"/>
-            <a:ext cx="404278" cy="338554"/>
-          </a:xfrm>
-          <a:prstGeom prst="rect">
-            <a:avLst/>
-          </a:prstGeom>
-          <a:noFill/>
-        </p:spPr>
-        <p:txBody>
-          <a:bodyPr wrap="none" rtlCol="0">
-            <a:spAutoFit/>
-          </a:bodyPr>
-          <a:lstStyle/>
-          <a:p>
-            <a:r>
-              <a:rPr lang="es-ES" sz="1600" dirty="0">
-                <a:latin typeface="Symbol" panose="05050102010706020507" pitchFamily="18" charset="2"/>
-              </a:rPr>
-              <a:t>fo</a:t>
-            </a:r>
-          </a:p>
-        </p:txBody>
-      </p:sp>
-      <p:sp>
-        <p:nvSpPr>
-          <p:cNvPr id="19" name="Oval 18"/>
-          <p:cNvSpPr/>
-          <p:nvPr/>
-        </p:nvSpPr>
-        <p:spPr>
-          <a:xfrm>
-            <a:off x="2733527" y="1703012"/>
-            <a:ext cx="2254059" cy="2081588"/>
-          </a:xfrm>
-          <a:prstGeom prst="ellipse">
-            <a:avLst/>
-          </a:prstGeom>
-          <a:noFill/>
-          <a:ln>
-            <a:solidFill>
-              <a:srgbClr val="0000FF"/>
-            </a:solidFill>
-            <a:prstDash val="sysDash"/>
-          </a:ln>
-        </p:spPr>
-        <p:style>
-          <a:lnRef idx="2">
-            <a:schemeClr val="accent1">
-              <a:shade val="50000"/>
-            </a:schemeClr>
-          </a:lnRef>
-          <a:fillRef idx="1">
-            <a:schemeClr val="accent1"/>
-          </a:fillRef>
-          <a:effectRef idx="0">
-            <a:schemeClr val="accent1"/>
-          </a:effectRef>
-          <a:fontRef idx="minor">
-            <a:schemeClr val="lt1"/>
-          </a:fontRef>
-        </p:style>
-        <p:txBody>
-          <a:bodyPr rtlCol="0" anchor="ctr"/>
-          <a:lstStyle/>
-          <a:p>
-            <a:pPr algn="ctr"/>
-            <a:endParaRPr lang="es-ES"/>
-          </a:p>
-        </p:txBody>
-      </p:sp>
-      <p:cxnSp>
-        <p:nvCxnSpPr>
-          <p:cNvPr id="20" name="Straight Connector 19"/>
-          <p:cNvCxnSpPr/>
-          <p:nvPr/>
-        </p:nvCxnSpPr>
-        <p:spPr>
-          <a:xfrm>
-            <a:off x="2929981" y="2088095"/>
-            <a:ext cx="930574" cy="657251"/>
-          </a:xfrm>
-          <a:prstGeom prst="line">
-            <a:avLst/>
-          </a:prstGeom>
-          <a:ln>
-            <a:prstDash val="sysDash"/>
-          </a:ln>
-        </p:spPr>
-        <p:style>
-          <a:lnRef idx="1">
-            <a:schemeClr val="accent1"/>
-          </a:lnRef>
-          <a:fillRef idx="0">
-            <a:schemeClr val="accent1"/>
-          </a:fillRef>
-          <a:effectRef idx="0">
-            <a:schemeClr val="accent1"/>
-          </a:effectRef>
-          <a:fontRef idx="minor">
-            <a:schemeClr val="tx1"/>
-          </a:fontRef>
-        </p:style>
-      </p:cxnSp>
-      <p:cxnSp>
-        <p:nvCxnSpPr>
-          <p:cNvPr id="21" name="Straight Connector 20"/>
-          <p:cNvCxnSpPr>
-            <a:stCxn id="19" idx="0"/>
-            <a:endCxn id="19" idx="4"/>
-          </p:cNvCxnSpPr>
-          <p:nvPr/>
-        </p:nvCxnSpPr>
-        <p:spPr>
-          <a:xfrm>
-            <a:off x="3860555" y="1703012"/>
-            <a:ext cx="0" cy="2081588"/>
-          </a:xfrm>
-          <a:prstGeom prst="line">
-            <a:avLst/>
-          </a:prstGeom>
-          <a:ln w="3175">
-            <a:solidFill>
-              <a:schemeClr val="tx1"/>
-            </a:solidFill>
-            <a:prstDash val="dash"/>
-          </a:ln>
-        </p:spPr>
-        <p:style>
-          <a:lnRef idx="1">
-            <a:schemeClr val="accent1"/>
-          </a:lnRef>
-          <a:fillRef idx="0">
-            <a:schemeClr val="accent1"/>
-          </a:fillRef>
-          <a:effectRef idx="0">
-            <a:schemeClr val="accent1"/>
-          </a:effectRef>
-          <a:fontRef idx="minor">
-            <a:schemeClr val="tx1"/>
-          </a:fontRef>
-        </p:style>
-      </p:cxnSp>
-      <p:cxnSp>
-        <p:nvCxnSpPr>
-          <p:cNvPr id="22" name="Straight Connector 21"/>
-          <p:cNvCxnSpPr>
-            <a:stCxn id="19" idx="2"/>
-            <a:endCxn id="19" idx="6"/>
-          </p:cNvCxnSpPr>
-          <p:nvPr/>
-        </p:nvCxnSpPr>
-        <p:spPr>
-          <a:xfrm>
-            <a:off x="2733527" y="2743806"/>
-            <a:ext cx="2254059" cy="0"/>
-          </a:xfrm>
-          <a:prstGeom prst="line">
-            <a:avLst/>
-          </a:prstGeom>
-          <a:ln w="3175">
-            <a:solidFill>
-              <a:schemeClr val="tx1"/>
-            </a:solidFill>
-            <a:prstDash val="dash"/>
-          </a:ln>
-        </p:spPr>
-        <p:style>
-          <a:lnRef idx="1">
-            <a:schemeClr val="accent1"/>
-          </a:lnRef>
-          <a:fillRef idx="0">
-            <a:schemeClr val="accent1"/>
-          </a:fillRef>
-          <a:effectRef idx="0">
-            <a:schemeClr val="accent1"/>
-          </a:effectRef>
-          <a:fontRef idx="minor">
-            <a:schemeClr val="tx1"/>
-          </a:fontRef>
-        </p:style>
-      </p:cxnSp>
-      <p:sp>
-        <p:nvSpPr>
-          <p:cNvPr id="23" name="TextBox 22"/>
-          <p:cNvSpPr txBox="1"/>
-          <p:nvPr/>
-        </p:nvSpPr>
-        <p:spPr>
-          <a:xfrm>
-            <a:off x="3303411" y="1999318"/>
-            <a:ext cx="309700" cy="369332"/>
-          </a:xfrm>
-          <a:prstGeom prst="rect">
-            <a:avLst/>
-          </a:prstGeom>
-          <a:noFill/>
-        </p:spPr>
-        <p:txBody>
-          <a:bodyPr wrap="none" rtlCol="0">
-            <a:spAutoFit/>
-          </a:bodyPr>
-          <a:lstStyle/>
-          <a:p>
-            <a:r>
-              <a:rPr lang="es-ES" dirty="0"/>
-              <a:t>R</a:t>
-            </a:r>
-          </a:p>
-        </p:txBody>
-      </p:sp>
-      <p:sp>
-        <p:nvSpPr>
-          <p:cNvPr id="24" name="TextBox 23"/>
-          <p:cNvSpPr txBox="1"/>
-          <p:nvPr/>
-        </p:nvSpPr>
-        <p:spPr>
-          <a:xfrm rot="2241344">
-            <a:off x="2589957" y="1523320"/>
-            <a:ext cx="372218" cy="338554"/>
-          </a:xfrm>
-          <a:prstGeom prst="rect">
-            <a:avLst/>
-          </a:prstGeom>
-          <a:noFill/>
-        </p:spPr>
-        <p:txBody>
-          <a:bodyPr wrap="none" rtlCol="0">
-            <a:spAutoFit/>
-          </a:bodyPr>
-          <a:lstStyle/>
-          <a:p>
-            <a:r>
-              <a:rPr lang="es-ES" sz="1600" dirty="0">
-                <a:latin typeface="Symbol" panose="05050102010706020507" pitchFamily="18" charset="2"/>
-              </a:rPr>
-              <a:t>w</a:t>
-            </a:r>
-            <a:r>
-              <a:rPr lang="es-ES" sz="1600" dirty="0"/>
-              <a:t>l</a:t>
-            </a:r>
-          </a:p>
-        </p:txBody>
-      </p:sp>
-      <p:sp>
-        <p:nvSpPr>
-          <p:cNvPr id="25" name="TextBox 24"/>
-          <p:cNvSpPr txBox="1"/>
-          <p:nvPr/>
-        </p:nvSpPr>
-        <p:spPr>
-          <a:xfrm rot="2241344">
-            <a:off x="2941927" y="2270319"/>
-            <a:ext cx="397866" cy="338554"/>
-          </a:xfrm>
-          <a:prstGeom prst="rect">
-            <a:avLst/>
-          </a:prstGeom>
-          <a:noFill/>
-        </p:spPr>
-        <p:txBody>
-          <a:bodyPr wrap="none" rtlCol="0">
-            <a:spAutoFit/>
-          </a:bodyPr>
-          <a:lstStyle/>
-          <a:p>
-            <a:r>
-              <a:rPr lang="es-ES" sz="1600" dirty="0">
-                <a:latin typeface="Symbol" panose="05050102010706020507" pitchFamily="18" charset="2"/>
-              </a:rPr>
-              <a:t>w</a:t>
-            </a:r>
-            <a:r>
-              <a:rPr lang="es-ES" sz="1600" dirty="0"/>
-              <a:t>r</a:t>
-            </a:r>
-          </a:p>
-        </p:txBody>
-      </p:sp>
-      <p:sp>
-        <p:nvSpPr>
-          <p:cNvPr id="26" name="TextBox 25"/>
-          <p:cNvSpPr txBox="1"/>
-          <p:nvPr/>
-        </p:nvSpPr>
-        <p:spPr>
-          <a:xfrm>
-            <a:off x="3955409" y="2153911"/>
-            <a:ext cx="396262" cy="461665"/>
-          </a:xfrm>
-          <a:prstGeom prst="rect">
-            <a:avLst/>
-          </a:prstGeom>
-          <a:noFill/>
-        </p:spPr>
-        <p:txBody>
-          <a:bodyPr wrap="none" rtlCol="0">
-            <a:spAutoFit/>
-          </a:bodyPr>
-          <a:lstStyle/>
-          <a:p>
-            <a:r>
-              <a:rPr lang="es-ES" sz="2400" dirty="0">
-                <a:latin typeface="Symbol" panose="05050102010706020507" pitchFamily="18" charset="2"/>
-              </a:rPr>
-              <a:t>w</a:t>
-            </a:r>
-          </a:p>
-        </p:txBody>
-      </p:sp>
-      <p:sp>
-        <p:nvSpPr>
-          <p:cNvPr id="27" name="Oval 26"/>
-          <p:cNvSpPr/>
-          <p:nvPr/>
-        </p:nvSpPr>
-        <p:spPr>
-          <a:xfrm>
-            <a:off x="3771419" y="2663403"/>
-            <a:ext cx="199943" cy="198764"/>
-          </a:xfrm>
-          <a:prstGeom prst="ellipse">
-            <a:avLst/>
-          </a:prstGeom>
-          <a:noFill/>
-        </p:spPr>
-        <p:style>
-          <a:lnRef idx="2">
-            <a:schemeClr val="accent1">
-              <a:shade val="50000"/>
-            </a:schemeClr>
-          </a:lnRef>
-          <a:fillRef idx="1">
-            <a:schemeClr val="accent1"/>
-          </a:fillRef>
-          <a:effectRef idx="0">
-            <a:schemeClr val="accent1"/>
-          </a:effectRef>
-          <a:fontRef idx="minor">
-            <a:schemeClr val="lt1"/>
-          </a:fontRef>
-        </p:style>
-        <p:txBody>
-          <a:bodyPr rtlCol="0" anchor="ctr"/>
-          <a:lstStyle/>
-          <a:p>
-            <a:pPr algn="ctr"/>
-            <a:endParaRPr lang="es-ES"/>
-          </a:p>
-        </p:txBody>
-      </p:sp>
       <mc:AlternateContent xmlns:mc="http://schemas.openxmlformats.org/markup-compatibility/2006">
         <mc:Choice xmlns:a14="http://schemas.microsoft.com/office/drawing/2010/main" Requires="a14">
           <p:sp>
@@ -10483,7 +9683,7 @@
             </p:nvSpPr>
             <p:spPr bwMode="auto">
               <a:xfrm>
-                <a:off x="6522269" y="1538150"/>
+                <a:off x="4755711" y="2664029"/>
                 <a:ext cx="1958054" cy="1205656"/>
               </a:xfrm>
               <a:prstGeom prst="rect">
@@ -10835,7 +10035,7 @@
             </p:nvSpPr>
             <p:spPr bwMode="auto">
               <a:xfrm>
-                <a:off x="6522269" y="1538150"/>
+                <a:off x="4755711" y="2664029"/>
                 <a:ext cx="1958054" cy="1205656"/>
               </a:xfrm>
               <a:prstGeom prst="rect">
@@ -10871,10 +10071,10 @@
       </mc:AlternateContent>
       <p:grpSp>
         <p:nvGrpSpPr>
-          <p:cNvPr id="36" name="Grupo 35">
-            <a:extLst>
-              <a:ext uri="{FF2B5EF4-FFF2-40B4-BE49-F238E27FC236}">
-                <a16:creationId xmlns:a16="http://schemas.microsoft.com/office/drawing/2014/main" id="{8A1872A6-C486-4103-A66D-7496C90A81AA}"/>
+          <p:cNvPr id="9" name="Group 8">
+            <a:extLst>
+              <a:ext uri="{FF2B5EF4-FFF2-40B4-BE49-F238E27FC236}">
+                <a16:creationId xmlns:a16="http://schemas.microsoft.com/office/drawing/2014/main" id="{E9B05476-0CF3-1CFB-3111-CFEF90B724E2}"/>
               </a:ext>
             </a:extLst>
           </p:cNvPr>
@@ -10883,33 +10083,29 @@
         </p:nvGrpSpPr>
         <p:grpSpPr>
           <a:xfrm>
-            <a:off x="3801270" y="2690149"/>
-            <a:ext cx="153263" cy="153263"/>
-            <a:chOff x="7083033" y="1249987"/>
-            <a:chExt cx="153263" cy="153263"/>
+            <a:off x="897258" y="1113116"/>
+            <a:ext cx="3583016" cy="2671484"/>
+            <a:chOff x="1826404" y="1113116"/>
+            <a:chExt cx="3583016" cy="2671484"/>
           </a:xfrm>
         </p:grpSpPr>
         <p:cxnSp>
           <p:nvCxnSpPr>
-            <p:cNvPr id="41" name="Conector recto 40">
-              <a:extLst>
-                <a:ext uri="{FF2B5EF4-FFF2-40B4-BE49-F238E27FC236}">
-                  <a16:creationId xmlns:a16="http://schemas.microsoft.com/office/drawing/2014/main" id="{D19837B1-7F45-4791-8302-819FA5473960}"/>
-                </a:ext>
-              </a:extLst>
-            </p:cNvPr>
+            <p:cNvPr id="10" name="Straight Arrow Connector 9"/>
             <p:cNvCxnSpPr/>
             <p:nvPr/>
           </p:nvCxnSpPr>
           <p:spPr>
             <a:xfrm>
-              <a:off x="7083033" y="1268760"/>
-              <a:ext cx="153263" cy="117154"/>
+              <a:off x="1826404" y="3034582"/>
+              <a:ext cx="3583016" cy="0"/>
             </a:xfrm>
-            <a:prstGeom prst="line">
+            <a:prstGeom prst="straightConnector1">
               <a:avLst/>
             </a:prstGeom>
-            <a:ln w="28575"/>
+            <a:ln>
+              <a:tailEnd type="triangle"/>
+            </a:ln>
           </p:spPr>
           <p:style>
             <a:lnRef idx="1">
@@ -10928,27 +10124,21 @@
         </p:cxnSp>
         <p:cxnSp>
           <p:nvCxnSpPr>
-            <p:cNvPr id="42" name="Conector recto 41">
-              <a:extLst>
-                <a:ext uri="{FF2B5EF4-FFF2-40B4-BE49-F238E27FC236}">
-                  <a16:creationId xmlns:a16="http://schemas.microsoft.com/office/drawing/2014/main" id="{3CD94122-25A7-4603-A75C-630CE70F2B88}"/>
-                </a:ext>
-              </a:extLst>
-            </p:cNvPr>
-            <p:cNvCxnSpPr>
-              <a:cxnSpLocks/>
-            </p:cNvCxnSpPr>
+            <p:cNvPr id="11" name="Straight Arrow Connector 10"/>
+            <p:cNvCxnSpPr/>
             <p:nvPr/>
           </p:nvCxnSpPr>
           <p:spPr>
-            <a:xfrm rot="5400000">
-              <a:off x="7083751" y="1268042"/>
-              <a:ext cx="153263" cy="117154"/>
+            <a:xfrm flipV="1">
+              <a:off x="2344708" y="1113116"/>
+              <a:ext cx="0" cy="2671484"/>
             </a:xfrm>
-            <a:prstGeom prst="line">
+            <a:prstGeom prst="straightConnector1">
               <a:avLst/>
             </a:prstGeom>
-            <a:ln w="28575"/>
+            <a:ln>
+              <a:tailEnd type="triangle"/>
+            </a:ln>
           </p:spPr>
           <p:style>
             <a:lnRef idx="1">
@@ -10965,11 +10155,1525 @@
             </a:fontRef>
           </p:style>
         </p:cxnSp>
+        <p:grpSp>
+          <p:nvGrpSpPr>
+            <p:cNvPr id="12" name="Group 11"/>
+            <p:cNvGrpSpPr/>
+            <p:nvPr/>
+          </p:nvGrpSpPr>
+          <p:grpSpPr>
+            <a:xfrm>
+              <a:off x="2737622" y="1316737"/>
+              <a:ext cx="788838" cy="997297"/>
+              <a:chOff x="2771800" y="2892058"/>
+              <a:chExt cx="722842" cy="896982"/>
+            </a:xfrm>
+          </p:grpSpPr>
+          <p:grpSp>
+            <p:nvGrpSpPr>
+              <p:cNvPr id="30" name="Group 29"/>
+              <p:cNvGrpSpPr/>
+              <p:nvPr/>
+            </p:nvGrpSpPr>
+            <p:grpSpPr>
+              <a:xfrm rot="2170102">
+                <a:off x="2771800" y="3140968"/>
+                <a:ext cx="648072" cy="648072"/>
+                <a:chOff x="2771800" y="3140968"/>
+                <a:chExt cx="648072" cy="648072"/>
+              </a:xfrm>
+            </p:grpSpPr>
+            <p:cxnSp>
+              <p:nvCxnSpPr>
+                <p:cNvPr id="32" name="Straight Arrow Connector 31"/>
+                <p:cNvCxnSpPr/>
+                <p:nvPr/>
+              </p:nvCxnSpPr>
+              <p:spPr>
+                <a:xfrm>
+                  <a:off x="2771800" y="3645024"/>
+                  <a:ext cx="648072" cy="0"/>
+                </a:xfrm>
+                <a:prstGeom prst="straightConnector1">
+                  <a:avLst/>
+                </a:prstGeom>
+                <a:ln>
+                  <a:solidFill>
+                    <a:srgbClr val="FF0000"/>
+                  </a:solidFill>
+                  <a:tailEnd type="triangle"/>
+                </a:ln>
+              </p:spPr>
+              <p:style>
+                <a:lnRef idx="1">
+                  <a:schemeClr val="accent1"/>
+                </a:lnRef>
+                <a:fillRef idx="0">
+                  <a:schemeClr val="accent1"/>
+                </a:fillRef>
+                <a:effectRef idx="0">
+                  <a:schemeClr val="accent1"/>
+                </a:effectRef>
+                <a:fontRef idx="minor">
+                  <a:schemeClr val="tx1"/>
+                </a:fontRef>
+              </p:style>
+            </p:cxnSp>
+            <p:cxnSp>
+              <p:nvCxnSpPr>
+                <p:cNvPr id="33" name="Straight Arrow Connector 32"/>
+                <p:cNvCxnSpPr/>
+                <p:nvPr/>
+              </p:nvCxnSpPr>
+              <p:spPr>
+                <a:xfrm flipV="1">
+                  <a:off x="3059832" y="3140968"/>
+                  <a:ext cx="0" cy="648072"/>
+                </a:xfrm>
+                <a:prstGeom prst="straightConnector1">
+                  <a:avLst/>
+                </a:prstGeom>
+                <a:ln>
+                  <a:solidFill>
+                    <a:srgbClr val="FF0000"/>
+                  </a:solidFill>
+                  <a:tailEnd type="triangle"/>
+                </a:ln>
+              </p:spPr>
+              <p:style>
+                <a:lnRef idx="1">
+                  <a:schemeClr val="accent1"/>
+                </a:lnRef>
+                <a:fillRef idx="0">
+                  <a:schemeClr val="accent1"/>
+                </a:fillRef>
+                <a:effectRef idx="0">
+                  <a:schemeClr val="accent1"/>
+                </a:effectRef>
+                <a:fontRef idx="minor">
+                  <a:schemeClr val="tx1"/>
+                </a:fontRef>
+              </p:style>
+            </p:cxnSp>
+            <p:cxnSp>
+              <p:nvCxnSpPr>
+                <p:cNvPr id="34" name="Straight Connector 33"/>
+                <p:cNvCxnSpPr/>
+                <p:nvPr/>
+              </p:nvCxnSpPr>
+              <p:spPr>
+                <a:xfrm>
+                  <a:off x="3203848" y="3535711"/>
+                  <a:ext cx="0" cy="237626"/>
+                </a:xfrm>
+                <a:prstGeom prst="line">
+                  <a:avLst/>
+                </a:prstGeom>
+                <a:ln w="57150">
+                  <a:solidFill>
+                    <a:schemeClr val="tx1"/>
+                  </a:solidFill>
+                </a:ln>
+              </p:spPr>
+              <p:style>
+                <a:lnRef idx="1">
+                  <a:schemeClr val="accent1"/>
+                </a:lnRef>
+                <a:fillRef idx="0">
+                  <a:schemeClr val="accent1"/>
+                </a:fillRef>
+                <a:effectRef idx="0">
+                  <a:schemeClr val="accent1"/>
+                </a:effectRef>
+                <a:fontRef idx="minor">
+                  <a:schemeClr val="tx1"/>
+                </a:fontRef>
+              </p:style>
+            </p:cxnSp>
+            <p:cxnSp>
+              <p:nvCxnSpPr>
+                <p:cNvPr id="35" name="Straight Connector 34"/>
+                <p:cNvCxnSpPr/>
+                <p:nvPr/>
+              </p:nvCxnSpPr>
+              <p:spPr>
+                <a:xfrm>
+                  <a:off x="2915816" y="3540764"/>
+                  <a:ext cx="0" cy="237626"/>
+                </a:xfrm>
+                <a:prstGeom prst="line">
+                  <a:avLst/>
+                </a:prstGeom>
+                <a:ln w="57150">
+                  <a:solidFill>
+                    <a:schemeClr val="tx1"/>
+                  </a:solidFill>
+                </a:ln>
+              </p:spPr>
+              <p:style>
+                <a:lnRef idx="1">
+                  <a:schemeClr val="accent1"/>
+                </a:lnRef>
+                <a:fillRef idx="0">
+                  <a:schemeClr val="accent1"/>
+                </a:fillRef>
+                <a:effectRef idx="0">
+                  <a:schemeClr val="accent1"/>
+                </a:effectRef>
+                <a:fontRef idx="minor">
+                  <a:schemeClr val="tx1"/>
+                </a:fontRef>
+              </p:style>
+            </p:cxnSp>
+          </p:grpSp>
+          <p:sp>
+            <p:nvSpPr>
+              <p:cNvPr id="31" name="TextBox 30"/>
+              <p:cNvSpPr txBox="1"/>
+              <p:nvPr/>
+            </p:nvSpPr>
+            <p:spPr>
+              <a:xfrm rot="2170102">
+                <a:off x="3229947" y="2892058"/>
+                <a:ext cx="264695" cy="332182"/>
+              </a:xfrm>
+              <a:prstGeom prst="rect">
+                <a:avLst/>
+              </a:prstGeom>
+              <a:noFill/>
+            </p:spPr>
+            <p:txBody>
+              <a:bodyPr wrap="none" rtlCol="0">
+                <a:spAutoFit/>
+              </a:bodyPr>
+              <a:lstStyle/>
+              <a:p>
+                <a:r>
+                  <a:rPr lang="es-ES" dirty="0"/>
+                  <a:t>v</a:t>
+                </a:r>
+              </a:p>
+            </p:txBody>
+          </p:sp>
+        </p:grpSp>
+        <p:cxnSp>
+          <p:nvCxnSpPr>
+            <p:cNvPr id="13" name="Straight Connector 12"/>
+            <p:cNvCxnSpPr/>
+            <p:nvPr/>
+          </p:nvCxnSpPr>
+          <p:spPr>
+            <a:xfrm>
+              <a:off x="2929981" y="1273238"/>
+              <a:ext cx="0" cy="1921466"/>
+            </a:xfrm>
+            <a:prstGeom prst="line">
+              <a:avLst/>
+            </a:prstGeom>
+            <a:ln>
+              <a:prstDash val="dash"/>
+            </a:ln>
+          </p:spPr>
+          <p:style>
+            <a:lnRef idx="1">
+              <a:schemeClr val="accent1"/>
+            </a:lnRef>
+            <a:fillRef idx="0">
+              <a:schemeClr val="accent1"/>
+            </a:fillRef>
+            <a:effectRef idx="0">
+              <a:schemeClr val="accent1"/>
+            </a:effectRef>
+            <a:fontRef idx="minor">
+              <a:schemeClr val="tx1"/>
+            </a:fontRef>
+          </p:style>
+        </p:cxnSp>
+        <p:cxnSp>
+          <p:nvCxnSpPr>
+            <p:cNvPr id="14" name="Straight Connector 13"/>
+            <p:cNvCxnSpPr>
+              <a:cxnSpLocks/>
+            </p:cNvCxnSpPr>
+            <p:nvPr/>
+          </p:nvCxnSpPr>
+          <p:spPr>
+            <a:xfrm flipH="1">
+              <a:off x="2257789" y="2086787"/>
+              <a:ext cx="1543481" cy="1308"/>
+            </a:xfrm>
+            <a:prstGeom prst="line">
+              <a:avLst/>
+            </a:prstGeom>
+            <a:ln>
+              <a:prstDash val="dash"/>
+            </a:ln>
+          </p:spPr>
+          <p:style>
+            <a:lnRef idx="1">
+              <a:schemeClr val="accent1"/>
+            </a:lnRef>
+            <a:fillRef idx="0">
+              <a:schemeClr val="accent1"/>
+            </a:fillRef>
+            <a:effectRef idx="0">
+              <a:schemeClr val="accent1"/>
+            </a:effectRef>
+            <a:fontRef idx="minor">
+              <a:schemeClr val="tx1"/>
+            </a:fontRef>
+          </p:style>
+        </p:cxnSp>
+        <p:sp>
+          <p:nvSpPr>
+            <p:cNvPr id="15" name="TextBox 14"/>
+            <p:cNvSpPr txBox="1"/>
+            <p:nvPr/>
+          </p:nvSpPr>
+          <p:spPr>
+            <a:xfrm>
+              <a:off x="2894785" y="3034583"/>
+              <a:ext cx="352982" cy="307777"/>
+            </a:xfrm>
+            <a:prstGeom prst="rect">
+              <a:avLst/>
+            </a:prstGeom>
+            <a:noFill/>
+          </p:spPr>
+          <p:txBody>
+            <a:bodyPr wrap="none" rtlCol="0">
+              <a:spAutoFit/>
+            </a:bodyPr>
+            <a:lstStyle/>
+            <a:p>
+              <a:r>
+                <a:rPr lang="es-ES" sz="1400" dirty="0"/>
+                <a:t>xo</a:t>
+              </a:r>
+            </a:p>
+          </p:txBody>
+        </p:sp>
+        <p:sp>
+          <p:nvSpPr>
+            <p:cNvPr id="16" name="TextBox 15"/>
+            <p:cNvSpPr txBox="1"/>
+            <p:nvPr/>
+          </p:nvSpPr>
+          <p:spPr>
+            <a:xfrm>
+              <a:off x="1858177" y="1891775"/>
+              <a:ext cx="358881" cy="307777"/>
+            </a:xfrm>
+            <a:prstGeom prst="rect">
+              <a:avLst/>
+            </a:prstGeom>
+            <a:noFill/>
+          </p:spPr>
+          <p:txBody>
+            <a:bodyPr wrap="none" rtlCol="0">
+              <a:spAutoFit/>
+            </a:bodyPr>
+            <a:lstStyle/>
+            <a:p>
+              <a:r>
+                <a:rPr lang="es-ES" sz="1400" dirty="0"/>
+                <a:t>yo</a:t>
+              </a:r>
+            </a:p>
+          </p:txBody>
+        </p:sp>
+        <p:sp>
+          <p:nvSpPr>
+            <p:cNvPr id="17" name="Arc 16"/>
+            <p:cNvSpPr/>
+            <p:nvPr/>
+          </p:nvSpPr>
+          <p:spPr>
+            <a:xfrm>
+              <a:off x="2705075" y="1857698"/>
+              <a:ext cx="484924" cy="457535"/>
+            </a:xfrm>
+            <a:prstGeom prst="arc">
+              <a:avLst>
+                <a:gd name="adj1" fmla="val 18219694"/>
+                <a:gd name="adj2" fmla="val 0"/>
+              </a:avLst>
+            </a:prstGeom>
+            <a:ln>
+              <a:solidFill>
+                <a:srgbClr val="00B050"/>
+              </a:solidFill>
+              <a:headEnd type="triangle" w="med" len="med"/>
+              <a:tailEnd type="none" w="med" len="med"/>
+            </a:ln>
+          </p:spPr>
+          <p:style>
+            <a:lnRef idx="1">
+              <a:schemeClr val="accent1"/>
+            </a:lnRef>
+            <a:fillRef idx="0">
+              <a:schemeClr val="accent1"/>
+            </a:fillRef>
+            <a:effectRef idx="0">
+              <a:schemeClr val="accent1"/>
+            </a:effectRef>
+            <a:fontRef idx="minor">
+              <a:schemeClr val="tx1"/>
+            </a:fontRef>
+          </p:style>
+          <p:txBody>
+            <a:bodyPr rtlCol="0" anchor="ctr"/>
+            <a:lstStyle/>
+            <a:p>
+              <a:pPr algn="ctr"/>
+              <a:endParaRPr lang="es-ES"/>
+            </a:p>
+          </p:txBody>
+        </p:sp>
+        <p:sp>
+          <p:nvSpPr>
+            <p:cNvPr id="18" name="TextBox 17"/>
+            <p:cNvSpPr txBox="1"/>
+            <p:nvPr/>
+          </p:nvSpPr>
+          <p:spPr>
+            <a:xfrm>
+              <a:off x="3264674" y="1714356"/>
+              <a:ext cx="404278" cy="338554"/>
+            </a:xfrm>
+            <a:prstGeom prst="rect">
+              <a:avLst/>
+            </a:prstGeom>
+            <a:noFill/>
+          </p:spPr>
+          <p:txBody>
+            <a:bodyPr wrap="none" rtlCol="0">
+              <a:spAutoFit/>
+            </a:bodyPr>
+            <a:lstStyle/>
+            <a:p>
+              <a:r>
+                <a:rPr lang="es-ES" sz="1600" dirty="0">
+                  <a:latin typeface="Symbol" panose="05050102010706020507" pitchFamily="18" charset="2"/>
+                </a:rPr>
+                <a:t>fo</a:t>
+              </a:r>
+            </a:p>
+          </p:txBody>
+        </p:sp>
+        <p:sp>
+          <p:nvSpPr>
+            <p:cNvPr id="19" name="Oval 18"/>
+            <p:cNvSpPr/>
+            <p:nvPr/>
+          </p:nvSpPr>
+          <p:spPr>
+            <a:xfrm>
+              <a:off x="2733527" y="1703012"/>
+              <a:ext cx="2254059" cy="2081588"/>
+            </a:xfrm>
+            <a:prstGeom prst="ellipse">
+              <a:avLst/>
+            </a:prstGeom>
+            <a:noFill/>
+            <a:ln>
+              <a:solidFill>
+                <a:srgbClr val="0000FF"/>
+              </a:solidFill>
+              <a:prstDash val="sysDash"/>
+            </a:ln>
+          </p:spPr>
+          <p:style>
+            <a:lnRef idx="2">
+              <a:schemeClr val="accent1">
+                <a:shade val="50000"/>
+              </a:schemeClr>
+            </a:lnRef>
+            <a:fillRef idx="1">
+              <a:schemeClr val="accent1"/>
+            </a:fillRef>
+            <a:effectRef idx="0">
+              <a:schemeClr val="accent1"/>
+            </a:effectRef>
+            <a:fontRef idx="minor">
+              <a:schemeClr val="lt1"/>
+            </a:fontRef>
+          </p:style>
+          <p:txBody>
+            <a:bodyPr rtlCol="0" anchor="ctr"/>
+            <a:lstStyle/>
+            <a:p>
+              <a:pPr algn="ctr"/>
+              <a:endParaRPr lang="es-ES"/>
+            </a:p>
+          </p:txBody>
+        </p:sp>
+        <p:cxnSp>
+          <p:nvCxnSpPr>
+            <p:cNvPr id="20" name="Straight Connector 19"/>
+            <p:cNvCxnSpPr/>
+            <p:nvPr/>
+          </p:nvCxnSpPr>
+          <p:spPr>
+            <a:xfrm>
+              <a:off x="2929981" y="2088095"/>
+              <a:ext cx="930574" cy="657251"/>
+            </a:xfrm>
+            <a:prstGeom prst="line">
+              <a:avLst/>
+            </a:prstGeom>
+            <a:ln>
+              <a:prstDash val="sysDash"/>
+            </a:ln>
+          </p:spPr>
+          <p:style>
+            <a:lnRef idx="1">
+              <a:schemeClr val="accent1"/>
+            </a:lnRef>
+            <a:fillRef idx="0">
+              <a:schemeClr val="accent1"/>
+            </a:fillRef>
+            <a:effectRef idx="0">
+              <a:schemeClr val="accent1"/>
+            </a:effectRef>
+            <a:fontRef idx="minor">
+              <a:schemeClr val="tx1"/>
+            </a:fontRef>
+          </p:style>
+        </p:cxnSp>
+        <p:cxnSp>
+          <p:nvCxnSpPr>
+            <p:cNvPr id="21" name="Straight Connector 20"/>
+            <p:cNvCxnSpPr>
+              <a:stCxn id="19" idx="0"/>
+              <a:endCxn id="19" idx="4"/>
+            </p:cNvCxnSpPr>
+            <p:nvPr/>
+          </p:nvCxnSpPr>
+          <p:spPr>
+            <a:xfrm>
+              <a:off x="3860555" y="1703012"/>
+              <a:ext cx="0" cy="2081588"/>
+            </a:xfrm>
+            <a:prstGeom prst="line">
+              <a:avLst/>
+            </a:prstGeom>
+            <a:ln w="3175">
+              <a:solidFill>
+                <a:schemeClr val="tx1"/>
+              </a:solidFill>
+              <a:prstDash val="dash"/>
+            </a:ln>
+          </p:spPr>
+          <p:style>
+            <a:lnRef idx="1">
+              <a:schemeClr val="accent1"/>
+            </a:lnRef>
+            <a:fillRef idx="0">
+              <a:schemeClr val="accent1"/>
+            </a:fillRef>
+            <a:effectRef idx="0">
+              <a:schemeClr val="accent1"/>
+            </a:effectRef>
+            <a:fontRef idx="minor">
+              <a:schemeClr val="tx1"/>
+            </a:fontRef>
+          </p:style>
+        </p:cxnSp>
+        <p:cxnSp>
+          <p:nvCxnSpPr>
+            <p:cNvPr id="22" name="Straight Connector 21"/>
+            <p:cNvCxnSpPr>
+              <a:stCxn id="19" idx="2"/>
+              <a:endCxn id="19" idx="6"/>
+            </p:cNvCxnSpPr>
+            <p:nvPr/>
+          </p:nvCxnSpPr>
+          <p:spPr>
+            <a:xfrm>
+              <a:off x="2733527" y="2743806"/>
+              <a:ext cx="2254059" cy="0"/>
+            </a:xfrm>
+            <a:prstGeom prst="line">
+              <a:avLst/>
+            </a:prstGeom>
+            <a:ln w="3175">
+              <a:solidFill>
+                <a:schemeClr val="tx1"/>
+              </a:solidFill>
+              <a:prstDash val="dash"/>
+            </a:ln>
+          </p:spPr>
+          <p:style>
+            <a:lnRef idx="1">
+              <a:schemeClr val="accent1"/>
+            </a:lnRef>
+            <a:fillRef idx="0">
+              <a:schemeClr val="accent1"/>
+            </a:fillRef>
+            <a:effectRef idx="0">
+              <a:schemeClr val="accent1"/>
+            </a:effectRef>
+            <a:fontRef idx="minor">
+              <a:schemeClr val="tx1"/>
+            </a:fontRef>
+          </p:style>
+        </p:cxnSp>
+        <p:sp>
+          <p:nvSpPr>
+            <p:cNvPr id="23" name="TextBox 22"/>
+            <p:cNvSpPr txBox="1"/>
+            <p:nvPr/>
+          </p:nvSpPr>
+          <p:spPr>
+            <a:xfrm>
+              <a:off x="3303411" y="1999318"/>
+              <a:ext cx="309700" cy="369332"/>
+            </a:xfrm>
+            <a:prstGeom prst="rect">
+              <a:avLst/>
+            </a:prstGeom>
+            <a:noFill/>
+          </p:spPr>
+          <p:txBody>
+            <a:bodyPr wrap="none" rtlCol="0">
+              <a:spAutoFit/>
+            </a:bodyPr>
+            <a:lstStyle/>
+            <a:p>
+              <a:r>
+                <a:rPr lang="es-ES" dirty="0"/>
+                <a:t>R</a:t>
+              </a:r>
+            </a:p>
+          </p:txBody>
+        </p:sp>
+        <p:sp>
+          <p:nvSpPr>
+            <p:cNvPr id="24" name="TextBox 23"/>
+            <p:cNvSpPr txBox="1"/>
+            <p:nvPr/>
+          </p:nvSpPr>
+          <p:spPr>
+            <a:xfrm rot="2241344">
+              <a:off x="2589957" y="1523320"/>
+              <a:ext cx="372218" cy="338554"/>
+            </a:xfrm>
+            <a:prstGeom prst="rect">
+              <a:avLst/>
+            </a:prstGeom>
+            <a:noFill/>
+          </p:spPr>
+          <p:txBody>
+            <a:bodyPr wrap="none" rtlCol="0">
+              <a:spAutoFit/>
+            </a:bodyPr>
+            <a:lstStyle/>
+            <a:p>
+              <a:r>
+                <a:rPr lang="es-ES" sz="1600" dirty="0">
+                  <a:latin typeface="Symbol" panose="05050102010706020507" pitchFamily="18" charset="2"/>
+                </a:rPr>
+                <a:t>w</a:t>
+              </a:r>
+              <a:r>
+                <a:rPr lang="es-ES" sz="1600" dirty="0"/>
+                <a:t>l</a:t>
+              </a:r>
+            </a:p>
+          </p:txBody>
+        </p:sp>
+        <p:sp>
+          <p:nvSpPr>
+            <p:cNvPr id="25" name="TextBox 24"/>
+            <p:cNvSpPr txBox="1"/>
+            <p:nvPr/>
+          </p:nvSpPr>
+          <p:spPr>
+            <a:xfrm rot="2241344">
+              <a:off x="2941927" y="2270319"/>
+              <a:ext cx="397866" cy="338554"/>
+            </a:xfrm>
+            <a:prstGeom prst="rect">
+              <a:avLst/>
+            </a:prstGeom>
+            <a:noFill/>
+          </p:spPr>
+          <p:txBody>
+            <a:bodyPr wrap="none" rtlCol="0">
+              <a:spAutoFit/>
+            </a:bodyPr>
+            <a:lstStyle/>
+            <a:p>
+              <a:r>
+                <a:rPr lang="es-ES" sz="1600" dirty="0">
+                  <a:latin typeface="Symbol" panose="05050102010706020507" pitchFamily="18" charset="2"/>
+                </a:rPr>
+                <a:t>w</a:t>
+              </a:r>
+              <a:r>
+                <a:rPr lang="es-ES" sz="1600" dirty="0"/>
+                <a:t>r</a:t>
+              </a:r>
+            </a:p>
+          </p:txBody>
+        </p:sp>
+        <p:sp>
+          <p:nvSpPr>
+            <p:cNvPr id="26" name="TextBox 25"/>
+            <p:cNvSpPr txBox="1"/>
+            <p:nvPr/>
+          </p:nvSpPr>
+          <p:spPr>
+            <a:xfrm>
+              <a:off x="3955409" y="2153911"/>
+              <a:ext cx="396262" cy="461665"/>
+            </a:xfrm>
+            <a:prstGeom prst="rect">
+              <a:avLst/>
+            </a:prstGeom>
+            <a:noFill/>
+          </p:spPr>
+          <p:txBody>
+            <a:bodyPr wrap="none" rtlCol="0">
+              <a:spAutoFit/>
+            </a:bodyPr>
+            <a:lstStyle/>
+            <a:p>
+              <a:r>
+                <a:rPr lang="es-ES" sz="2400" dirty="0">
+                  <a:latin typeface="Symbol" panose="05050102010706020507" pitchFamily="18" charset="2"/>
+                </a:rPr>
+                <a:t>w</a:t>
+              </a:r>
+            </a:p>
+          </p:txBody>
+        </p:sp>
+        <p:sp>
+          <p:nvSpPr>
+            <p:cNvPr id="27" name="Oval 26"/>
+            <p:cNvSpPr/>
+            <p:nvPr/>
+          </p:nvSpPr>
+          <p:spPr>
+            <a:xfrm>
+              <a:off x="3771419" y="2663403"/>
+              <a:ext cx="199943" cy="198764"/>
+            </a:xfrm>
+            <a:prstGeom prst="ellipse">
+              <a:avLst/>
+            </a:prstGeom>
+            <a:noFill/>
+          </p:spPr>
+          <p:style>
+            <a:lnRef idx="2">
+              <a:schemeClr val="accent1">
+                <a:shade val="50000"/>
+              </a:schemeClr>
+            </a:lnRef>
+            <a:fillRef idx="1">
+              <a:schemeClr val="accent1"/>
+            </a:fillRef>
+            <a:effectRef idx="0">
+              <a:schemeClr val="accent1"/>
+            </a:effectRef>
+            <a:fontRef idx="minor">
+              <a:schemeClr val="lt1"/>
+            </a:fontRef>
+          </p:style>
+          <p:txBody>
+            <a:bodyPr rtlCol="0" anchor="ctr"/>
+            <a:lstStyle/>
+            <a:p>
+              <a:pPr algn="ctr"/>
+              <a:endParaRPr lang="es-ES"/>
+            </a:p>
+          </p:txBody>
+        </p:sp>
+        <p:grpSp>
+          <p:nvGrpSpPr>
+            <p:cNvPr id="36" name="Grupo 35">
+              <a:extLst>
+                <a:ext uri="{FF2B5EF4-FFF2-40B4-BE49-F238E27FC236}">
+                  <a16:creationId xmlns:a16="http://schemas.microsoft.com/office/drawing/2014/main" id="{8A1872A6-C486-4103-A66D-7496C90A81AA}"/>
+                </a:ext>
+              </a:extLst>
+            </p:cNvPr>
+            <p:cNvGrpSpPr/>
+            <p:nvPr/>
+          </p:nvGrpSpPr>
+          <p:grpSpPr>
+            <a:xfrm>
+              <a:off x="3801270" y="2690149"/>
+              <a:ext cx="153263" cy="153263"/>
+              <a:chOff x="7083033" y="1249987"/>
+              <a:chExt cx="153263" cy="153263"/>
+            </a:xfrm>
+          </p:grpSpPr>
+          <p:cxnSp>
+            <p:nvCxnSpPr>
+              <p:cNvPr id="41" name="Conector recto 40">
+                <a:extLst>
+                  <a:ext uri="{FF2B5EF4-FFF2-40B4-BE49-F238E27FC236}">
+                    <a16:creationId xmlns:a16="http://schemas.microsoft.com/office/drawing/2014/main" id="{D19837B1-7F45-4791-8302-819FA5473960}"/>
+                  </a:ext>
+                </a:extLst>
+              </p:cNvPr>
+              <p:cNvCxnSpPr/>
+              <p:nvPr/>
+            </p:nvCxnSpPr>
+            <p:spPr>
+              <a:xfrm>
+                <a:off x="7083033" y="1268760"/>
+                <a:ext cx="153263" cy="117154"/>
+              </a:xfrm>
+              <a:prstGeom prst="line">
+                <a:avLst/>
+              </a:prstGeom>
+              <a:ln w="28575"/>
+            </p:spPr>
+            <p:style>
+              <a:lnRef idx="1">
+                <a:schemeClr val="accent1"/>
+              </a:lnRef>
+              <a:fillRef idx="0">
+                <a:schemeClr val="accent1"/>
+              </a:fillRef>
+              <a:effectRef idx="0">
+                <a:schemeClr val="accent1"/>
+              </a:effectRef>
+              <a:fontRef idx="minor">
+                <a:schemeClr val="tx1"/>
+              </a:fontRef>
+            </p:style>
+          </p:cxnSp>
+          <p:cxnSp>
+            <p:nvCxnSpPr>
+              <p:cNvPr id="42" name="Conector recto 41">
+                <a:extLst>
+                  <a:ext uri="{FF2B5EF4-FFF2-40B4-BE49-F238E27FC236}">
+                    <a16:creationId xmlns:a16="http://schemas.microsoft.com/office/drawing/2014/main" id="{3CD94122-25A7-4603-A75C-630CE70F2B88}"/>
+                  </a:ext>
+                </a:extLst>
+              </p:cNvPr>
+              <p:cNvCxnSpPr>
+                <a:cxnSpLocks/>
+              </p:cNvCxnSpPr>
+              <p:nvPr/>
+            </p:nvCxnSpPr>
+            <p:spPr>
+              <a:xfrm rot="5400000">
+                <a:off x="7083751" y="1268042"/>
+                <a:ext cx="153263" cy="117154"/>
+              </a:xfrm>
+              <a:prstGeom prst="line">
+                <a:avLst/>
+              </a:prstGeom>
+              <a:ln w="28575"/>
+            </p:spPr>
+            <p:style>
+              <a:lnRef idx="1">
+                <a:schemeClr val="accent1"/>
+              </a:lnRef>
+              <a:fillRef idx="0">
+                <a:schemeClr val="accent1"/>
+              </a:fillRef>
+              <a:effectRef idx="0">
+                <a:schemeClr val="accent1"/>
+              </a:effectRef>
+              <a:fontRef idx="minor">
+                <a:schemeClr val="tx1"/>
+              </a:fontRef>
+            </p:style>
+          </p:cxnSp>
+        </p:grpSp>
+      </p:grpSp>
+      <p:grpSp>
+        <p:nvGrpSpPr>
+          <p:cNvPr id="2" name="Grupo 12">
+            <a:extLst>
+              <a:ext uri="{FF2B5EF4-FFF2-40B4-BE49-F238E27FC236}">
+                <a16:creationId xmlns:a16="http://schemas.microsoft.com/office/drawing/2014/main" id="{023BBE1F-129A-270C-6555-8FCE3C5A5085}"/>
+              </a:ext>
+            </a:extLst>
+          </p:cNvPr>
+          <p:cNvGrpSpPr/>
+          <p:nvPr/>
+        </p:nvGrpSpPr>
+        <p:grpSpPr>
+          <a:xfrm>
+            <a:off x="4680899" y="915004"/>
+            <a:ext cx="1437282" cy="1719528"/>
+            <a:chOff x="3028950" y="1044338"/>
+            <a:chExt cx="1749527" cy="1895508"/>
+          </a:xfrm>
+        </p:grpSpPr>
+        <p:pic>
+          <p:nvPicPr>
+            <p:cNvPr id="3" name="Imagen 9">
+              <a:extLst>
+                <a:ext uri="{FF2B5EF4-FFF2-40B4-BE49-F238E27FC236}">
+                  <a16:creationId xmlns:a16="http://schemas.microsoft.com/office/drawing/2014/main" id="{552D4013-AD12-0B54-E0B4-A3D3B0624557}"/>
+                </a:ext>
+              </a:extLst>
+            </p:cNvPr>
+            <p:cNvPicPr>
+              <a:picLocks noChangeAspect="1"/>
+            </p:cNvPicPr>
+            <p:nvPr/>
+          </p:nvPicPr>
+          <p:blipFill>
+            <a:blip r:embed="rId5"/>
+            <a:stretch>
+              <a:fillRect/>
+            </a:stretch>
+          </p:blipFill>
+          <p:spPr>
+            <a:xfrm>
+              <a:off x="3028950" y="1044338"/>
+              <a:ext cx="1749527" cy="1895508"/>
+            </a:xfrm>
+            <a:prstGeom prst="rect">
+              <a:avLst/>
+            </a:prstGeom>
+          </p:spPr>
+        </p:pic>
+        <p:sp>
+          <p:nvSpPr>
+            <p:cNvPr id="4" name="Elipse 10">
+              <a:extLst>
+                <a:ext uri="{FF2B5EF4-FFF2-40B4-BE49-F238E27FC236}">
+                  <a16:creationId xmlns:a16="http://schemas.microsoft.com/office/drawing/2014/main" id="{77062861-2BCF-99A9-6ECF-7B9941405D76}"/>
+                </a:ext>
+              </a:extLst>
+            </p:cNvPr>
+            <p:cNvSpPr/>
+            <p:nvPr/>
+          </p:nvSpPr>
+          <p:spPr>
+            <a:xfrm>
+              <a:off x="3095773" y="1096416"/>
+              <a:ext cx="272134" cy="302204"/>
+            </a:xfrm>
+            <a:prstGeom prst="ellipse">
+              <a:avLst/>
+            </a:prstGeom>
+            <a:solidFill>
+              <a:schemeClr val="bg1"/>
+            </a:solidFill>
+            <a:ln>
+              <a:solidFill>
+                <a:schemeClr val="bg1"/>
+              </a:solidFill>
+            </a:ln>
+          </p:spPr>
+          <p:style>
+            <a:lnRef idx="2">
+              <a:schemeClr val="accent1">
+                <a:shade val="50000"/>
+              </a:schemeClr>
+            </a:lnRef>
+            <a:fillRef idx="1">
+              <a:schemeClr val="accent1"/>
+            </a:fillRef>
+            <a:effectRef idx="0">
+              <a:schemeClr val="accent1"/>
+            </a:effectRef>
+            <a:fontRef idx="minor">
+              <a:schemeClr val="lt1"/>
+            </a:fontRef>
+          </p:style>
+          <p:txBody>
+            <a:bodyPr rtlCol="0" anchor="ctr"/>
+            <a:lstStyle/>
+            <a:p>
+              <a:pPr algn="ctr"/>
+              <a:endParaRPr lang="ca-ES"/>
+            </a:p>
+          </p:txBody>
+        </p:sp>
       </p:grpSp>
     </p:spTree>
     <p:extLst>
       <p:ext uri="{BB962C8B-B14F-4D97-AF65-F5344CB8AC3E}">
         <p14:creationId xmlns:p14="http://schemas.microsoft.com/office/powerpoint/2010/main" val="1022321252"/>
+      </p:ext>
+    </p:extLst>
+  </p:cSld>
+  <p:clrMapOvr>
+    <a:masterClrMapping/>
+  </p:clrMapOvr>
+</p:sld>
+</file>
+
+<file path=ppt/slides/slide7.xml><?xml version="1.0" encoding="utf-8"?>
+<p:sld xmlns:a="http://schemas.openxmlformats.org/drawingml/2006/main" xmlns:r="http://schemas.openxmlformats.org/officeDocument/2006/relationships" xmlns:p="http://schemas.openxmlformats.org/presentationml/2006/main">
+  <p:cSld>
+    <p:spTree>
+      <p:nvGrpSpPr>
+        <p:cNvPr id="1" name=""/>
+        <p:cNvGrpSpPr/>
+        <p:nvPr/>
+      </p:nvGrpSpPr>
+      <p:grpSpPr>
+        <a:xfrm>
+          <a:off x="0" y="0"/>
+          <a:ext cx="0" cy="0"/>
+          <a:chOff x="0" y="0"/>
+          <a:chExt cx="0" cy="0"/>
+        </a:xfrm>
+      </p:grpSpPr>
+      <p:grpSp>
+        <p:nvGrpSpPr>
+          <p:cNvPr id="5" name="Group 4">
+            <a:extLst>
+              <a:ext uri="{FF2B5EF4-FFF2-40B4-BE49-F238E27FC236}">
+                <a16:creationId xmlns:a16="http://schemas.microsoft.com/office/drawing/2014/main" id="{7ABE339E-BC53-C3A5-59A0-D49BB9E7586C}"/>
+              </a:ext>
+            </a:extLst>
+          </p:cNvPr>
+          <p:cNvGrpSpPr/>
+          <p:nvPr/>
+        </p:nvGrpSpPr>
+        <p:grpSpPr>
+          <a:xfrm>
+            <a:off x="1372252" y="1180758"/>
+            <a:ext cx="2811290" cy="2567817"/>
+            <a:chOff x="4935794" y="3072496"/>
+            <a:chExt cx="2811290" cy="2567817"/>
+          </a:xfrm>
+        </p:grpSpPr>
+        <p:sp>
+          <p:nvSpPr>
+            <p:cNvPr id="6" name="Oval 5">
+              <a:extLst>
+                <a:ext uri="{FF2B5EF4-FFF2-40B4-BE49-F238E27FC236}">
+                  <a16:creationId xmlns:a16="http://schemas.microsoft.com/office/drawing/2014/main" id="{D0D47705-19F5-49B1-BF86-C558222368CF}"/>
+                </a:ext>
+              </a:extLst>
+            </p:cNvPr>
+            <p:cNvSpPr/>
+            <p:nvPr/>
+          </p:nvSpPr>
+          <p:spPr>
+            <a:xfrm>
+              <a:off x="5024673" y="3512745"/>
+              <a:ext cx="2057400" cy="1996410"/>
+            </a:xfrm>
+            <a:prstGeom prst="ellipse">
+              <a:avLst/>
+            </a:prstGeom>
+            <a:noFill/>
+            <a:ln w="38100">
+              <a:solidFill>
+                <a:srgbClr val="002060"/>
+              </a:solidFill>
+            </a:ln>
+          </p:spPr>
+          <p:style>
+            <a:lnRef idx="2">
+              <a:schemeClr val="accent1">
+                <a:shade val="15000"/>
+              </a:schemeClr>
+            </a:lnRef>
+            <a:fillRef idx="1">
+              <a:schemeClr val="accent1"/>
+            </a:fillRef>
+            <a:effectRef idx="0">
+              <a:schemeClr val="accent1"/>
+            </a:effectRef>
+            <a:fontRef idx="minor">
+              <a:schemeClr val="lt1"/>
+            </a:fontRef>
+          </p:style>
+          <p:txBody>
+            <a:bodyPr rtlCol="0" anchor="ctr"/>
+            <a:lstStyle/>
+            <a:p>
+              <a:pPr algn="ctr"/>
+              <a:endParaRPr lang="en-GB"/>
+            </a:p>
+          </p:txBody>
+        </p:sp>
+        <p:cxnSp>
+          <p:nvCxnSpPr>
+            <p:cNvPr id="7" name="Straight Connector 6">
+              <a:extLst>
+                <a:ext uri="{FF2B5EF4-FFF2-40B4-BE49-F238E27FC236}">
+                  <a16:creationId xmlns:a16="http://schemas.microsoft.com/office/drawing/2014/main" id="{1B6541B0-A089-2031-1F1B-9F84036EAF04}"/>
+                </a:ext>
+              </a:extLst>
+            </p:cNvPr>
+            <p:cNvCxnSpPr>
+              <a:cxnSpLocks/>
+            </p:cNvCxnSpPr>
+            <p:nvPr/>
+          </p:nvCxnSpPr>
+          <p:spPr>
+            <a:xfrm flipH="1">
+              <a:off x="6047715" y="3440321"/>
+              <a:ext cx="5658" cy="2199992"/>
+            </a:xfrm>
+            <a:prstGeom prst="line">
+              <a:avLst/>
+            </a:prstGeom>
+            <a:ln w="28575">
+              <a:solidFill>
+                <a:schemeClr val="bg1">
+                  <a:lumMod val="75000"/>
+                </a:schemeClr>
+              </a:solidFill>
+              <a:prstDash val="sysDash"/>
+            </a:ln>
+          </p:spPr>
+          <p:style>
+            <a:lnRef idx="1">
+              <a:schemeClr val="accent1"/>
+            </a:lnRef>
+            <a:fillRef idx="0">
+              <a:schemeClr val="accent1"/>
+            </a:fillRef>
+            <a:effectRef idx="0">
+              <a:schemeClr val="accent1"/>
+            </a:effectRef>
+            <a:fontRef idx="minor">
+              <a:schemeClr val="tx1"/>
+            </a:fontRef>
+          </p:style>
+        </p:cxnSp>
+        <p:cxnSp>
+          <p:nvCxnSpPr>
+            <p:cNvPr id="8" name="Straight Connector 7">
+              <a:extLst>
+                <a:ext uri="{FF2B5EF4-FFF2-40B4-BE49-F238E27FC236}">
+                  <a16:creationId xmlns:a16="http://schemas.microsoft.com/office/drawing/2014/main" id="{50BEDDE3-6F89-B69D-9F71-C2B4A205F813}"/>
+                </a:ext>
+              </a:extLst>
+            </p:cNvPr>
+            <p:cNvCxnSpPr>
+              <a:cxnSpLocks/>
+            </p:cNvCxnSpPr>
+            <p:nvPr/>
+          </p:nvCxnSpPr>
+          <p:spPr>
+            <a:xfrm flipH="1">
+              <a:off x="5576936" y="3399573"/>
+              <a:ext cx="950613" cy="2163900"/>
+            </a:xfrm>
+            <a:prstGeom prst="line">
+              <a:avLst/>
+            </a:prstGeom>
+            <a:ln w="28575">
+              <a:solidFill>
+                <a:srgbClr val="FF0000"/>
+              </a:solidFill>
+              <a:prstDash val="sysDash"/>
+            </a:ln>
+          </p:spPr>
+          <p:style>
+            <a:lnRef idx="1">
+              <a:schemeClr val="accent1"/>
+            </a:lnRef>
+            <a:fillRef idx="0">
+              <a:schemeClr val="accent1"/>
+            </a:fillRef>
+            <a:effectRef idx="0">
+              <a:schemeClr val="accent1"/>
+            </a:effectRef>
+            <a:fontRef idx="minor">
+              <a:schemeClr val="tx1"/>
+            </a:fontRef>
+          </p:style>
+        </p:cxnSp>
+        <p:cxnSp>
+          <p:nvCxnSpPr>
+            <p:cNvPr id="9" name="Straight Connector 8">
+              <a:extLst>
+                <a:ext uri="{FF2B5EF4-FFF2-40B4-BE49-F238E27FC236}">
+                  <a16:creationId xmlns:a16="http://schemas.microsoft.com/office/drawing/2014/main" id="{396A4199-29DA-DC8F-7FF8-EF64688FC2EB}"/>
+                </a:ext>
+              </a:extLst>
+            </p:cNvPr>
+            <p:cNvCxnSpPr>
+              <a:cxnSpLocks/>
+            </p:cNvCxnSpPr>
+            <p:nvPr/>
+          </p:nvCxnSpPr>
+          <p:spPr>
+            <a:xfrm flipH="1" flipV="1">
+              <a:off x="5566376" y="3407121"/>
+              <a:ext cx="950613" cy="2163900"/>
+            </a:xfrm>
+            <a:prstGeom prst="line">
+              <a:avLst/>
+            </a:prstGeom>
+            <a:ln w="28575">
+              <a:solidFill>
+                <a:srgbClr val="FF0000"/>
+              </a:solidFill>
+              <a:prstDash val="sysDash"/>
+            </a:ln>
+          </p:spPr>
+          <p:style>
+            <a:lnRef idx="1">
+              <a:schemeClr val="accent1"/>
+            </a:lnRef>
+            <a:fillRef idx="0">
+              <a:schemeClr val="accent1"/>
+            </a:fillRef>
+            <a:effectRef idx="0">
+              <a:schemeClr val="accent1"/>
+            </a:effectRef>
+            <a:fontRef idx="minor">
+              <a:schemeClr val="tx1"/>
+            </a:fontRef>
+          </p:style>
+        </p:cxnSp>
+        <p:cxnSp>
+          <p:nvCxnSpPr>
+            <p:cNvPr id="10" name="Straight Connector 9">
+              <a:extLst>
+                <a:ext uri="{FF2B5EF4-FFF2-40B4-BE49-F238E27FC236}">
+                  <a16:creationId xmlns:a16="http://schemas.microsoft.com/office/drawing/2014/main" id="{99ABADAF-17D0-A2AF-D07A-48E1116DC86E}"/>
+                </a:ext>
+              </a:extLst>
+            </p:cNvPr>
+            <p:cNvCxnSpPr>
+              <a:cxnSpLocks/>
+            </p:cNvCxnSpPr>
+            <p:nvPr/>
+          </p:nvCxnSpPr>
+          <p:spPr>
+            <a:xfrm flipH="1" flipV="1">
+              <a:off x="4935794" y="4508639"/>
+              <a:ext cx="2261711" cy="22620"/>
+            </a:xfrm>
+            <a:prstGeom prst="line">
+              <a:avLst/>
+            </a:prstGeom>
+            <a:ln w="28575">
+              <a:solidFill>
+                <a:schemeClr val="bg1">
+                  <a:lumMod val="75000"/>
+                </a:schemeClr>
+              </a:solidFill>
+              <a:prstDash val="sysDash"/>
+            </a:ln>
+          </p:spPr>
+          <p:style>
+            <a:lnRef idx="1">
+              <a:schemeClr val="accent1"/>
+            </a:lnRef>
+            <a:fillRef idx="0">
+              <a:schemeClr val="accent1"/>
+            </a:fillRef>
+            <a:effectRef idx="0">
+              <a:schemeClr val="accent1"/>
+            </a:effectRef>
+            <a:fontRef idx="minor">
+              <a:schemeClr val="tx1"/>
+            </a:fontRef>
+          </p:style>
+        </p:cxnSp>
+        <p:sp>
+          <p:nvSpPr>
+            <p:cNvPr id="11" name="TextBox 10">
+              <a:extLst>
+                <a:ext uri="{FF2B5EF4-FFF2-40B4-BE49-F238E27FC236}">
+                  <a16:creationId xmlns:a16="http://schemas.microsoft.com/office/drawing/2014/main" id="{5EBA5A0E-049A-B6E7-168D-EA88C4FA0FFD}"/>
+                </a:ext>
+              </a:extLst>
+            </p:cNvPr>
+            <p:cNvSpPr txBox="1"/>
+            <p:nvPr/>
+          </p:nvSpPr>
+          <p:spPr>
+            <a:xfrm>
+              <a:off x="5727185" y="3072496"/>
+              <a:ext cx="662233" cy="369332"/>
+            </a:xfrm>
+            <a:prstGeom prst="rect">
+              <a:avLst/>
+            </a:prstGeom>
+            <a:noFill/>
+          </p:spPr>
+          <p:txBody>
+            <a:bodyPr wrap="none" rtlCol="0">
+              <a:spAutoFit/>
+            </a:bodyPr>
+            <a:lstStyle/>
+            <a:p>
+              <a:r>
+                <a:rPr lang="es-ES" b="1" dirty="0">
+                  <a:solidFill>
+                    <a:srgbClr val="0070C0"/>
+                  </a:solidFill>
+                </a:rPr>
+                <a:t>front</a:t>
+              </a:r>
+              <a:endParaRPr lang="en-GB" b="1" dirty="0">
+                <a:solidFill>
+                  <a:srgbClr val="0070C0"/>
+                </a:solidFill>
+              </a:endParaRPr>
+            </a:p>
+          </p:txBody>
+        </p:sp>
+        <p:sp>
+          <p:nvSpPr>
+            <p:cNvPr id="12" name="TextBox 11">
+              <a:extLst>
+                <a:ext uri="{FF2B5EF4-FFF2-40B4-BE49-F238E27FC236}">
+                  <a16:creationId xmlns:a16="http://schemas.microsoft.com/office/drawing/2014/main" id="{422D762E-F10B-CA29-0B9C-E3DFEE0EFDA0}"/>
+                </a:ext>
+              </a:extLst>
+            </p:cNvPr>
+            <p:cNvSpPr txBox="1"/>
+            <p:nvPr/>
+          </p:nvSpPr>
+          <p:spPr>
+            <a:xfrm>
+              <a:off x="6683720" y="3437430"/>
+              <a:ext cx="706732" cy="369332"/>
+            </a:xfrm>
+            <a:prstGeom prst="rect">
+              <a:avLst/>
+            </a:prstGeom>
+            <a:noFill/>
+          </p:spPr>
+          <p:txBody>
+            <a:bodyPr wrap="none" rtlCol="0">
+              <a:spAutoFit/>
+            </a:bodyPr>
+            <a:lstStyle/>
+            <a:p>
+              <a:r>
+                <a:rPr lang="es-ES" b="1" dirty="0">
+                  <a:solidFill>
+                    <a:srgbClr val="0070C0"/>
+                  </a:solidFill>
+                </a:rPr>
+                <a:t>fright</a:t>
+              </a:r>
+              <a:endParaRPr lang="en-GB" b="1" dirty="0">
+                <a:solidFill>
+                  <a:srgbClr val="0070C0"/>
+                </a:solidFill>
+              </a:endParaRPr>
+            </a:p>
+          </p:txBody>
+        </p:sp>
+        <p:cxnSp>
+          <p:nvCxnSpPr>
+            <p:cNvPr id="13" name="Straight Connector 12">
+              <a:extLst>
+                <a:ext uri="{FF2B5EF4-FFF2-40B4-BE49-F238E27FC236}">
+                  <a16:creationId xmlns:a16="http://schemas.microsoft.com/office/drawing/2014/main" id="{290DD2C4-BD0A-B3AB-D47C-81CBC5DAB057}"/>
+                </a:ext>
+              </a:extLst>
+            </p:cNvPr>
+            <p:cNvCxnSpPr>
+              <a:cxnSpLocks/>
+            </p:cNvCxnSpPr>
+            <p:nvPr/>
+          </p:nvCxnSpPr>
+          <p:spPr>
+            <a:xfrm flipH="1">
+              <a:off x="4981059" y="3944897"/>
+              <a:ext cx="2108416" cy="1146407"/>
+            </a:xfrm>
+            <a:prstGeom prst="line">
+              <a:avLst/>
+            </a:prstGeom>
+            <a:ln w="28575">
+              <a:solidFill>
+                <a:srgbClr val="FF0000"/>
+              </a:solidFill>
+              <a:prstDash val="sysDash"/>
+            </a:ln>
+          </p:spPr>
+          <p:style>
+            <a:lnRef idx="1">
+              <a:schemeClr val="accent1"/>
+            </a:lnRef>
+            <a:fillRef idx="0">
+              <a:schemeClr val="accent1"/>
+            </a:fillRef>
+            <a:effectRef idx="0">
+              <a:schemeClr val="accent1"/>
+            </a:effectRef>
+            <a:fontRef idx="minor">
+              <a:schemeClr val="tx1"/>
+            </a:fontRef>
+          </p:style>
+        </p:cxnSp>
+        <p:cxnSp>
+          <p:nvCxnSpPr>
+            <p:cNvPr id="14" name="Straight Connector 13">
+              <a:extLst>
+                <a:ext uri="{FF2B5EF4-FFF2-40B4-BE49-F238E27FC236}">
+                  <a16:creationId xmlns:a16="http://schemas.microsoft.com/office/drawing/2014/main" id="{64EC3E22-B856-2B8E-6210-F54B94703DB0}"/>
+                </a:ext>
+              </a:extLst>
+            </p:cNvPr>
+            <p:cNvCxnSpPr>
+              <a:cxnSpLocks/>
+            </p:cNvCxnSpPr>
+            <p:nvPr/>
+          </p:nvCxnSpPr>
+          <p:spPr>
+            <a:xfrm>
+              <a:off x="4979558" y="3943396"/>
+              <a:ext cx="2108416" cy="1146407"/>
+            </a:xfrm>
+            <a:prstGeom prst="line">
+              <a:avLst/>
+            </a:prstGeom>
+            <a:ln w="28575">
+              <a:solidFill>
+                <a:srgbClr val="FF0000"/>
+              </a:solidFill>
+              <a:prstDash val="sysDash"/>
+            </a:ln>
+          </p:spPr>
+          <p:style>
+            <a:lnRef idx="1">
+              <a:schemeClr val="accent1"/>
+            </a:lnRef>
+            <a:fillRef idx="0">
+              <a:schemeClr val="accent1"/>
+            </a:fillRef>
+            <a:effectRef idx="0">
+              <a:schemeClr val="accent1"/>
+            </a:effectRef>
+            <a:fontRef idx="minor">
+              <a:schemeClr val="tx1"/>
+            </a:fontRef>
+          </p:style>
+        </p:cxnSp>
+        <p:sp>
+          <p:nvSpPr>
+            <p:cNvPr id="15" name="TextBox 14">
+              <a:extLst>
+                <a:ext uri="{FF2B5EF4-FFF2-40B4-BE49-F238E27FC236}">
+                  <a16:creationId xmlns:a16="http://schemas.microsoft.com/office/drawing/2014/main" id="{2A1CC5E4-FBD1-8BE6-FF52-203440E391F8}"/>
+                </a:ext>
+              </a:extLst>
+            </p:cNvPr>
+            <p:cNvSpPr txBox="1"/>
+            <p:nvPr/>
+          </p:nvSpPr>
+          <p:spPr>
+            <a:xfrm>
+              <a:off x="7114090" y="4296857"/>
+              <a:ext cx="632994" cy="369332"/>
+            </a:xfrm>
+            <a:prstGeom prst="rect">
+              <a:avLst/>
+            </a:prstGeom>
+            <a:noFill/>
+          </p:spPr>
+          <p:txBody>
+            <a:bodyPr wrap="none" rtlCol="0">
+              <a:spAutoFit/>
+            </a:bodyPr>
+            <a:lstStyle/>
+            <a:p>
+              <a:r>
+                <a:rPr lang="es-ES" b="1" dirty="0">
+                  <a:solidFill>
+                    <a:srgbClr val="0070C0"/>
+                  </a:solidFill>
+                </a:rPr>
+                <a:t>right</a:t>
+              </a:r>
+              <a:endParaRPr lang="en-GB" b="1" dirty="0">
+                <a:solidFill>
+                  <a:srgbClr val="0070C0"/>
+                </a:solidFill>
+              </a:endParaRPr>
+            </a:p>
+          </p:txBody>
+        </p:sp>
+        <p:sp>
+          <p:nvSpPr>
+            <p:cNvPr id="16" name="TextBox 15">
+              <a:extLst>
+                <a:ext uri="{FF2B5EF4-FFF2-40B4-BE49-F238E27FC236}">
+                  <a16:creationId xmlns:a16="http://schemas.microsoft.com/office/drawing/2014/main" id="{2A0D9B0F-C34C-9B58-67C9-057F5D5548A0}"/>
+                </a:ext>
+              </a:extLst>
+            </p:cNvPr>
+            <p:cNvSpPr txBox="1"/>
+            <p:nvPr/>
+          </p:nvSpPr>
+          <p:spPr>
+            <a:xfrm>
+              <a:off x="6735877" y="5253860"/>
+              <a:ext cx="756426" cy="369332"/>
+            </a:xfrm>
+            <a:prstGeom prst="rect">
+              <a:avLst/>
+            </a:prstGeom>
+            <a:noFill/>
+          </p:spPr>
+          <p:txBody>
+            <a:bodyPr wrap="none" rtlCol="0">
+              <a:spAutoFit/>
+            </a:bodyPr>
+            <a:lstStyle/>
+            <a:p>
+              <a:r>
+                <a:rPr lang="es-ES" b="1" dirty="0">
+                  <a:solidFill>
+                    <a:srgbClr val="0070C0"/>
+                  </a:solidFill>
+                </a:rPr>
+                <a:t>bright</a:t>
+              </a:r>
+              <a:endParaRPr lang="en-GB" b="1" dirty="0">
+                <a:solidFill>
+                  <a:srgbClr val="0070C0"/>
+                </a:solidFill>
+              </a:endParaRPr>
+            </a:p>
+          </p:txBody>
+        </p:sp>
+      </p:grpSp>
+      <p:pic>
+        <p:nvPicPr>
+          <p:cNvPr id="17" name="Picture 16">
+            <a:extLst>
+              <a:ext uri="{FF2B5EF4-FFF2-40B4-BE49-F238E27FC236}">
+                <a16:creationId xmlns:a16="http://schemas.microsoft.com/office/drawing/2014/main" id="{DD00B20B-1E57-DF46-5FC4-49E5C1BB0236}"/>
+              </a:ext>
+            </a:extLst>
+          </p:cNvPr>
+          <p:cNvPicPr>
+            <a:picLocks noChangeAspect="1"/>
+          </p:cNvPicPr>
+          <p:nvPr/>
+        </p:nvPicPr>
+        <p:blipFill>
+          <a:blip r:embed="rId2"/>
+          <a:stretch>
+            <a:fillRect/>
+          </a:stretch>
+        </p:blipFill>
+        <p:spPr>
+          <a:xfrm>
+            <a:off x="4396371" y="725171"/>
+            <a:ext cx="7275134" cy="3474196"/>
+          </a:xfrm>
+          <a:prstGeom prst="rect">
+            <a:avLst/>
+          </a:prstGeom>
+        </p:spPr>
+      </p:pic>
+    </p:spTree>
+    <p:extLst>
+      <p:ext uri="{BB962C8B-B14F-4D97-AF65-F5344CB8AC3E}">
+        <p14:creationId xmlns:p14="http://schemas.microsoft.com/office/powerpoint/2010/main" val="958237236"/>
       </p:ext>
     </p:extLst>
   </p:cSld>
